--- a/preliminary/Working/presentations/KeyStone II  Interrupts.pptx
+++ b/preliminary/Working/presentations/KeyStone II  Interrupts.pptx
@@ -4,13 +4,28 @@
   <p:sldMasterIdLst>
     <p:sldMasterId id="2147483648" r:id="rId1"/>
   </p:sldMasterIdLst>
+  <p:notesMasterIdLst>
+    <p:notesMasterId r:id="rId20"/>
+  </p:notesMasterIdLst>
   <p:sldIdLst>
     <p:sldId id="256" r:id="rId2"/>
-    <p:sldId id="257" r:id="rId3"/>
-    <p:sldId id="258" r:id="rId4"/>
-    <p:sldId id="259" r:id="rId5"/>
-    <p:sldId id="260" r:id="rId6"/>
-    <p:sldId id="261" r:id="rId7"/>
+    <p:sldId id="269" r:id="rId3"/>
+    <p:sldId id="264" r:id="rId4"/>
+    <p:sldId id="265" r:id="rId5"/>
+    <p:sldId id="279" r:id="rId6"/>
+    <p:sldId id="270" r:id="rId7"/>
+    <p:sldId id="271" r:id="rId8"/>
+    <p:sldId id="272" r:id="rId9"/>
+    <p:sldId id="273" r:id="rId10"/>
+    <p:sldId id="274" r:id="rId11"/>
+    <p:sldId id="275" r:id="rId12"/>
+    <p:sldId id="276" r:id="rId13"/>
+    <p:sldId id="277" r:id="rId14"/>
+    <p:sldId id="278" r:id="rId15"/>
+    <p:sldId id="280" r:id="rId16"/>
+    <p:sldId id="281" r:id="rId17"/>
+    <p:sldId id="282" r:id="rId18"/>
+    <p:sldId id="283" r:id="rId19"/>
   </p:sldIdLst>
   <p:sldSz cx="9144000" cy="6858000" type="screen4x3"/>
   <p:notesSz cx="6858000" cy="9144000"/>
@@ -112,6 +127,549 @@
 </p:presentation>
 </file>
 
+<file path=ppt/notesMasters/notesMaster1.xml><?xml version="1.0" encoding="utf-8"?>
+<p:notesMaster xmlns:a="http://schemas.openxmlformats.org/drawingml/2006/main" xmlns:r="http://schemas.openxmlformats.org/officeDocument/2006/relationships" xmlns:p="http://schemas.openxmlformats.org/presentationml/2006/main">
+  <p:cSld>
+    <p:bg>
+      <p:bgRef idx="1001">
+        <a:schemeClr val="bg1"/>
+      </p:bgRef>
+    </p:bg>
+    <p:spTree>
+      <p:nvGrpSpPr>
+        <p:cNvPr id="1" name=""/>
+        <p:cNvGrpSpPr/>
+        <p:nvPr/>
+      </p:nvGrpSpPr>
+      <p:grpSpPr>
+        <a:xfrm>
+          <a:off x="0" y="0"/>
+          <a:ext cx="0" cy="0"/>
+          <a:chOff x="0" y="0"/>
+          <a:chExt cx="0" cy="0"/>
+        </a:xfrm>
+      </p:grpSpPr>
+      <p:sp>
+        <p:nvSpPr>
+          <p:cNvPr id="2" name="Header Placeholder 1"/>
+          <p:cNvSpPr>
+            <a:spLocks noGrp="1"/>
+          </p:cNvSpPr>
+          <p:nvPr>
+            <p:ph type="hdr" sz="quarter"/>
+          </p:nvPr>
+        </p:nvSpPr>
+        <p:spPr>
+          <a:xfrm>
+            <a:off x="0" y="0"/>
+            <a:ext cx="2971800" cy="457200"/>
+          </a:xfrm>
+          <a:prstGeom prst="rect">
+            <a:avLst/>
+          </a:prstGeom>
+        </p:spPr>
+        <p:txBody>
+          <a:bodyPr vert="horz" lIns="91440" tIns="45720" rIns="91440" bIns="45720" rtlCol="0"/>
+          <a:lstStyle>
+            <a:lvl1pPr algn="l">
+              <a:defRPr sz="1200"/>
+            </a:lvl1pPr>
+          </a:lstStyle>
+          <a:p>
+            <a:endParaRPr lang="en-US" dirty="0"/>
+          </a:p>
+        </p:txBody>
+      </p:sp>
+      <p:sp>
+        <p:nvSpPr>
+          <p:cNvPr id="3" name="Date Placeholder 2"/>
+          <p:cNvSpPr>
+            <a:spLocks noGrp="1"/>
+          </p:cNvSpPr>
+          <p:nvPr>
+            <p:ph type="dt" idx="1"/>
+          </p:nvPr>
+        </p:nvSpPr>
+        <p:spPr>
+          <a:xfrm>
+            <a:off x="3884613" y="0"/>
+            <a:ext cx="2971800" cy="457200"/>
+          </a:xfrm>
+          <a:prstGeom prst="rect">
+            <a:avLst/>
+          </a:prstGeom>
+        </p:spPr>
+        <p:txBody>
+          <a:bodyPr vert="horz" lIns="91440" tIns="45720" rIns="91440" bIns="45720" rtlCol="0"/>
+          <a:lstStyle>
+            <a:lvl1pPr algn="r">
+              <a:defRPr sz="1200"/>
+            </a:lvl1pPr>
+          </a:lstStyle>
+          <a:p>
+            <a:fld id="{B22F2706-6752-44E9-A692-BE6AB28C1083}" type="datetimeFigureOut">
+              <a:rPr lang="en-US" smtClean="0"/>
+              <a:t>9/25/2013</a:t>
+            </a:fld>
+            <a:endParaRPr lang="en-US" dirty="0"/>
+          </a:p>
+        </p:txBody>
+      </p:sp>
+      <p:sp>
+        <p:nvSpPr>
+          <p:cNvPr id="4" name="Slide Image Placeholder 3"/>
+          <p:cNvSpPr>
+            <a:spLocks noGrp="1" noRot="1" noChangeAspect="1"/>
+          </p:cNvSpPr>
+          <p:nvPr>
+            <p:ph type="sldImg" idx="2"/>
+          </p:nvPr>
+        </p:nvSpPr>
+        <p:spPr>
+          <a:xfrm>
+            <a:off x="1143000" y="685800"/>
+            <a:ext cx="4572000" cy="3429000"/>
+          </a:xfrm>
+          <a:prstGeom prst="rect">
+            <a:avLst/>
+          </a:prstGeom>
+          <a:noFill/>
+          <a:ln w="12700">
+            <a:solidFill>
+              <a:prstClr val="black"/>
+            </a:solidFill>
+          </a:ln>
+        </p:spPr>
+        <p:txBody>
+          <a:bodyPr vert="horz" lIns="91440" tIns="45720" rIns="91440" bIns="45720" rtlCol="0" anchor="ctr"/>
+          <a:lstStyle/>
+          <a:p>
+            <a:endParaRPr lang="en-US" dirty="0"/>
+          </a:p>
+        </p:txBody>
+      </p:sp>
+      <p:sp>
+        <p:nvSpPr>
+          <p:cNvPr id="5" name="Notes Placeholder 4"/>
+          <p:cNvSpPr>
+            <a:spLocks noGrp="1"/>
+          </p:cNvSpPr>
+          <p:nvPr>
+            <p:ph type="body" sz="quarter" idx="3"/>
+          </p:nvPr>
+        </p:nvSpPr>
+        <p:spPr>
+          <a:xfrm>
+            <a:off x="685800" y="4343400"/>
+            <a:ext cx="5486400" cy="4114800"/>
+          </a:xfrm>
+          <a:prstGeom prst="rect">
+            <a:avLst/>
+          </a:prstGeom>
+        </p:spPr>
+        <p:txBody>
+          <a:bodyPr vert="horz" lIns="91440" tIns="45720" rIns="91440" bIns="45720" rtlCol="0">
+            <a:normAutofit/>
+          </a:bodyPr>
+          <a:lstStyle/>
+          <a:p>
+            <a:pPr lvl="0"/>
+            <a:r>
+              <a:rPr lang="en-US" smtClean="0"/>
+              <a:t>Click to edit Master text styles</a:t>
+            </a:r>
+          </a:p>
+          <a:p>
+            <a:pPr lvl="1"/>
+            <a:r>
+              <a:rPr lang="en-US" smtClean="0"/>
+              <a:t>Second level</a:t>
+            </a:r>
+          </a:p>
+          <a:p>
+            <a:pPr lvl="2"/>
+            <a:r>
+              <a:rPr lang="en-US" smtClean="0"/>
+              <a:t>Third level</a:t>
+            </a:r>
+          </a:p>
+          <a:p>
+            <a:pPr lvl="3"/>
+            <a:r>
+              <a:rPr lang="en-US" smtClean="0"/>
+              <a:t>Fourth level</a:t>
+            </a:r>
+          </a:p>
+          <a:p>
+            <a:pPr lvl="4"/>
+            <a:r>
+              <a:rPr lang="en-US" smtClean="0"/>
+              <a:t>Fifth level</a:t>
+            </a:r>
+            <a:endParaRPr lang="en-US"/>
+          </a:p>
+        </p:txBody>
+      </p:sp>
+      <p:sp>
+        <p:nvSpPr>
+          <p:cNvPr id="6" name="Footer Placeholder 5"/>
+          <p:cNvSpPr>
+            <a:spLocks noGrp="1"/>
+          </p:cNvSpPr>
+          <p:nvPr>
+            <p:ph type="ftr" sz="quarter" idx="4"/>
+          </p:nvPr>
+        </p:nvSpPr>
+        <p:spPr>
+          <a:xfrm>
+            <a:off x="0" y="8685213"/>
+            <a:ext cx="2971800" cy="457200"/>
+          </a:xfrm>
+          <a:prstGeom prst="rect">
+            <a:avLst/>
+          </a:prstGeom>
+        </p:spPr>
+        <p:txBody>
+          <a:bodyPr vert="horz" lIns="91440" tIns="45720" rIns="91440" bIns="45720" rtlCol="0" anchor="b"/>
+          <a:lstStyle>
+            <a:lvl1pPr algn="l">
+              <a:defRPr sz="1200"/>
+            </a:lvl1pPr>
+          </a:lstStyle>
+          <a:p>
+            <a:endParaRPr lang="en-US" dirty="0"/>
+          </a:p>
+        </p:txBody>
+      </p:sp>
+      <p:sp>
+        <p:nvSpPr>
+          <p:cNvPr id="7" name="Slide Number Placeholder 6"/>
+          <p:cNvSpPr>
+            <a:spLocks noGrp="1"/>
+          </p:cNvSpPr>
+          <p:nvPr>
+            <p:ph type="sldNum" sz="quarter" idx="5"/>
+          </p:nvPr>
+        </p:nvSpPr>
+        <p:spPr>
+          <a:xfrm>
+            <a:off x="3884613" y="8685213"/>
+            <a:ext cx="2971800" cy="457200"/>
+          </a:xfrm>
+          <a:prstGeom prst="rect">
+            <a:avLst/>
+          </a:prstGeom>
+        </p:spPr>
+        <p:txBody>
+          <a:bodyPr vert="horz" lIns="91440" tIns="45720" rIns="91440" bIns="45720" rtlCol="0" anchor="b"/>
+          <a:lstStyle>
+            <a:lvl1pPr algn="r">
+              <a:defRPr sz="1200"/>
+            </a:lvl1pPr>
+          </a:lstStyle>
+          <a:p>
+            <a:fld id="{A7E3349E-9C98-4214-BD4E-A919EAC395B9}" type="slidenum">
+              <a:rPr lang="en-US" smtClean="0"/>
+              <a:t>‹#›</a:t>
+            </a:fld>
+            <a:endParaRPr lang="en-US" dirty="0"/>
+          </a:p>
+        </p:txBody>
+      </p:sp>
+    </p:spTree>
+  </p:cSld>
+  <p:clrMap bg1="lt1" tx1="dk1" bg2="lt2" tx2="dk2" accent1="accent1" accent2="accent2" accent3="accent3" accent4="accent4" accent5="accent5" accent6="accent6" hlink="hlink" folHlink="folHlink"/>
+  <p:notesStyle>
+    <a:lvl1pPr marL="0" algn="l" defTabSz="914400" rtl="0" eaLnBrk="1" latinLnBrk="0" hangingPunct="1">
+      <a:defRPr sz="1200" kern="1200">
+        <a:solidFill>
+          <a:schemeClr val="tx1"/>
+        </a:solidFill>
+        <a:latin typeface="+mn-lt"/>
+        <a:ea typeface="+mn-ea"/>
+        <a:cs typeface="+mn-cs"/>
+      </a:defRPr>
+    </a:lvl1pPr>
+    <a:lvl2pPr marL="457200" algn="l" defTabSz="914400" rtl="0" eaLnBrk="1" latinLnBrk="0" hangingPunct="1">
+      <a:defRPr sz="1200" kern="1200">
+        <a:solidFill>
+          <a:schemeClr val="tx1"/>
+        </a:solidFill>
+        <a:latin typeface="+mn-lt"/>
+        <a:ea typeface="+mn-ea"/>
+        <a:cs typeface="+mn-cs"/>
+      </a:defRPr>
+    </a:lvl2pPr>
+    <a:lvl3pPr marL="914400" algn="l" defTabSz="914400" rtl="0" eaLnBrk="1" latinLnBrk="0" hangingPunct="1">
+      <a:defRPr sz="1200" kern="1200">
+        <a:solidFill>
+          <a:schemeClr val="tx1"/>
+        </a:solidFill>
+        <a:latin typeface="+mn-lt"/>
+        <a:ea typeface="+mn-ea"/>
+        <a:cs typeface="+mn-cs"/>
+      </a:defRPr>
+    </a:lvl3pPr>
+    <a:lvl4pPr marL="1371600" algn="l" defTabSz="914400" rtl="0" eaLnBrk="1" latinLnBrk="0" hangingPunct="1">
+      <a:defRPr sz="1200" kern="1200">
+        <a:solidFill>
+          <a:schemeClr val="tx1"/>
+        </a:solidFill>
+        <a:latin typeface="+mn-lt"/>
+        <a:ea typeface="+mn-ea"/>
+        <a:cs typeface="+mn-cs"/>
+      </a:defRPr>
+    </a:lvl4pPr>
+    <a:lvl5pPr marL="1828800" algn="l" defTabSz="914400" rtl="0" eaLnBrk="1" latinLnBrk="0" hangingPunct="1">
+      <a:defRPr sz="1200" kern="1200">
+        <a:solidFill>
+          <a:schemeClr val="tx1"/>
+        </a:solidFill>
+        <a:latin typeface="+mn-lt"/>
+        <a:ea typeface="+mn-ea"/>
+        <a:cs typeface="+mn-cs"/>
+      </a:defRPr>
+    </a:lvl5pPr>
+    <a:lvl6pPr marL="2286000" algn="l" defTabSz="914400" rtl="0" eaLnBrk="1" latinLnBrk="0" hangingPunct="1">
+      <a:defRPr sz="1200" kern="1200">
+        <a:solidFill>
+          <a:schemeClr val="tx1"/>
+        </a:solidFill>
+        <a:latin typeface="+mn-lt"/>
+        <a:ea typeface="+mn-ea"/>
+        <a:cs typeface="+mn-cs"/>
+      </a:defRPr>
+    </a:lvl6pPr>
+    <a:lvl7pPr marL="2743200" algn="l" defTabSz="914400" rtl="0" eaLnBrk="1" latinLnBrk="0" hangingPunct="1">
+      <a:defRPr sz="1200" kern="1200">
+        <a:solidFill>
+          <a:schemeClr val="tx1"/>
+        </a:solidFill>
+        <a:latin typeface="+mn-lt"/>
+        <a:ea typeface="+mn-ea"/>
+        <a:cs typeface="+mn-cs"/>
+      </a:defRPr>
+    </a:lvl7pPr>
+    <a:lvl8pPr marL="3200400" algn="l" defTabSz="914400" rtl="0" eaLnBrk="1" latinLnBrk="0" hangingPunct="1">
+      <a:defRPr sz="1200" kern="1200">
+        <a:solidFill>
+          <a:schemeClr val="tx1"/>
+        </a:solidFill>
+        <a:latin typeface="+mn-lt"/>
+        <a:ea typeface="+mn-ea"/>
+        <a:cs typeface="+mn-cs"/>
+      </a:defRPr>
+    </a:lvl8pPr>
+    <a:lvl9pPr marL="3657600" algn="l" defTabSz="914400" rtl="0" eaLnBrk="1" latinLnBrk="0" hangingPunct="1">
+      <a:defRPr sz="1200" kern="1200">
+        <a:solidFill>
+          <a:schemeClr val="tx1"/>
+        </a:solidFill>
+        <a:latin typeface="+mn-lt"/>
+        <a:ea typeface="+mn-ea"/>
+        <a:cs typeface="+mn-cs"/>
+      </a:defRPr>
+    </a:lvl9pPr>
+  </p:notesStyle>
+</p:notesMaster>
+</file>
+
+<file path=ppt/notesSlides/notesSlide1.xml><?xml version="1.0" encoding="utf-8"?>
+<p:notes xmlns:a="http://schemas.openxmlformats.org/drawingml/2006/main" xmlns:r="http://schemas.openxmlformats.org/officeDocument/2006/relationships" xmlns:p="http://schemas.openxmlformats.org/presentationml/2006/main">
+  <p:cSld>
+    <p:spTree>
+      <p:nvGrpSpPr>
+        <p:cNvPr id="1" name=""/>
+        <p:cNvGrpSpPr/>
+        <p:nvPr/>
+      </p:nvGrpSpPr>
+      <p:grpSpPr>
+        <a:xfrm>
+          <a:off x="0" y="0"/>
+          <a:ext cx="0" cy="0"/>
+          <a:chOff x="0" y="0"/>
+          <a:chExt cx="0" cy="0"/>
+        </a:xfrm>
+      </p:grpSpPr>
+      <p:sp>
+        <p:nvSpPr>
+          <p:cNvPr id="109570" name="Rectangle 5"/>
+          <p:cNvSpPr>
+            <a:spLocks noGrp="1" noChangeArrowheads="1"/>
+          </p:cNvSpPr>
+          <p:nvPr>
+            <p:ph type="sldNum" sz="quarter" idx="5"/>
+          </p:nvPr>
+        </p:nvSpPr>
+        <p:spPr/>
+        <p:txBody>
+          <a:bodyPr/>
+          <a:lstStyle/>
+          <a:p>
+            <a:pPr>
+              <a:defRPr/>
+            </a:pPr>
+            <a:fld id="{23B30211-FEEF-4885-AC60-8AA952B87C13}" type="slidenum">
+              <a:rPr lang="en-US" smtClean="0">
+                <a:solidFill>
+                  <a:srgbClr val="000000"/>
+                </a:solidFill>
+              </a:rPr>
+              <a:pPr>
+                <a:defRPr/>
+              </a:pPr>
+              <a:t>3</a:t>
+            </a:fld>
+            <a:endParaRPr lang="en-US" dirty="0" smtClean="0">
+              <a:solidFill>
+                <a:srgbClr val="000000"/>
+              </a:solidFill>
+            </a:endParaRPr>
+          </a:p>
+        </p:txBody>
+      </p:sp>
+      <p:sp>
+        <p:nvSpPr>
+          <p:cNvPr id="109571" name="Rectangle 2"/>
+          <p:cNvSpPr>
+            <a:spLocks noGrp="1" noRot="1" noChangeAspect="1" noChangeArrowheads="1" noTextEdit="1"/>
+          </p:cNvSpPr>
+          <p:nvPr>
+            <p:ph type="sldImg"/>
+          </p:nvPr>
+        </p:nvSpPr>
+        <p:spPr>
+          <a:xfrm>
+            <a:off x="1189138" y="692452"/>
+            <a:ext cx="4484191" cy="3416905"/>
+          </a:xfrm>
+          <a:ln/>
+        </p:spPr>
+      </p:sp>
+      <p:sp>
+        <p:nvSpPr>
+          <p:cNvPr id="109572" name="Rectangle 3"/>
+          <p:cNvSpPr>
+            <a:spLocks noGrp="1" noChangeArrowheads="1"/>
+          </p:cNvSpPr>
+          <p:nvPr>
+            <p:ph type="body" idx="1"/>
+          </p:nvPr>
+        </p:nvSpPr>
+        <p:spPr>
+          <a:xfrm>
+            <a:off x="686098" y="4342191"/>
+            <a:ext cx="5637609" cy="4192512"/>
+          </a:xfrm>
+          <a:noFill/>
+          <a:ln/>
+        </p:spPr>
+        <p:txBody>
+          <a:bodyPr lIns="91420" tIns="45710" rIns="91420" bIns="45710"/>
+          <a:lstStyle/>
+          <a:p>
+            <a:endParaRPr lang="en-US" dirty="0" smtClean="0"/>
+          </a:p>
+        </p:txBody>
+      </p:sp>
+    </p:spTree>
+  </p:cSld>
+  <p:clrMapOvr>
+    <a:masterClrMapping/>
+  </p:clrMapOvr>
+</p:notes>
+</file>
+
+<file path=ppt/notesSlides/notesSlide2.xml><?xml version="1.0" encoding="utf-8"?>
+<p:notes xmlns:a="http://schemas.openxmlformats.org/drawingml/2006/main" xmlns:r="http://schemas.openxmlformats.org/officeDocument/2006/relationships" xmlns:p="http://schemas.openxmlformats.org/presentationml/2006/main">
+  <p:cSld>
+    <p:spTree>
+      <p:nvGrpSpPr>
+        <p:cNvPr id="1" name=""/>
+        <p:cNvGrpSpPr/>
+        <p:nvPr/>
+      </p:nvGrpSpPr>
+      <p:grpSpPr>
+        <a:xfrm>
+          <a:off x="0" y="0"/>
+          <a:ext cx="0" cy="0"/>
+          <a:chOff x="0" y="0"/>
+          <a:chExt cx="0" cy="0"/>
+        </a:xfrm>
+      </p:grpSpPr>
+      <p:sp>
+        <p:nvSpPr>
+          <p:cNvPr id="110594" name="Slide Image Placeholder 1"/>
+          <p:cNvSpPr>
+            <a:spLocks noGrp="1" noRot="1" noChangeAspect="1" noTextEdit="1"/>
+          </p:cNvSpPr>
+          <p:nvPr>
+            <p:ph type="sldImg"/>
+          </p:nvPr>
+        </p:nvSpPr>
+        <p:spPr>
+          <a:ln/>
+        </p:spPr>
+      </p:sp>
+      <p:sp>
+        <p:nvSpPr>
+          <p:cNvPr id="110595" name="Notes Placeholder 2"/>
+          <p:cNvSpPr>
+            <a:spLocks noGrp="1"/>
+          </p:cNvSpPr>
+          <p:nvPr>
+            <p:ph type="body" idx="1"/>
+          </p:nvPr>
+        </p:nvSpPr>
+        <p:spPr>
+          <a:noFill/>
+          <a:ln/>
+        </p:spPr>
+        <p:txBody>
+          <a:bodyPr/>
+          <a:lstStyle/>
+          <a:p>
+            <a:endParaRPr lang="en-US" dirty="0" smtClean="0"/>
+          </a:p>
+        </p:txBody>
+      </p:sp>
+      <p:sp>
+        <p:nvSpPr>
+          <p:cNvPr id="110596" name="Slide Number Placeholder 3"/>
+          <p:cNvSpPr>
+            <a:spLocks noGrp="1"/>
+          </p:cNvSpPr>
+          <p:nvPr>
+            <p:ph type="sldNum" sz="quarter" idx="5"/>
+          </p:nvPr>
+        </p:nvSpPr>
+        <p:spPr/>
+        <p:txBody>
+          <a:bodyPr/>
+          <a:lstStyle/>
+          <a:p>
+            <a:pPr>
+              <a:defRPr/>
+            </a:pPr>
+            <a:fld id="{323C9E6B-FCED-49D7-B72D-47C4925C4B60}" type="slidenum">
+              <a:rPr lang="en-US" smtClean="0"/>
+              <a:pPr>
+                <a:defRPr/>
+              </a:pPr>
+              <a:t>4</a:t>
+            </a:fld>
+            <a:endParaRPr lang="en-US" dirty="0" smtClean="0"/>
+          </a:p>
+        </p:txBody>
+      </p:sp>
+    </p:spTree>
+  </p:cSld>
+  <p:clrMapOvr>
+    <a:masterClrMapping/>
+  </p:clrMapOvr>
+</p:notes>
+</file>
+
 <file path=ppt/slideLayouts/slideLayout1.xml><?xml version="1.0" encoding="utf-8"?>
 <p:sldLayout xmlns:a="http://schemas.openxmlformats.org/drawingml/2006/main" xmlns:r="http://schemas.openxmlformats.org/officeDocument/2006/relationships" xmlns:p="http://schemas.openxmlformats.org/presentationml/2006/main" type="title" preserve="1">
   <p:cSld name="Title Slide">
@@ -293,7 +851,8 @@
           <a:p>
             <a:fld id="{4BD4843F-35AE-4465-813A-5DD03C17DB3D}" type="datetimeFigureOut">
               <a:rPr lang="en-US" smtClean="0"/>
-              <a:t>7/1/2013</a:t>
+              <a:pPr/>
+              <a:t>9/24/2013</a:t>
             </a:fld>
             <a:endParaRPr lang="en-US" dirty="0"/>
           </a:p>
@@ -335,6 +894,7 @@
           <a:p>
             <a:fld id="{9CFBA4C1-E7C4-400B-B2AB-56EA44C1C560}" type="slidenum">
               <a:rPr lang="en-US" smtClean="0"/>
+              <a:pPr/>
               <a:t>‹#›</a:t>
             </a:fld>
             <a:endParaRPr lang="en-US" dirty="0"/>
@@ -458,7 +1018,8 @@
           <a:p>
             <a:fld id="{4BD4843F-35AE-4465-813A-5DD03C17DB3D}" type="datetimeFigureOut">
               <a:rPr lang="en-US" smtClean="0"/>
-              <a:t>7/1/2013</a:t>
+              <a:pPr/>
+              <a:t>9/24/2013</a:t>
             </a:fld>
             <a:endParaRPr lang="en-US" dirty="0"/>
           </a:p>
@@ -500,6 +1061,7 @@
           <a:p>
             <a:fld id="{9CFBA4C1-E7C4-400B-B2AB-56EA44C1C560}" type="slidenum">
               <a:rPr lang="en-US" smtClean="0"/>
+              <a:pPr/>
               <a:t>‹#›</a:t>
             </a:fld>
             <a:endParaRPr lang="en-US" dirty="0"/>
@@ -633,7 +1195,8 @@
           <a:p>
             <a:fld id="{4BD4843F-35AE-4465-813A-5DD03C17DB3D}" type="datetimeFigureOut">
               <a:rPr lang="en-US" smtClean="0"/>
-              <a:t>7/1/2013</a:t>
+              <a:pPr/>
+              <a:t>9/24/2013</a:t>
             </a:fld>
             <a:endParaRPr lang="en-US" dirty="0"/>
           </a:p>
@@ -675,6 +1238,7 @@
           <a:p>
             <a:fld id="{9CFBA4C1-E7C4-400B-B2AB-56EA44C1C560}" type="slidenum">
               <a:rPr lang="en-US" smtClean="0"/>
+              <a:pPr/>
               <a:t>‹#›</a:t>
             </a:fld>
             <a:endParaRPr lang="en-US" dirty="0"/>
@@ -798,7 +1362,8 @@
           <a:p>
             <a:fld id="{4BD4843F-35AE-4465-813A-5DD03C17DB3D}" type="datetimeFigureOut">
               <a:rPr lang="en-US" smtClean="0"/>
-              <a:t>7/1/2013</a:t>
+              <a:pPr/>
+              <a:t>9/24/2013</a:t>
             </a:fld>
             <a:endParaRPr lang="en-US" dirty="0"/>
           </a:p>
@@ -840,6 +1405,7 @@
           <a:p>
             <a:fld id="{9CFBA4C1-E7C4-400B-B2AB-56EA44C1C560}" type="slidenum">
               <a:rPr lang="en-US" smtClean="0"/>
+              <a:pPr/>
               <a:t>‹#›</a:t>
             </a:fld>
             <a:endParaRPr lang="en-US" dirty="0"/>
@@ -1039,7 +1605,8 @@
           <a:p>
             <a:fld id="{4BD4843F-35AE-4465-813A-5DD03C17DB3D}" type="datetimeFigureOut">
               <a:rPr lang="en-US" smtClean="0"/>
-              <a:t>7/1/2013</a:t>
+              <a:pPr/>
+              <a:t>9/24/2013</a:t>
             </a:fld>
             <a:endParaRPr lang="en-US" dirty="0"/>
           </a:p>
@@ -1081,6 +1648,7 @@
           <a:p>
             <a:fld id="{9CFBA4C1-E7C4-400B-B2AB-56EA44C1C560}" type="slidenum">
               <a:rPr lang="en-US" smtClean="0"/>
+              <a:pPr/>
               <a:t>‹#›</a:t>
             </a:fld>
             <a:endParaRPr lang="en-US" dirty="0"/>
@@ -1322,7 +1890,8 @@
           <a:p>
             <a:fld id="{4BD4843F-35AE-4465-813A-5DD03C17DB3D}" type="datetimeFigureOut">
               <a:rPr lang="en-US" smtClean="0"/>
-              <a:t>7/1/2013</a:t>
+              <a:pPr/>
+              <a:t>9/24/2013</a:t>
             </a:fld>
             <a:endParaRPr lang="en-US" dirty="0"/>
           </a:p>
@@ -1364,6 +1933,7 @@
           <a:p>
             <a:fld id="{9CFBA4C1-E7C4-400B-B2AB-56EA44C1C560}" type="slidenum">
               <a:rPr lang="en-US" smtClean="0"/>
+              <a:pPr/>
               <a:t>‹#›</a:t>
             </a:fld>
             <a:endParaRPr lang="en-US" dirty="0"/>
@@ -1739,7 +2309,8 @@
           <a:p>
             <a:fld id="{4BD4843F-35AE-4465-813A-5DD03C17DB3D}" type="datetimeFigureOut">
               <a:rPr lang="en-US" smtClean="0"/>
-              <a:t>7/1/2013</a:t>
+              <a:pPr/>
+              <a:t>9/24/2013</a:t>
             </a:fld>
             <a:endParaRPr lang="en-US" dirty="0"/>
           </a:p>
@@ -1781,6 +2352,7 @@
           <a:p>
             <a:fld id="{9CFBA4C1-E7C4-400B-B2AB-56EA44C1C560}" type="slidenum">
               <a:rPr lang="en-US" smtClean="0"/>
+              <a:pPr/>
               <a:t>‹#›</a:t>
             </a:fld>
             <a:endParaRPr lang="en-US" dirty="0"/>
@@ -1852,7 +2424,8 @@
           <a:p>
             <a:fld id="{4BD4843F-35AE-4465-813A-5DD03C17DB3D}" type="datetimeFigureOut">
               <a:rPr lang="en-US" smtClean="0"/>
-              <a:t>7/1/2013</a:t>
+              <a:pPr/>
+              <a:t>9/24/2013</a:t>
             </a:fld>
             <a:endParaRPr lang="en-US" dirty="0"/>
           </a:p>
@@ -1894,6 +2467,7 @@
           <a:p>
             <a:fld id="{9CFBA4C1-E7C4-400B-B2AB-56EA44C1C560}" type="slidenum">
               <a:rPr lang="en-US" smtClean="0"/>
+              <a:pPr/>
               <a:t>‹#›</a:t>
             </a:fld>
             <a:endParaRPr lang="en-US" dirty="0"/>
@@ -1942,7 +2516,8 @@
           <a:p>
             <a:fld id="{4BD4843F-35AE-4465-813A-5DD03C17DB3D}" type="datetimeFigureOut">
               <a:rPr lang="en-US" smtClean="0"/>
-              <a:t>7/1/2013</a:t>
+              <a:pPr/>
+              <a:t>9/24/2013</a:t>
             </a:fld>
             <a:endParaRPr lang="en-US" dirty="0"/>
           </a:p>
@@ -1984,6 +2559,7 @@
           <a:p>
             <a:fld id="{9CFBA4C1-E7C4-400B-B2AB-56EA44C1C560}" type="slidenum">
               <a:rPr lang="en-US" smtClean="0"/>
+              <a:pPr/>
               <a:t>‹#›</a:t>
             </a:fld>
             <a:endParaRPr lang="en-US" dirty="0"/>
@@ -2214,7 +2790,8 @@
           <a:p>
             <a:fld id="{4BD4843F-35AE-4465-813A-5DD03C17DB3D}" type="datetimeFigureOut">
               <a:rPr lang="en-US" smtClean="0"/>
-              <a:t>7/1/2013</a:t>
+              <a:pPr/>
+              <a:t>9/24/2013</a:t>
             </a:fld>
             <a:endParaRPr lang="en-US" dirty="0"/>
           </a:p>
@@ -2256,6 +2833,7 @@
           <a:p>
             <a:fld id="{9CFBA4C1-E7C4-400B-B2AB-56EA44C1C560}" type="slidenum">
               <a:rPr lang="en-US" smtClean="0"/>
+              <a:pPr/>
               <a:t>‹#›</a:t>
             </a:fld>
             <a:endParaRPr lang="en-US" dirty="0"/>
@@ -2462,7 +3040,8 @@
           <a:p>
             <a:fld id="{4BD4843F-35AE-4465-813A-5DD03C17DB3D}" type="datetimeFigureOut">
               <a:rPr lang="en-US" smtClean="0"/>
-              <a:t>7/1/2013</a:t>
+              <a:pPr/>
+              <a:t>9/24/2013</a:t>
             </a:fld>
             <a:endParaRPr lang="en-US" dirty="0"/>
           </a:p>
@@ -2504,6 +3083,7 @@
           <a:p>
             <a:fld id="{9CFBA4C1-E7C4-400B-B2AB-56EA44C1C560}" type="slidenum">
               <a:rPr lang="en-US" smtClean="0"/>
+              <a:pPr/>
               <a:t>‹#›</a:t>
             </a:fld>
             <a:endParaRPr lang="en-US" dirty="0"/>
@@ -2670,7 +3250,8 @@
           <a:p>
             <a:fld id="{4BD4843F-35AE-4465-813A-5DD03C17DB3D}" type="datetimeFigureOut">
               <a:rPr lang="en-US" smtClean="0"/>
-              <a:t>7/1/2013</a:t>
+              <a:pPr/>
+              <a:t>9/24/2013</a:t>
             </a:fld>
             <a:endParaRPr lang="en-US" dirty="0"/>
           </a:p>
@@ -2748,6 +3329,7 @@
           <a:p>
             <a:fld id="{9CFBA4C1-E7C4-400B-B2AB-56EA44C1C560}" type="slidenum">
               <a:rPr lang="en-US" smtClean="0"/>
+              <a:pPr/>
               <a:t>‹#›</a:t>
             </a:fld>
             <a:endParaRPr lang="en-US" dirty="0"/>
@@ -3097,6 +3679,717 @@
 </p:sld>
 </file>
 
+<file path=ppt/slides/slide10.xml><?xml version="1.0" encoding="utf-8"?>
+<p:sld xmlns:a="http://schemas.openxmlformats.org/drawingml/2006/main" xmlns:r="http://schemas.openxmlformats.org/officeDocument/2006/relationships" xmlns:p="http://schemas.openxmlformats.org/presentationml/2006/main">
+  <p:cSld>
+    <p:spTree>
+      <p:nvGrpSpPr>
+        <p:cNvPr id="1" name=""/>
+        <p:cNvGrpSpPr/>
+        <p:nvPr/>
+      </p:nvGrpSpPr>
+      <p:grpSpPr>
+        <a:xfrm>
+          <a:off x="0" y="0"/>
+          <a:ext cx="0" cy="0"/>
+          <a:chOff x="0" y="0"/>
+          <a:chExt cx="0" cy="0"/>
+        </a:xfrm>
+      </p:grpSpPr>
+      <p:pic>
+        <p:nvPicPr>
+          <p:cNvPr id="5122" name="Picture 2"/>
+          <p:cNvPicPr>
+            <a:picLocks noChangeAspect="1" noChangeArrowheads="1"/>
+          </p:cNvPicPr>
+          <p:nvPr/>
+        </p:nvPicPr>
+        <p:blipFill>
+          <a:blip r:embed="rId2" cstate="print"/>
+          <a:srcRect/>
+          <a:stretch>
+            <a:fillRect/>
+          </a:stretch>
+        </p:blipFill>
+        <p:spPr bwMode="auto">
+          <a:xfrm>
+            <a:off x="381000" y="228600"/>
+            <a:ext cx="7648575" cy="6372225"/>
+          </a:xfrm>
+          <a:prstGeom prst="rect">
+            <a:avLst/>
+          </a:prstGeom>
+          <a:noFill/>
+          <a:ln w="9525">
+            <a:noFill/>
+            <a:miter lim="800000"/>
+            <a:headEnd/>
+            <a:tailEnd/>
+          </a:ln>
+        </p:spPr>
+      </p:pic>
+    </p:spTree>
+  </p:cSld>
+  <p:clrMapOvr>
+    <a:masterClrMapping/>
+  </p:clrMapOvr>
+</p:sld>
+</file>
+
+<file path=ppt/slides/slide11.xml><?xml version="1.0" encoding="utf-8"?>
+<p:sld xmlns:a="http://schemas.openxmlformats.org/drawingml/2006/main" xmlns:r="http://schemas.openxmlformats.org/officeDocument/2006/relationships" xmlns:p="http://schemas.openxmlformats.org/presentationml/2006/main">
+  <p:cSld>
+    <p:spTree>
+      <p:nvGrpSpPr>
+        <p:cNvPr id="1" name=""/>
+        <p:cNvGrpSpPr/>
+        <p:nvPr/>
+      </p:nvGrpSpPr>
+      <p:grpSpPr>
+        <a:xfrm>
+          <a:off x="0" y="0"/>
+          <a:ext cx="0" cy="0"/>
+          <a:chOff x="0" y="0"/>
+          <a:chExt cx="0" cy="0"/>
+        </a:xfrm>
+      </p:grpSpPr>
+      <p:sp>
+        <p:nvSpPr>
+          <p:cNvPr id="2" name="Title 1"/>
+          <p:cNvSpPr>
+            <a:spLocks noGrp="1"/>
+          </p:cNvSpPr>
+          <p:nvPr>
+            <p:ph type="title"/>
+          </p:nvPr>
+        </p:nvSpPr>
+        <p:spPr>
+          <a:xfrm>
+            <a:off x="457200" y="274638"/>
+            <a:ext cx="8229600" cy="715962"/>
+          </a:xfrm>
+        </p:spPr>
+        <p:txBody>
+          <a:bodyPr>
+            <a:normAutofit/>
+          </a:bodyPr>
+          <a:lstStyle/>
+          <a:p>
+            <a:r>
+              <a:rPr lang="en-US" sz="3600" dirty="0" smtClean="0"/>
+              <a:t>Where is SPIXEVT?</a:t>
+            </a:r>
+            <a:endParaRPr lang="en-US" sz="3600" dirty="0"/>
+          </a:p>
+        </p:txBody>
+      </p:sp>
+      <p:sp>
+        <p:nvSpPr>
+          <p:cNvPr id="3" name="Content Placeholder 2"/>
+          <p:cNvSpPr>
+            <a:spLocks noGrp="1"/>
+          </p:cNvSpPr>
+          <p:nvPr>
+            <p:ph idx="1"/>
+          </p:nvPr>
+        </p:nvSpPr>
+        <p:spPr/>
+        <p:txBody>
+          <a:bodyPr>
+            <a:normAutofit fontScale="92500"/>
+          </a:bodyPr>
+          <a:lstStyle/>
+          <a:p>
+            <a:r>
+              <a:rPr lang="en-US" sz="2800" dirty="0" smtClean="0"/>
+              <a:t>Not on the above page</a:t>
+            </a:r>
+            <a:endParaRPr lang="en-US" sz="2800" dirty="0" smtClean="0"/>
+          </a:p>
+          <a:p>
+            <a:r>
+              <a:rPr lang="en-US" sz="2800" dirty="0" smtClean="0"/>
+              <a:t>Not on any of the other two pages in the table</a:t>
+            </a:r>
+          </a:p>
+          <a:p>
+            <a:r>
+              <a:rPr lang="en-US" sz="2800" dirty="0" smtClean="0"/>
+              <a:t>But we see that there are eight events (56 to 63) that come out of the interrupt controller. We can connect SPIXEVT through the interrupt controller to one of these events (broadcast events)</a:t>
+            </a:r>
+          </a:p>
+          <a:p>
+            <a:r>
+              <a:rPr lang="en-US" sz="2800" dirty="0" smtClean="0"/>
+              <a:t>They are other events from the interrupt controller that could be considered (Both, broadcast and single core)</a:t>
+            </a:r>
+          </a:p>
+          <a:p>
+            <a:r>
+              <a:rPr lang="en-US" sz="2800" dirty="0" smtClean="0"/>
+              <a:t>The ARM GIC has 480 input events and 12 of them are connected to SPI</a:t>
+            </a:r>
+          </a:p>
+        </p:txBody>
+      </p:sp>
+    </p:spTree>
+  </p:cSld>
+  <p:clrMapOvr>
+    <a:masterClrMapping/>
+  </p:clrMapOvr>
+</p:sld>
+</file>
+
+<file path=ppt/slides/slide12.xml><?xml version="1.0" encoding="utf-8"?>
+<p:sld xmlns:a="http://schemas.openxmlformats.org/drawingml/2006/main" xmlns:r="http://schemas.openxmlformats.org/officeDocument/2006/relationships" xmlns:p="http://schemas.openxmlformats.org/presentationml/2006/main">
+  <p:cSld>
+    <p:spTree>
+      <p:nvGrpSpPr>
+        <p:cNvPr id="1" name=""/>
+        <p:cNvGrpSpPr/>
+        <p:nvPr/>
+      </p:nvGrpSpPr>
+      <p:grpSpPr>
+        <a:xfrm>
+          <a:off x="0" y="0"/>
+          <a:ext cx="0" cy="0"/>
+          <a:chOff x="0" y="0"/>
+          <a:chExt cx="0" cy="0"/>
+        </a:xfrm>
+      </p:grpSpPr>
+      <p:sp>
+        <p:nvSpPr>
+          <p:cNvPr id="2" name="Title 1"/>
+          <p:cNvSpPr>
+            <a:spLocks noGrp="1"/>
+          </p:cNvSpPr>
+          <p:nvPr>
+            <p:ph type="title"/>
+          </p:nvPr>
+        </p:nvSpPr>
+        <p:spPr>
+          <a:xfrm>
+            <a:off x="457200" y="274638"/>
+            <a:ext cx="8229600" cy="715962"/>
+          </a:xfrm>
+        </p:spPr>
+        <p:txBody>
+          <a:bodyPr>
+            <a:normAutofit/>
+          </a:bodyPr>
+          <a:lstStyle/>
+          <a:p>
+            <a:r>
+              <a:rPr lang="en-US" sz="3600" dirty="0" smtClean="0"/>
+              <a:t>Connecting SPIXEVT</a:t>
+            </a:r>
+            <a:r>
+              <a:rPr lang="en-US" sz="3600" dirty="0" smtClean="0"/>
+              <a:t> </a:t>
+            </a:r>
+            <a:r>
+              <a:rPr lang="en-US" sz="3600" dirty="0" smtClean="0"/>
+              <a:t>to Core 3</a:t>
+            </a:r>
+            <a:endParaRPr lang="en-US" sz="3600" dirty="0"/>
+          </a:p>
+        </p:txBody>
+      </p:sp>
+      <p:sp>
+        <p:nvSpPr>
+          <p:cNvPr id="3" name="Content Placeholder 2"/>
+          <p:cNvSpPr>
+            <a:spLocks noGrp="1"/>
+          </p:cNvSpPr>
+          <p:nvPr>
+            <p:ph idx="1"/>
+          </p:nvPr>
+        </p:nvSpPr>
+        <p:spPr/>
+        <p:txBody>
+          <a:bodyPr>
+            <a:normAutofit/>
+          </a:bodyPr>
+          <a:lstStyle/>
+          <a:p>
+            <a:r>
+              <a:rPr lang="en-US" sz="2800" dirty="0" smtClean="0"/>
+              <a:t>66AK2H12 has multiple instances of SPI, we will look at SPI 0</a:t>
+            </a:r>
+          </a:p>
+          <a:p>
+            <a:r>
+              <a:rPr lang="en-US" sz="2800" dirty="0" smtClean="0"/>
+              <a:t>The next slide will show one page from the inp</a:t>
+            </a:r>
+            <a:r>
+              <a:rPr lang="en-US" sz="2800" dirty="0" smtClean="0"/>
+              <a:t>ut table for CIC0. Same events are connected to CIC1 as well</a:t>
+            </a:r>
+          </a:p>
+          <a:p>
+            <a:endParaRPr lang="en-US" sz="2800" dirty="0" smtClean="0"/>
+          </a:p>
+        </p:txBody>
+      </p:sp>
+    </p:spTree>
+  </p:cSld>
+  <p:clrMapOvr>
+    <a:masterClrMapping/>
+  </p:clrMapOvr>
+</p:sld>
+</file>
+
+<file path=ppt/slides/slide13.xml><?xml version="1.0" encoding="utf-8"?>
+<p:sld xmlns:a="http://schemas.openxmlformats.org/drawingml/2006/main" xmlns:r="http://schemas.openxmlformats.org/officeDocument/2006/relationships" xmlns:p="http://schemas.openxmlformats.org/presentationml/2006/main">
+  <p:cSld>
+    <p:spTree>
+      <p:nvGrpSpPr>
+        <p:cNvPr id="1" name=""/>
+        <p:cNvGrpSpPr/>
+        <p:nvPr/>
+      </p:nvGrpSpPr>
+      <p:grpSpPr>
+        <a:xfrm>
+          <a:off x="0" y="0"/>
+          <a:ext cx="0" cy="0"/>
+          <a:chOff x="0" y="0"/>
+          <a:chExt cx="0" cy="0"/>
+        </a:xfrm>
+      </p:grpSpPr>
+      <p:pic>
+        <p:nvPicPr>
+          <p:cNvPr id="6146" name="Picture 2"/>
+          <p:cNvPicPr>
+            <a:picLocks noChangeAspect="1" noChangeArrowheads="1"/>
+          </p:cNvPicPr>
+          <p:nvPr/>
+        </p:nvPicPr>
+        <p:blipFill>
+          <a:blip r:embed="rId2" cstate="print"/>
+          <a:srcRect/>
+          <a:stretch>
+            <a:fillRect/>
+          </a:stretch>
+        </p:blipFill>
+        <p:spPr bwMode="auto">
+          <a:xfrm>
+            <a:off x="457200" y="152400"/>
+            <a:ext cx="6767513" cy="6524888"/>
+          </a:xfrm>
+          <a:prstGeom prst="rect">
+            <a:avLst/>
+          </a:prstGeom>
+          <a:noFill/>
+          <a:ln w="9525">
+            <a:noFill/>
+            <a:miter lim="800000"/>
+            <a:headEnd/>
+            <a:tailEnd/>
+          </a:ln>
+        </p:spPr>
+      </p:pic>
+    </p:spTree>
+  </p:cSld>
+  <p:clrMapOvr>
+    <a:masterClrMapping/>
+  </p:clrMapOvr>
+</p:sld>
+</file>
+
+<file path=ppt/slides/slide14.xml><?xml version="1.0" encoding="utf-8"?>
+<p:sld xmlns:a="http://schemas.openxmlformats.org/drawingml/2006/main" xmlns:r="http://schemas.openxmlformats.org/officeDocument/2006/relationships" xmlns:p="http://schemas.openxmlformats.org/presentationml/2006/main">
+  <p:cSld>
+    <p:spTree>
+      <p:nvGrpSpPr>
+        <p:cNvPr id="1" name=""/>
+        <p:cNvGrpSpPr/>
+        <p:nvPr/>
+      </p:nvGrpSpPr>
+      <p:grpSpPr>
+        <a:xfrm>
+          <a:off x="0" y="0"/>
+          <a:ext cx="0" cy="0"/>
+          <a:chOff x="0" y="0"/>
+          <a:chExt cx="0" cy="0"/>
+        </a:xfrm>
+      </p:grpSpPr>
+      <p:sp>
+        <p:nvSpPr>
+          <p:cNvPr id="4" name="Title 3"/>
+          <p:cNvSpPr>
+            <a:spLocks noGrp="1"/>
+          </p:cNvSpPr>
+          <p:nvPr>
+            <p:ph type="title"/>
+          </p:nvPr>
+        </p:nvSpPr>
+        <p:spPr>
+          <a:xfrm>
+            <a:off x="457200" y="274638"/>
+            <a:ext cx="8229600" cy="944562"/>
+          </a:xfrm>
+        </p:spPr>
+        <p:txBody>
+          <a:bodyPr>
+            <a:normAutofit fontScale="90000"/>
+          </a:bodyPr>
+          <a:lstStyle/>
+          <a:p>
+            <a:r>
+              <a:rPr lang="en-US" sz="3600" dirty="0" smtClean="0"/>
+              <a:t>Connecting SPI 0 Transmit event to core 3 ISR</a:t>
+            </a:r>
+            <a:endParaRPr lang="en-US" sz="3600" dirty="0"/>
+          </a:p>
+        </p:txBody>
+      </p:sp>
+      <p:graphicFrame>
+        <p:nvGraphicFramePr>
+          <p:cNvPr id="6" name="Object 5"/>
+          <p:cNvGraphicFramePr>
+            <a:graphicFrameLocks noChangeAspect="1"/>
+          </p:cNvGraphicFramePr>
+          <p:nvPr/>
+        </p:nvGraphicFramePr>
+        <p:xfrm>
+          <a:off x="685800" y="1115314"/>
+          <a:ext cx="6477000" cy="5242820"/>
+        </p:xfrm>
+        <a:graphic>
+          <a:graphicData uri="http://schemas.openxmlformats.org/presentationml/2006/ole">
+            <p:oleObj spid="_x0000_s7171" name="Visio" r:id="rId3" imgW="8397105" imgH="6796989" progId="Visio.Drawing.11">
+              <p:embed/>
+            </p:oleObj>
+          </a:graphicData>
+        </a:graphic>
+      </p:graphicFrame>
+    </p:spTree>
+  </p:cSld>
+  <p:clrMapOvr>
+    <a:masterClrMapping/>
+  </p:clrMapOvr>
+</p:sld>
+</file>
+
+<file path=ppt/slides/slide15.xml><?xml version="1.0" encoding="utf-8"?>
+<p:sld xmlns:a="http://schemas.openxmlformats.org/drawingml/2006/main" xmlns:r="http://schemas.openxmlformats.org/officeDocument/2006/relationships" xmlns:p="http://schemas.openxmlformats.org/presentationml/2006/main">
+  <p:cSld>
+    <p:spTree>
+      <p:nvGrpSpPr>
+        <p:cNvPr id="1" name=""/>
+        <p:cNvGrpSpPr/>
+        <p:nvPr/>
+      </p:nvGrpSpPr>
+      <p:grpSpPr>
+        <a:xfrm>
+          <a:off x="0" y="0"/>
+          <a:ext cx="0" cy="0"/>
+          <a:chOff x="0" y="0"/>
+          <a:chExt cx="0" cy="0"/>
+        </a:xfrm>
+      </p:grpSpPr>
+      <p:sp>
+        <p:nvSpPr>
+          <p:cNvPr id="2" name="Title 1"/>
+          <p:cNvSpPr>
+            <a:spLocks noGrp="1"/>
+          </p:cNvSpPr>
+          <p:nvPr>
+            <p:ph type="title"/>
+          </p:nvPr>
+        </p:nvSpPr>
+        <p:spPr>
+          <a:xfrm>
+            <a:off x="457200" y="274638"/>
+            <a:ext cx="8229600" cy="715962"/>
+          </a:xfrm>
+        </p:spPr>
+        <p:txBody>
+          <a:bodyPr>
+            <a:normAutofit/>
+          </a:bodyPr>
+          <a:lstStyle/>
+          <a:p>
+            <a:r>
+              <a:rPr lang="en-US" sz="3600" dirty="0" smtClean="0"/>
+              <a:t>Agenda</a:t>
+            </a:r>
+            <a:endParaRPr lang="en-US" sz="3600" dirty="0"/>
+          </a:p>
+        </p:txBody>
+      </p:sp>
+      <p:sp>
+        <p:nvSpPr>
+          <p:cNvPr id="3" name="Content Placeholder 2"/>
+          <p:cNvSpPr>
+            <a:spLocks noGrp="1"/>
+          </p:cNvSpPr>
+          <p:nvPr>
+            <p:ph idx="1"/>
+          </p:nvPr>
+        </p:nvSpPr>
+        <p:spPr/>
+        <p:txBody>
+          <a:bodyPr>
+            <a:normAutofit/>
+          </a:bodyPr>
+          <a:lstStyle/>
+          <a:p>
+            <a:r>
+              <a:rPr lang="en-US" sz="2800" dirty="0" smtClean="0"/>
+              <a:t>Motivation for this presentation</a:t>
+            </a:r>
+            <a:endParaRPr lang="en-US" sz="2800" dirty="0" smtClean="0"/>
+          </a:p>
+          <a:p>
+            <a:r>
+              <a:rPr lang="en-US" sz="2800" dirty="0" smtClean="0"/>
+              <a:t>The interrupt Scheme</a:t>
+            </a:r>
+          </a:p>
+          <a:p>
+            <a:r>
+              <a:rPr lang="en-US" sz="2800" b="1" dirty="0" smtClean="0"/>
+              <a:t>Configure interrupt</a:t>
+            </a:r>
+          </a:p>
+        </p:txBody>
+      </p:sp>
+    </p:spTree>
+  </p:cSld>
+  <p:clrMapOvr>
+    <a:masterClrMapping/>
+  </p:clrMapOvr>
+</p:sld>
+</file>
+
+<file path=ppt/slides/slide16.xml><?xml version="1.0" encoding="utf-8"?>
+<p:sld xmlns:a="http://schemas.openxmlformats.org/drawingml/2006/main" xmlns:r="http://schemas.openxmlformats.org/officeDocument/2006/relationships" xmlns:p="http://schemas.openxmlformats.org/presentationml/2006/main">
+  <p:cSld>
+    <p:spTree>
+      <p:nvGrpSpPr>
+        <p:cNvPr id="1" name=""/>
+        <p:cNvGrpSpPr/>
+        <p:nvPr/>
+      </p:nvGrpSpPr>
+      <p:grpSpPr>
+        <a:xfrm>
+          <a:off x="0" y="0"/>
+          <a:ext cx="0" cy="0"/>
+          <a:chOff x="0" y="0"/>
+          <a:chExt cx="0" cy="0"/>
+        </a:xfrm>
+      </p:grpSpPr>
+      <p:sp>
+        <p:nvSpPr>
+          <p:cNvPr id="2" name="Title 1"/>
+          <p:cNvSpPr>
+            <a:spLocks noGrp="1"/>
+          </p:cNvSpPr>
+          <p:nvPr>
+            <p:ph type="title"/>
+          </p:nvPr>
+        </p:nvSpPr>
+        <p:spPr>
+          <a:xfrm>
+            <a:off x="457200" y="274638"/>
+            <a:ext cx="8229600" cy="715962"/>
+          </a:xfrm>
+        </p:spPr>
+        <p:txBody>
+          <a:bodyPr>
+            <a:normAutofit/>
+          </a:bodyPr>
+          <a:lstStyle/>
+          <a:p>
+            <a:r>
+              <a:rPr lang="en-US" sz="3600" dirty="0" smtClean="0"/>
+              <a:t>Configuration API</a:t>
+            </a:r>
+            <a:endParaRPr lang="en-US" sz="3600" dirty="0"/>
+          </a:p>
+        </p:txBody>
+      </p:sp>
+      <p:sp>
+        <p:nvSpPr>
+          <p:cNvPr id="3" name="Content Placeholder 2"/>
+          <p:cNvSpPr>
+            <a:spLocks noGrp="1"/>
+          </p:cNvSpPr>
+          <p:nvPr>
+            <p:ph idx="1"/>
+          </p:nvPr>
+        </p:nvSpPr>
+        <p:spPr/>
+        <p:txBody>
+          <a:bodyPr>
+            <a:normAutofit/>
+          </a:bodyPr>
+          <a:lstStyle/>
+          <a:p>
+            <a:r>
+              <a:rPr lang="en-US" sz="2800" dirty="0" smtClean="0"/>
+              <a:t>Read the </a:t>
+            </a:r>
+            <a:r>
+              <a:rPr lang="en-US" sz="2800" dirty="0" smtClean="0"/>
+              <a:t>following Wiki: </a:t>
+            </a:r>
+            <a:r>
+              <a:rPr lang="en-US" sz="1600" i="1" dirty="0" smtClean="0">
+                <a:hlinkClick r:id="rId2"/>
+              </a:rPr>
+              <a:t>http://</a:t>
+            </a:r>
+            <a:r>
+              <a:rPr lang="en-US" sz="1600" i="1" dirty="0" smtClean="0">
+                <a:hlinkClick r:id="rId2"/>
+              </a:rPr>
+              <a:t>processors.wiki.ti.com/index.php/Configuring_Interrupts_on_Keystone_Devices</a:t>
+            </a:r>
+            <a:endParaRPr lang="en-US" sz="1600" i="1" dirty="0" smtClean="0"/>
+          </a:p>
+          <a:p>
+            <a:r>
+              <a:rPr lang="en-US" sz="2800" dirty="0" smtClean="0"/>
+              <a:t>For KeyStone II (MCSDK 3), look at the two include files csl_cpIntc.h and csl_cpIntCAux.h to see all the API that are needed</a:t>
+            </a:r>
+          </a:p>
+          <a:p>
+            <a:r>
+              <a:rPr lang="en-US" sz="2800" dirty="0" smtClean="0"/>
+              <a:t>The next slide with show APIs</a:t>
+            </a:r>
+            <a:r>
+              <a:rPr lang="en-US" sz="2800" dirty="0" smtClean="0"/>
+              <a:t> to connect system events to channels (output of the CIC) and the channel events to interrupt line</a:t>
+            </a:r>
+          </a:p>
+        </p:txBody>
+      </p:sp>
+    </p:spTree>
+  </p:cSld>
+  <p:clrMapOvr>
+    <a:masterClrMapping/>
+  </p:clrMapOvr>
+</p:sld>
+</file>
+
+<file path=ppt/slides/slide17.xml><?xml version="1.0" encoding="utf-8"?>
+<p:sld xmlns:a="http://schemas.openxmlformats.org/drawingml/2006/main" xmlns:r="http://schemas.openxmlformats.org/officeDocument/2006/relationships" xmlns:p="http://schemas.openxmlformats.org/presentationml/2006/main">
+  <p:cSld>
+    <p:spTree>
+      <p:nvGrpSpPr>
+        <p:cNvPr id="1" name=""/>
+        <p:cNvGrpSpPr/>
+        <p:nvPr/>
+      </p:nvGrpSpPr>
+      <p:grpSpPr>
+        <a:xfrm>
+          <a:off x="0" y="0"/>
+          <a:ext cx="0" cy="0"/>
+          <a:chOff x="0" y="0"/>
+          <a:chExt cx="0" cy="0"/>
+        </a:xfrm>
+      </p:grpSpPr>
+      <p:pic>
+        <p:nvPicPr>
+          <p:cNvPr id="8194" name="Picture 2"/>
+          <p:cNvPicPr>
+            <a:picLocks noChangeAspect="1" noChangeArrowheads="1"/>
+          </p:cNvPicPr>
+          <p:nvPr/>
+        </p:nvPicPr>
+        <p:blipFill>
+          <a:blip r:embed="rId2" cstate="print"/>
+          <a:srcRect/>
+          <a:stretch>
+            <a:fillRect/>
+          </a:stretch>
+        </p:blipFill>
+        <p:spPr bwMode="auto">
+          <a:xfrm>
+            <a:off x="1219200" y="461389"/>
+            <a:ext cx="5791200" cy="5844261"/>
+          </a:xfrm>
+          <a:prstGeom prst="rect">
+            <a:avLst/>
+          </a:prstGeom>
+          <a:noFill/>
+          <a:ln w="9525">
+            <a:noFill/>
+            <a:miter lim="800000"/>
+            <a:headEnd/>
+            <a:tailEnd/>
+          </a:ln>
+        </p:spPr>
+      </p:pic>
+    </p:spTree>
+  </p:cSld>
+  <p:clrMapOvr>
+    <a:masterClrMapping/>
+  </p:clrMapOvr>
+</p:sld>
+</file>
+
+<file path=ppt/slides/slide18.xml><?xml version="1.0" encoding="utf-8"?>
+<p:sld xmlns:a="http://schemas.openxmlformats.org/drawingml/2006/main" xmlns:r="http://schemas.openxmlformats.org/officeDocument/2006/relationships" xmlns:p="http://schemas.openxmlformats.org/presentationml/2006/main">
+  <p:cSld>
+    <p:spTree>
+      <p:nvGrpSpPr>
+        <p:cNvPr id="1" name=""/>
+        <p:cNvGrpSpPr/>
+        <p:nvPr/>
+      </p:nvGrpSpPr>
+      <p:grpSpPr>
+        <a:xfrm>
+          <a:off x="0" y="0"/>
+          <a:ext cx="0" cy="0"/>
+          <a:chOff x="0" y="0"/>
+          <a:chExt cx="0" cy="0"/>
+        </a:xfrm>
+      </p:grpSpPr>
+      <p:pic>
+        <p:nvPicPr>
+          <p:cNvPr id="9218" name="Picture 2"/>
+          <p:cNvPicPr>
+            <a:picLocks noChangeAspect="1" noChangeArrowheads="1"/>
+          </p:cNvPicPr>
+          <p:nvPr/>
+        </p:nvPicPr>
+        <p:blipFill>
+          <a:blip r:embed="rId2" cstate="print"/>
+          <a:srcRect/>
+          <a:stretch>
+            <a:fillRect/>
+          </a:stretch>
+        </p:blipFill>
+        <p:spPr bwMode="auto">
+          <a:xfrm>
+            <a:off x="1524000" y="337766"/>
+            <a:ext cx="6053371" cy="6139234"/>
+          </a:xfrm>
+          <a:prstGeom prst="rect">
+            <a:avLst/>
+          </a:prstGeom>
+          <a:noFill/>
+          <a:ln w="9525">
+            <a:noFill/>
+            <a:miter lim="800000"/>
+            <a:headEnd/>
+            <a:tailEnd/>
+          </a:ln>
+        </p:spPr>
+      </p:pic>
+    </p:spTree>
+  </p:cSld>
+  <p:clrMapOvr>
+    <a:masterClrMapping/>
+  </p:clrMapOvr>
+</p:sld>
+</file>
+
 <file path=ppt/slides/slide2.xml><?xml version="1.0" encoding="utf-8"?>
 <p:sld xmlns:a="http://schemas.openxmlformats.org/drawingml/2006/main" xmlns:r="http://schemas.openxmlformats.org/officeDocument/2006/relationships" xmlns:p="http://schemas.openxmlformats.org/presentationml/2006/main">
   <p:cSld>
@@ -3116,7 +4409,7 @@
       </p:grpSpPr>
       <p:sp>
         <p:nvSpPr>
-          <p:cNvPr id="4" name="Title 3"/>
+          <p:cNvPr id="2" name="Title 1"/>
           <p:cNvSpPr>
             <a:spLocks noGrp="1"/>
           </p:cNvSpPr>
@@ -3138,46 +4431,50 @@
           <a:p>
             <a:r>
               <a:rPr lang="en-US" sz="3600" dirty="0" smtClean="0"/>
-              <a:t>IPC registers </a:t>
+              <a:t>Agenda</a:t>
             </a:r>
             <a:endParaRPr lang="en-US" sz="3600" dirty="0"/>
           </a:p>
         </p:txBody>
       </p:sp>
-      <p:pic>
-        <p:nvPicPr>
-          <p:cNvPr id="1026" name="Picture 2"/>
-          <p:cNvPicPr>
-            <a:picLocks noGrp="1" noChangeAspect="1" noChangeArrowheads="1"/>
-          </p:cNvPicPr>
+      <p:sp>
+        <p:nvSpPr>
+          <p:cNvPr id="3" name="Content Placeholder 2"/>
+          <p:cNvSpPr>
+            <a:spLocks noGrp="1"/>
+          </p:cNvSpPr>
           <p:nvPr>
             <p:ph idx="1"/>
           </p:nvPr>
-        </p:nvPicPr>
-        <p:blipFill>
-          <a:blip r:embed="rId2" cstate="print"/>
-          <a:srcRect/>
-          <a:stretch>
-            <a:fillRect/>
-          </a:stretch>
-        </p:blipFill>
-        <p:spPr bwMode="auto">
-          <a:xfrm>
-            <a:off x="304800" y="1600200"/>
-            <a:ext cx="8229600" cy="4372795"/>
-          </a:xfrm>
-          <a:prstGeom prst="rect">
-            <a:avLst/>
-          </a:prstGeom>
-          <a:noFill/>
-          <a:ln w="9525">
-            <a:noFill/>
-            <a:miter lim="800000"/>
-            <a:headEnd/>
-            <a:tailEnd/>
-          </a:ln>
-        </p:spPr>
-      </p:pic>
+        </p:nvSpPr>
+        <p:spPr/>
+        <p:txBody>
+          <a:bodyPr>
+            <a:normAutofit/>
+          </a:bodyPr>
+          <a:lstStyle/>
+          <a:p>
+            <a:r>
+              <a:rPr lang="en-US" sz="2800" b="1" dirty="0" smtClean="0"/>
+              <a:t>Motivation for this presentation</a:t>
+            </a:r>
+            <a:endParaRPr lang="en-US" sz="2800" b="1" dirty="0" smtClean="0"/>
+          </a:p>
+          <a:p>
+            <a:r>
+              <a:rPr lang="en-US" sz="2800" dirty="0" smtClean="0"/>
+              <a:t>The interrupt Scheme</a:t>
+            </a:r>
+          </a:p>
+          <a:p>
+            <a:r>
+              <a:rPr lang="en-US" sz="2800" smtClean="0"/>
+              <a:t>Configure interrupt</a:t>
+            </a:r>
+            <a:endParaRPr lang="en-US" sz="2800" dirty="0" smtClean="0"/>
+          </a:p>
+        </p:txBody>
+      </p:sp>
     </p:spTree>
   </p:cSld>
   <p:clrMapOvr>
@@ -3205,9 +4502,9 @@
       </p:grpSpPr>
       <p:sp>
         <p:nvSpPr>
-          <p:cNvPr id="2" name="Title 1"/>
-          <p:cNvSpPr>
-            <a:spLocks noGrp="1"/>
+          <p:cNvPr id="45058" name="Rectangle 2"/>
+          <p:cNvSpPr>
+            <a:spLocks noGrp="1" noChangeArrowheads="1"/>
           </p:cNvSpPr>
           <p:nvPr>
             <p:ph type="title"/>
@@ -3215,66 +4512,1206 @@
         </p:nvSpPr>
         <p:spPr>
           <a:xfrm>
-            <a:off x="457200" y="274638"/>
-            <a:ext cx="8229600" cy="715962"/>
+            <a:off x="0" y="-31750"/>
+            <a:ext cx="9144000" cy="742950"/>
           </a:xfrm>
         </p:spPr>
         <p:txBody>
           <a:bodyPr>
-            <a:normAutofit/>
+            <a:normAutofit fontScale="90000"/>
           </a:bodyPr>
           <a:lstStyle/>
           <a:p>
-            <a:r>
-              <a:rPr lang="en-US" sz="3600" dirty="0" smtClean="0"/>
-              <a:t>C66 CorePac Primary Interrupts</a:t>
-            </a:r>
-            <a:endParaRPr lang="en-US" sz="3600" dirty="0"/>
-          </a:p>
-        </p:txBody>
-      </p:sp>
-      <p:sp>
-        <p:nvSpPr>
-          <p:cNvPr id="3" name="Content Placeholder 2"/>
-          <p:cNvSpPr>
-            <a:spLocks noGrp="1"/>
-          </p:cNvSpPr>
-          <p:nvPr>
-            <p:ph idx="1"/>
-          </p:nvPr>
-        </p:nvSpPr>
-        <p:spPr/>
-        <p:txBody>
-          <a:bodyPr>
-            <a:normAutofit/>
+            <a:pPr eaLnBrk="1" hangingPunct="1"/>
+            <a:r>
+              <a:rPr lang="en-US" dirty="0" smtClean="0"/>
+              <a:t>Configuring an Hwi: Statically via GUI</a:t>
+            </a:r>
+          </a:p>
+        </p:txBody>
+      </p:sp>
+      <p:sp>
+        <p:nvSpPr>
+          <p:cNvPr id="368651" name="Oval 11"/>
+          <p:cNvSpPr>
+            <a:spLocks noChangeArrowheads="1"/>
+          </p:cNvSpPr>
+          <p:nvPr/>
+        </p:nvSpPr>
+        <p:spPr bwMode="auto">
+          <a:xfrm>
+            <a:off x="228600" y="1219200"/>
+            <a:ext cx="381000" cy="381000"/>
+          </a:xfrm>
+          <a:prstGeom prst="ellipse">
+            <a:avLst/>
+          </a:prstGeom>
+          <a:solidFill>
+            <a:schemeClr val="accent3"/>
+          </a:solidFill>
+          <a:ln w="12700">
+            <a:solidFill>
+              <a:schemeClr val="tx1"/>
+            </a:solidFill>
+            <a:round/>
+            <a:headEnd/>
+            <a:tailEnd/>
+          </a:ln>
+          <a:effectLst/>
+        </p:spPr>
+        <p:txBody>
+          <a:bodyPr wrap="none" anchor="ctr">
+            <a:spAutoFit/>
           </a:bodyPr>
           <a:lstStyle/>
           <a:p>
-            <a:r>
-              <a:rPr lang="en-US" sz="2800" dirty="0" smtClean="0"/>
-              <a:t>124 events + 4 combined events</a:t>
-            </a:r>
-          </a:p>
-          <a:p>
-            <a:r>
-              <a:rPr lang="en-US" sz="2800" dirty="0" smtClean="0"/>
-              <a:t>Event number 20 – SRIO, event 17 – PCIe, IPC event </a:t>
-            </a:r>
-          </a:p>
-          <a:p>
-            <a:r>
-              <a:rPr lang="en-US" sz="2800" dirty="0" smtClean="0"/>
-              <a:t>42 events from the device interrupt controllers</a:t>
-            </a:r>
-            <a:endParaRPr lang="en-US" sz="2800" dirty="0"/>
+            <a:pPr eaLnBrk="0" hangingPunct="0">
+              <a:lnSpc>
+                <a:spcPct val="80000"/>
+              </a:lnSpc>
+              <a:spcBef>
+                <a:spcPct val="50000"/>
+              </a:spcBef>
+              <a:defRPr/>
+            </a:pPr>
+            <a:endParaRPr lang="en-US" dirty="0">
+              <a:solidFill>
+                <a:srgbClr val="000000"/>
+              </a:solidFill>
+              <a:effectLst>
+                <a:outerShdw blurRad="38100" dist="38100" dir="2700000" algn="tl">
+                  <a:srgbClr val="000000">
+                    <a:alpha val="43137"/>
+                  </a:srgbClr>
+                </a:outerShdw>
+              </a:effectLst>
+              <a:cs typeface="+mn-cs"/>
+            </a:endParaRPr>
+          </a:p>
+        </p:txBody>
+      </p:sp>
+      <p:sp>
+        <p:nvSpPr>
+          <p:cNvPr id="45060" name="Text Box 12"/>
+          <p:cNvSpPr txBox="1">
+            <a:spLocks noChangeArrowheads="1"/>
+          </p:cNvSpPr>
+          <p:nvPr/>
+        </p:nvSpPr>
+        <p:spPr bwMode="auto">
+          <a:xfrm>
+            <a:off x="247650" y="1225550"/>
+            <a:ext cx="354013" cy="384175"/>
+          </a:xfrm>
+          <a:prstGeom prst="rect">
+            <a:avLst/>
+          </a:prstGeom>
+          <a:noFill/>
+          <a:ln w="12700">
+            <a:noFill/>
+            <a:miter lim="800000"/>
+            <a:headEnd/>
+            <a:tailEnd/>
+          </a:ln>
+        </p:spPr>
+        <p:txBody>
+          <a:bodyPr wrap="none">
+            <a:spAutoFit/>
+          </a:bodyPr>
+          <a:lstStyle/>
+          <a:p>
+            <a:pPr eaLnBrk="0" hangingPunct="0">
+              <a:lnSpc>
+                <a:spcPct val="80000"/>
+              </a:lnSpc>
+              <a:spcBef>
+                <a:spcPct val="50000"/>
+              </a:spcBef>
+            </a:pPr>
+            <a:r>
+              <a:rPr lang="en-US" dirty="0">
+                <a:solidFill>
+                  <a:srgbClr val="000000"/>
+                </a:solidFill>
+              </a:rPr>
+              <a:t>1</a:t>
+            </a:r>
+          </a:p>
+        </p:txBody>
+      </p:sp>
+      <p:sp>
+        <p:nvSpPr>
+          <p:cNvPr id="45061" name="Text Box 13"/>
+          <p:cNvSpPr txBox="1">
+            <a:spLocks noChangeArrowheads="1"/>
+          </p:cNvSpPr>
+          <p:nvPr/>
+        </p:nvSpPr>
+        <p:spPr bwMode="auto">
+          <a:xfrm>
+            <a:off x="641350" y="1263650"/>
+            <a:ext cx="7180263" cy="338138"/>
+          </a:xfrm>
+          <a:prstGeom prst="rect">
+            <a:avLst/>
+          </a:prstGeom>
+          <a:noFill/>
+          <a:ln w="12700">
+            <a:noFill/>
+            <a:miter lim="800000"/>
+            <a:headEnd/>
+            <a:tailEnd/>
+          </a:ln>
+        </p:spPr>
+        <p:txBody>
+          <a:bodyPr wrap="none">
+            <a:spAutoFit/>
+          </a:bodyPr>
+          <a:lstStyle/>
+          <a:p>
+            <a:pPr eaLnBrk="0" hangingPunct="0">
+              <a:lnSpc>
+                <a:spcPct val="80000"/>
+              </a:lnSpc>
+              <a:spcBef>
+                <a:spcPct val="50000"/>
+              </a:spcBef>
+            </a:pPr>
+            <a:r>
+              <a:rPr lang="en-US" sz="2000" dirty="0">
+                <a:solidFill>
+                  <a:srgbClr val="000000"/>
+                </a:solidFill>
+                <a:latin typeface="Calibri" pitchFamily="34" charset="0"/>
+                <a:cs typeface="Calibri" pitchFamily="34" charset="0"/>
+              </a:rPr>
+              <a:t>Use Hwi module </a:t>
+            </a:r>
+            <a:r>
+              <a:rPr lang="en-US" sz="1800" b="0" i="1" dirty="0">
+                <a:solidFill>
+                  <a:srgbClr val="000000"/>
+                </a:solidFill>
+                <a:latin typeface="Calibri" pitchFamily="34" charset="0"/>
+                <a:cs typeface="Calibri" pitchFamily="34" charset="0"/>
+              </a:rPr>
+              <a:t>(Available Products</a:t>
+            </a:r>
+            <a:r>
+              <a:rPr lang="en-US" sz="1800" b="0" i="1" dirty="0" smtClean="0">
+                <a:solidFill>
+                  <a:srgbClr val="000000"/>
+                </a:solidFill>
+                <a:latin typeface="Calibri" pitchFamily="34" charset="0"/>
+                <a:cs typeface="Calibri" pitchFamily="34" charset="0"/>
+              </a:rPr>
+              <a:t>)</a:t>
+            </a:r>
+            <a:r>
+              <a:rPr lang="en-US" sz="2000" dirty="0" smtClean="0">
+                <a:solidFill>
+                  <a:srgbClr val="000000"/>
+                </a:solidFill>
+                <a:latin typeface="Calibri" pitchFamily="34" charset="0"/>
+                <a:cs typeface="Calibri" pitchFamily="34" charset="0"/>
+              </a:rPr>
+              <a:t>, </a:t>
+            </a:r>
+            <a:r>
+              <a:rPr lang="en-US" sz="2000" dirty="0">
+                <a:solidFill>
+                  <a:srgbClr val="000000"/>
+                </a:solidFill>
+                <a:latin typeface="Calibri" pitchFamily="34" charset="0"/>
+                <a:cs typeface="Calibri" pitchFamily="34" charset="0"/>
+              </a:rPr>
+              <a:t>insert new Hwi </a:t>
+            </a:r>
+            <a:r>
+              <a:rPr lang="en-US" sz="1800" b="0" i="1" dirty="0">
+                <a:solidFill>
+                  <a:srgbClr val="000000"/>
+                </a:solidFill>
+                <a:latin typeface="Calibri" pitchFamily="34" charset="0"/>
+                <a:cs typeface="Calibri" pitchFamily="34" charset="0"/>
+              </a:rPr>
+              <a:t>(Outline View)</a:t>
+            </a:r>
+          </a:p>
+        </p:txBody>
+      </p:sp>
+      <p:grpSp>
+        <p:nvGrpSpPr>
+          <p:cNvPr id="2" name="Group 48"/>
+          <p:cNvGrpSpPr>
+            <a:grpSpLocks/>
+          </p:cNvGrpSpPr>
+          <p:nvPr/>
+        </p:nvGrpSpPr>
+        <p:grpSpPr bwMode="auto">
+          <a:xfrm>
+            <a:off x="1447800" y="619125"/>
+            <a:ext cx="5181600" cy="412750"/>
+            <a:chOff x="480" y="390"/>
+            <a:chExt cx="3264" cy="260"/>
+          </a:xfrm>
+        </p:grpSpPr>
+        <p:sp>
+          <p:nvSpPr>
+            <p:cNvPr id="368655" name="Rectangle 15"/>
+            <p:cNvSpPr>
+              <a:spLocks noChangeArrowheads="1"/>
+            </p:cNvSpPr>
+            <p:nvPr/>
+          </p:nvSpPr>
+          <p:spPr bwMode="auto">
+            <a:xfrm>
+              <a:off x="480" y="406"/>
+              <a:ext cx="3264" cy="244"/>
+            </a:xfrm>
+            <a:prstGeom prst="rect">
+              <a:avLst/>
+            </a:prstGeom>
+            <a:solidFill>
+              <a:schemeClr val="accent2"/>
+            </a:solidFill>
+            <a:ln w="12700">
+              <a:solidFill>
+                <a:schemeClr val="tx1"/>
+              </a:solidFill>
+              <a:miter lim="800000"/>
+              <a:headEnd/>
+              <a:tailEnd/>
+            </a:ln>
+            <a:effectLst/>
+          </p:spPr>
+          <p:txBody>
+            <a:bodyPr anchor="ctr">
+              <a:spAutoFit/>
+            </a:bodyPr>
+            <a:lstStyle/>
+            <a:p>
+              <a:pPr eaLnBrk="0" hangingPunct="0">
+                <a:lnSpc>
+                  <a:spcPct val="80000"/>
+                </a:lnSpc>
+                <a:spcBef>
+                  <a:spcPct val="50000"/>
+                </a:spcBef>
+                <a:defRPr/>
+              </a:pPr>
+              <a:endParaRPr lang="en-US" dirty="0">
+                <a:solidFill>
+                  <a:srgbClr val="000000"/>
+                </a:solidFill>
+                <a:effectLst>
+                  <a:outerShdw blurRad="38100" dist="38100" dir="2700000" algn="tl">
+                    <a:srgbClr val="000000">
+                      <a:alpha val="43137"/>
+                    </a:srgbClr>
+                  </a:outerShdw>
+                </a:effectLst>
+                <a:latin typeface="Calibri" pitchFamily="34" charset="0"/>
+                <a:cs typeface="Calibri" pitchFamily="34" charset="0"/>
+              </a:endParaRPr>
+            </a:p>
+          </p:txBody>
+        </p:sp>
+        <p:sp>
+          <p:nvSpPr>
+            <p:cNvPr id="45075" name="Text Box 16"/>
+            <p:cNvSpPr txBox="1">
+              <a:spLocks noChangeArrowheads="1"/>
+            </p:cNvSpPr>
+            <p:nvPr/>
+          </p:nvSpPr>
+          <p:spPr bwMode="auto">
+            <a:xfrm>
+              <a:off x="528" y="390"/>
+              <a:ext cx="864" cy="260"/>
+            </a:xfrm>
+            <a:prstGeom prst="rect">
+              <a:avLst/>
+            </a:prstGeom>
+            <a:noFill/>
+            <a:ln w="12700">
+              <a:noFill/>
+              <a:miter lim="800000"/>
+              <a:headEnd/>
+              <a:tailEnd/>
+            </a:ln>
+          </p:spPr>
+          <p:txBody>
+            <a:bodyPr wrap="none" anchor="ctr" anchorCtr="1"/>
+            <a:lstStyle/>
+            <a:p>
+              <a:pPr eaLnBrk="0" hangingPunct="0">
+                <a:lnSpc>
+                  <a:spcPct val="80000"/>
+                </a:lnSpc>
+                <a:spcBef>
+                  <a:spcPct val="50000"/>
+                </a:spcBef>
+              </a:pPr>
+              <a:r>
+                <a:rPr lang="en-US" sz="2000" u="sng" dirty="0">
+                  <a:solidFill>
+                    <a:srgbClr val="000000"/>
+                  </a:solidFill>
+                  <a:latin typeface="Calibri" pitchFamily="34" charset="0"/>
+                  <a:cs typeface="Calibri" pitchFamily="34" charset="0"/>
+                </a:rPr>
+                <a:t>Example</a:t>
+              </a:r>
+              <a:r>
+                <a:rPr lang="en-US" sz="2000" dirty="0">
+                  <a:solidFill>
+                    <a:srgbClr val="000000"/>
+                  </a:solidFill>
+                  <a:latin typeface="Calibri" pitchFamily="34" charset="0"/>
+                  <a:cs typeface="Calibri" pitchFamily="34" charset="0"/>
+                </a:rPr>
+                <a:t>:</a:t>
+              </a:r>
+            </a:p>
+          </p:txBody>
+        </p:sp>
+        <p:sp>
+          <p:nvSpPr>
+            <p:cNvPr id="45076" name="Text Box 17"/>
+            <p:cNvSpPr txBox="1">
+              <a:spLocks noChangeArrowheads="1"/>
+            </p:cNvSpPr>
+            <p:nvPr/>
+          </p:nvSpPr>
+          <p:spPr bwMode="auto">
+            <a:xfrm>
+              <a:off x="1344" y="438"/>
+              <a:ext cx="2400" cy="192"/>
+            </a:xfrm>
+            <a:prstGeom prst="rect">
+              <a:avLst/>
+            </a:prstGeom>
+            <a:noFill/>
+            <a:ln w="12700">
+              <a:noFill/>
+              <a:miter lim="800000"/>
+              <a:headEnd/>
+              <a:tailEnd/>
+            </a:ln>
+          </p:spPr>
+          <p:txBody>
+            <a:bodyPr wrap="none" anchor="ctr"/>
+            <a:lstStyle/>
+            <a:p>
+              <a:pPr eaLnBrk="0" hangingPunct="0">
+                <a:lnSpc>
+                  <a:spcPct val="70000"/>
+                </a:lnSpc>
+                <a:spcBef>
+                  <a:spcPct val="50000"/>
+                </a:spcBef>
+              </a:pPr>
+              <a:r>
+                <a:rPr lang="en-US" sz="2000" dirty="0">
+                  <a:solidFill>
+                    <a:srgbClr val="000000"/>
+                  </a:solidFill>
+                  <a:latin typeface="Calibri" pitchFamily="34" charset="0"/>
+                  <a:cs typeface="Calibri" pitchFamily="34" charset="0"/>
+                </a:rPr>
+                <a:t> Tie </a:t>
+              </a:r>
+              <a:r>
+                <a:rPr lang="en-US" sz="2000" dirty="0" smtClean="0">
+                  <a:solidFill>
+                    <a:srgbClr val="000000"/>
+                  </a:solidFill>
+                  <a:latin typeface="Calibri" pitchFamily="34" charset="0"/>
+                  <a:cs typeface="Calibri" pitchFamily="34" charset="0"/>
+                </a:rPr>
+                <a:t>SPI_INT </a:t>
+              </a:r>
+              <a:r>
+                <a:rPr lang="en-US" sz="2000" dirty="0">
+                  <a:solidFill>
+                    <a:srgbClr val="000000"/>
+                  </a:solidFill>
+                  <a:latin typeface="Calibri" pitchFamily="34" charset="0"/>
+                  <a:cs typeface="Calibri" pitchFamily="34" charset="0"/>
+                </a:rPr>
+                <a:t>to the </a:t>
+              </a:r>
+              <a:r>
+                <a:rPr lang="en-US" sz="2000" dirty="0" smtClean="0">
+                  <a:solidFill>
+                    <a:srgbClr val="000000"/>
+                  </a:solidFill>
+                  <a:latin typeface="Calibri" pitchFamily="34" charset="0"/>
+                  <a:cs typeface="Calibri" pitchFamily="34" charset="0"/>
+                </a:rPr>
+                <a:t>CPU </a:t>
+              </a:r>
+              <a:r>
+                <a:rPr lang="en-US" sz="2000" dirty="0">
+                  <a:solidFill>
+                    <a:srgbClr val="000000"/>
+                  </a:solidFill>
+                  <a:latin typeface="Calibri" pitchFamily="34" charset="0"/>
+                  <a:cs typeface="Calibri" pitchFamily="34" charset="0"/>
+                </a:rPr>
+                <a:t>HWI</a:t>
+              </a:r>
+              <a:r>
+                <a:rPr lang="en-US" sz="2000" baseline="-25000" dirty="0">
+                  <a:solidFill>
+                    <a:srgbClr val="000000"/>
+                  </a:solidFill>
+                  <a:latin typeface="Calibri" pitchFamily="34" charset="0"/>
+                  <a:cs typeface="Calibri" pitchFamily="34" charset="0"/>
+                </a:rPr>
+                <a:t>5</a:t>
+              </a:r>
+              <a:endParaRPr lang="en-US" sz="2000" dirty="0">
+                <a:solidFill>
+                  <a:srgbClr val="000000"/>
+                </a:solidFill>
+                <a:latin typeface="Calibri" pitchFamily="34" charset="0"/>
+                <a:cs typeface="Calibri" pitchFamily="34" charset="0"/>
+              </a:endParaRPr>
+            </a:p>
+          </p:txBody>
+        </p:sp>
+      </p:grpSp>
+      <p:pic>
+        <p:nvPicPr>
+          <p:cNvPr id="72707" name="Picture 3" descr="C:\Documents and Settings\a0159877\Desktop\hwi_config.png"/>
+          <p:cNvPicPr>
+            <a:picLocks noChangeAspect="1" noChangeArrowheads="1"/>
+          </p:cNvPicPr>
+          <p:nvPr/>
+        </p:nvPicPr>
+        <p:blipFill>
+          <a:blip r:embed="rId4" cstate="print"/>
+          <a:srcRect/>
+          <a:stretch>
+            <a:fillRect/>
+          </a:stretch>
+        </p:blipFill>
+        <p:spPr bwMode="auto">
+          <a:xfrm>
+            <a:off x="838200" y="3963988"/>
+            <a:ext cx="7239000" cy="2162175"/>
+          </a:xfrm>
+          <a:prstGeom prst="rect">
+            <a:avLst/>
+          </a:prstGeom>
+          <a:noFill/>
+          <a:ln>
+            <a:solidFill>
+              <a:schemeClr val="tx1"/>
+            </a:solidFill>
+          </a:ln>
+          <a:effectLst>
+            <a:outerShdw blurRad="50800" dist="76200" dir="2700000" algn="tl" rotWithShape="0">
+              <a:prstClr val="black">
+                <a:alpha val="40000"/>
+              </a:prstClr>
+            </a:outerShdw>
+          </a:effectLst>
+        </p:spPr>
+      </p:pic>
+      <p:pic>
+        <p:nvPicPr>
+          <p:cNvPr id="72708" name="Picture 4" descr="C:\Documents and Settings\a0159877\Desktop\hwi_use_mod.png"/>
+          <p:cNvPicPr>
+            <a:picLocks noChangeAspect="1" noChangeArrowheads="1"/>
+          </p:cNvPicPr>
+          <p:nvPr/>
+        </p:nvPicPr>
+        <p:blipFill>
+          <a:blip r:embed="rId5" cstate="print"/>
+          <a:srcRect/>
+          <a:stretch>
+            <a:fillRect/>
+          </a:stretch>
+        </p:blipFill>
+        <p:spPr bwMode="auto">
+          <a:xfrm>
+            <a:off x="1295400" y="1665288"/>
+            <a:ext cx="1219200" cy="1543050"/>
+          </a:xfrm>
+          <a:prstGeom prst="rect">
+            <a:avLst/>
+          </a:prstGeom>
+          <a:noFill/>
+          <a:ln>
+            <a:solidFill>
+              <a:schemeClr val="tx1"/>
+            </a:solidFill>
+          </a:ln>
+          <a:effectLst>
+            <a:outerShdw blurRad="50800" dist="76200" dir="2700000" algn="tl" rotWithShape="0">
+              <a:prstClr val="black">
+                <a:alpha val="40000"/>
+              </a:prstClr>
+            </a:outerShdw>
+          </a:effectLst>
+        </p:spPr>
+      </p:pic>
+      <p:pic>
+        <p:nvPicPr>
+          <p:cNvPr id="72709" name="Picture 5" descr="C:\Documents and Settings\a0159877\Desktop\hwi_outline.png"/>
+          <p:cNvPicPr>
+            <a:picLocks noChangeAspect="1" noChangeArrowheads="1"/>
+          </p:cNvPicPr>
+          <p:nvPr/>
+        </p:nvPicPr>
+        <p:blipFill>
+          <a:blip r:embed="rId6" cstate="print"/>
+          <a:srcRect/>
+          <a:stretch>
+            <a:fillRect/>
+          </a:stretch>
+        </p:blipFill>
+        <p:spPr bwMode="auto">
+          <a:xfrm>
+            <a:off x="3429000" y="1666875"/>
+            <a:ext cx="1600200" cy="1549400"/>
+          </a:xfrm>
+          <a:prstGeom prst="rect">
+            <a:avLst/>
+          </a:prstGeom>
+          <a:noFill/>
+          <a:ln>
+            <a:solidFill>
+              <a:schemeClr val="tx1"/>
+            </a:solidFill>
+          </a:ln>
+          <a:effectLst>
+            <a:outerShdw blurRad="50800" dist="76200" dir="2700000" algn="tl" rotWithShape="0">
+              <a:prstClr val="black">
+                <a:alpha val="40000"/>
+              </a:prstClr>
+            </a:outerShdw>
+          </a:effectLst>
+        </p:spPr>
+      </p:pic>
+      <p:sp>
+        <p:nvSpPr>
+          <p:cNvPr id="39" name="Oval 11"/>
+          <p:cNvSpPr>
+            <a:spLocks noChangeArrowheads="1"/>
+          </p:cNvSpPr>
+          <p:nvPr/>
+        </p:nvSpPr>
+        <p:spPr bwMode="auto">
+          <a:xfrm>
+            <a:off x="228600" y="3506788"/>
+            <a:ext cx="381000" cy="381000"/>
+          </a:xfrm>
+          <a:prstGeom prst="ellipse">
+            <a:avLst/>
+          </a:prstGeom>
+          <a:solidFill>
+            <a:schemeClr val="accent3"/>
+          </a:solidFill>
+          <a:ln w="12700">
+            <a:solidFill>
+              <a:schemeClr val="tx1"/>
+            </a:solidFill>
+            <a:round/>
+            <a:headEnd/>
+            <a:tailEnd/>
+          </a:ln>
+          <a:effectLst/>
+        </p:spPr>
+        <p:txBody>
+          <a:bodyPr wrap="none" anchor="ctr">
+            <a:spAutoFit/>
+          </a:bodyPr>
+          <a:lstStyle/>
+          <a:p>
+            <a:pPr eaLnBrk="0" hangingPunct="0">
+              <a:lnSpc>
+                <a:spcPct val="80000"/>
+              </a:lnSpc>
+              <a:spcBef>
+                <a:spcPct val="50000"/>
+              </a:spcBef>
+              <a:defRPr/>
+            </a:pPr>
+            <a:endParaRPr lang="en-US" dirty="0">
+              <a:solidFill>
+                <a:srgbClr val="000000"/>
+              </a:solidFill>
+              <a:effectLst>
+                <a:outerShdw blurRad="38100" dist="38100" dir="2700000" algn="tl">
+                  <a:srgbClr val="000000">
+                    <a:alpha val="43137"/>
+                  </a:srgbClr>
+                </a:outerShdw>
+              </a:effectLst>
+              <a:cs typeface="+mn-cs"/>
+            </a:endParaRPr>
+          </a:p>
+        </p:txBody>
+      </p:sp>
+      <p:sp>
+        <p:nvSpPr>
+          <p:cNvPr id="45067" name="Text Box 12"/>
+          <p:cNvSpPr txBox="1">
+            <a:spLocks noChangeArrowheads="1"/>
+          </p:cNvSpPr>
+          <p:nvPr/>
+        </p:nvSpPr>
+        <p:spPr bwMode="auto">
+          <a:xfrm>
+            <a:off x="247650" y="3513138"/>
+            <a:ext cx="354013" cy="384175"/>
+          </a:xfrm>
+          <a:prstGeom prst="rect">
+            <a:avLst/>
+          </a:prstGeom>
+          <a:noFill/>
+          <a:ln w="12700">
+            <a:noFill/>
+            <a:miter lim="800000"/>
+            <a:headEnd/>
+            <a:tailEnd/>
+          </a:ln>
+        </p:spPr>
+        <p:txBody>
+          <a:bodyPr wrap="none">
+            <a:spAutoFit/>
+          </a:bodyPr>
+          <a:lstStyle/>
+          <a:p>
+            <a:pPr eaLnBrk="0" hangingPunct="0">
+              <a:lnSpc>
+                <a:spcPct val="80000"/>
+              </a:lnSpc>
+              <a:spcBef>
+                <a:spcPct val="50000"/>
+              </a:spcBef>
+            </a:pPr>
+            <a:r>
+              <a:rPr lang="en-US" dirty="0">
+                <a:solidFill>
+                  <a:srgbClr val="000000"/>
+                </a:solidFill>
+              </a:rPr>
+              <a:t>2</a:t>
+            </a:r>
+          </a:p>
+        </p:txBody>
+      </p:sp>
+      <p:sp>
+        <p:nvSpPr>
+          <p:cNvPr id="45068" name="Text Box 13"/>
+          <p:cNvSpPr txBox="1">
+            <a:spLocks noChangeArrowheads="1"/>
+          </p:cNvSpPr>
+          <p:nvPr/>
+        </p:nvSpPr>
+        <p:spPr bwMode="auto">
+          <a:xfrm>
+            <a:off x="641350" y="3551238"/>
+            <a:ext cx="5050100" cy="338554"/>
+          </a:xfrm>
+          <a:prstGeom prst="rect">
+            <a:avLst/>
+          </a:prstGeom>
+          <a:noFill/>
+          <a:ln w="12700">
+            <a:noFill/>
+            <a:miter lim="800000"/>
+            <a:headEnd/>
+            <a:tailEnd/>
+          </a:ln>
+        </p:spPr>
+        <p:txBody>
+          <a:bodyPr wrap="none">
+            <a:spAutoFit/>
+          </a:bodyPr>
+          <a:lstStyle/>
+          <a:p>
+            <a:pPr eaLnBrk="0" hangingPunct="0">
+              <a:lnSpc>
+                <a:spcPct val="80000"/>
+              </a:lnSpc>
+              <a:spcBef>
+                <a:spcPct val="50000"/>
+              </a:spcBef>
+            </a:pPr>
+            <a:r>
+              <a:rPr lang="en-US" sz="2000" dirty="0">
+                <a:solidFill>
+                  <a:srgbClr val="000000"/>
+                </a:solidFill>
+                <a:latin typeface="Calibri" pitchFamily="34" charset="0"/>
+                <a:cs typeface="Calibri" pitchFamily="34" charset="0"/>
+              </a:rPr>
+              <a:t>Configure </a:t>
+            </a:r>
+            <a:r>
+              <a:rPr lang="en-US" sz="2000" dirty="0" smtClean="0">
+                <a:solidFill>
+                  <a:srgbClr val="000000"/>
+                </a:solidFill>
+                <a:latin typeface="Calibri" pitchFamily="34" charset="0"/>
+                <a:cs typeface="Calibri" pitchFamily="34" charset="0"/>
+              </a:rPr>
+              <a:t>Hwi</a:t>
+            </a:r>
+            <a:r>
+              <a:rPr lang="en-US" sz="2000" dirty="0">
+                <a:solidFill>
+                  <a:srgbClr val="000000"/>
+                </a:solidFill>
+                <a:latin typeface="Calibri" pitchFamily="34" charset="0"/>
+                <a:cs typeface="Calibri" pitchFamily="34" charset="0"/>
+              </a:rPr>
+              <a:t>:</a:t>
+            </a:r>
+            <a:r>
+              <a:rPr lang="en-US" sz="2000" dirty="0" smtClean="0">
+                <a:solidFill>
+                  <a:srgbClr val="000000"/>
+                </a:solidFill>
+                <a:latin typeface="Calibri" pitchFamily="34" charset="0"/>
+                <a:cs typeface="Calibri" pitchFamily="34" charset="0"/>
+              </a:rPr>
+              <a:t> </a:t>
+            </a:r>
+            <a:r>
+              <a:rPr lang="en-US" sz="2000" dirty="0">
+                <a:solidFill>
+                  <a:srgbClr val="000000"/>
+                </a:solidFill>
+                <a:latin typeface="Calibri" pitchFamily="34" charset="0"/>
+                <a:cs typeface="Calibri" pitchFamily="34" charset="0"/>
+              </a:rPr>
+              <a:t>Event ID, CPU Int #, ISR vector:</a:t>
+            </a:r>
+          </a:p>
+        </p:txBody>
+      </p:sp>
+      <p:sp>
+        <p:nvSpPr>
+          <p:cNvPr id="45" name="Right Arrow 44"/>
+          <p:cNvSpPr/>
+          <p:nvPr/>
+        </p:nvSpPr>
+        <p:spPr bwMode="auto">
+          <a:xfrm>
+            <a:off x="2743200" y="2149475"/>
+            <a:ext cx="533400" cy="457200"/>
+          </a:xfrm>
+          <a:prstGeom prst="rightArrow">
+            <a:avLst/>
+          </a:prstGeom>
+          <a:solidFill>
+            <a:schemeClr val="accent1"/>
+          </a:solidFill>
+          <a:ln w="12700" cap="flat" cmpd="sng" algn="ctr">
+            <a:solidFill>
+              <a:schemeClr val="tx1"/>
+            </a:solidFill>
+            <a:prstDash val="solid"/>
+            <a:round/>
+            <a:headEnd type="none" w="sm" len="sm"/>
+            <a:tailEnd type="none" w="sm" len="sm"/>
+          </a:ln>
+          <a:effectLst/>
+        </p:spPr>
+        <p:txBody>
+          <a:bodyPr/>
+          <a:lstStyle/>
+          <a:p>
+            <a:pPr eaLnBrk="0" hangingPunct="0">
+              <a:lnSpc>
+                <a:spcPct val="80000"/>
+              </a:lnSpc>
+              <a:spcBef>
+                <a:spcPct val="50000"/>
+              </a:spcBef>
+              <a:defRPr/>
+            </a:pPr>
+            <a:endParaRPr lang="en-US" dirty="0">
+              <a:effectLst>
+                <a:outerShdw blurRad="38100" dist="38100" dir="2700000" algn="tl">
+                  <a:srgbClr val="000000">
+                    <a:alpha val="43137"/>
+                  </a:srgbClr>
+                </a:outerShdw>
+              </a:effectLst>
+              <a:latin typeface="Calibri" pitchFamily="34" charset="0"/>
+              <a:cs typeface="Calibri" pitchFamily="34" charset="0"/>
+            </a:endParaRPr>
+          </a:p>
+        </p:txBody>
+      </p:sp>
+      <p:sp>
+        <p:nvSpPr>
+          <p:cNvPr id="46" name="TextBox 45"/>
+          <p:cNvSpPr txBox="1"/>
+          <p:nvPr/>
+        </p:nvSpPr>
+        <p:spPr>
+          <a:xfrm>
+            <a:off x="1425575" y="5916613"/>
+            <a:ext cx="3831049" cy="313932"/>
+          </a:xfrm>
+          <a:prstGeom prst="rect">
+            <a:avLst/>
+          </a:prstGeom>
+          <a:solidFill>
+            <a:schemeClr val="accent1">
+              <a:lumMod val="90000"/>
+            </a:schemeClr>
+          </a:solidFill>
+          <a:ln>
+            <a:solidFill>
+              <a:schemeClr val="tx1"/>
+            </a:solidFill>
+          </a:ln>
+          <a:effectLst>
+            <a:outerShdw blurRad="50800" dist="63500" dir="2700000" algn="tl" rotWithShape="0">
+              <a:prstClr val="black">
+                <a:alpha val="40000"/>
+              </a:prstClr>
+            </a:outerShdw>
+          </a:effectLst>
+        </p:spPr>
+        <p:txBody>
+          <a:bodyPr wrap="none">
+            <a:spAutoFit/>
+          </a:bodyPr>
+          <a:lstStyle/>
+          <a:p>
+            <a:pPr eaLnBrk="0" hangingPunct="0">
+              <a:lnSpc>
+                <a:spcPct val="80000"/>
+              </a:lnSpc>
+              <a:spcBef>
+                <a:spcPct val="50000"/>
+              </a:spcBef>
+              <a:defRPr/>
+            </a:pPr>
+            <a:r>
+              <a:rPr lang="en-US" sz="1800" b="0" dirty="0">
+                <a:latin typeface="Calibri" pitchFamily="34" charset="0"/>
+                <a:cs typeface="Calibri" pitchFamily="34" charset="0"/>
+              </a:rPr>
+              <a:t>To enable INT at startup, check the box</a:t>
+            </a:r>
+          </a:p>
+        </p:txBody>
+      </p:sp>
+      <p:cxnSp>
+        <p:nvCxnSpPr>
+          <p:cNvPr id="45071" name="Straight Arrow Connector 47"/>
+          <p:cNvCxnSpPr>
+            <a:cxnSpLocks noChangeShapeType="1"/>
+            <a:stCxn id="46" idx="3"/>
+          </p:cNvCxnSpPr>
+          <p:nvPr/>
+        </p:nvCxnSpPr>
+        <p:spPr bwMode="auto">
+          <a:xfrm flipV="1">
+            <a:off x="5256624" y="5945189"/>
+            <a:ext cx="77376" cy="128390"/>
+          </a:xfrm>
+          <a:prstGeom prst="straightConnector1">
+            <a:avLst/>
+          </a:prstGeom>
+          <a:noFill/>
+          <a:ln w="28575" algn="ctr">
+            <a:solidFill>
+              <a:schemeClr val="tx1"/>
+            </a:solidFill>
+            <a:round/>
+            <a:headEnd type="none" w="sm" len="sm"/>
+            <a:tailEnd type="arrow" w="med" len="med"/>
+          </a:ln>
+        </p:spPr>
+      </p:cxnSp>
+      <p:sp>
+        <p:nvSpPr>
+          <p:cNvPr id="49" name="Leading Question"/>
+          <p:cNvSpPr txBox="1">
+            <a:spLocks noChangeArrowheads="1"/>
+          </p:cNvSpPr>
+          <p:nvPr/>
+        </p:nvSpPr>
+        <p:spPr bwMode="auto">
+          <a:xfrm>
+            <a:off x="4662846" y="6248242"/>
+            <a:ext cx="3541354" cy="246221"/>
+          </a:xfrm>
+          <a:prstGeom prst="rect">
+            <a:avLst/>
+          </a:prstGeom>
+          <a:noFill/>
+          <a:ln w="9525">
+            <a:noFill/>
+            <a:miter lim="800000"/>
+            <a:headEnd/>
+            <a:tailEnd/>
+          </a:ln>
+        </p:spPr>
+        <p:txBody>
+          <a:bodyPr wrap="none" lIns="0" tIns="0" rIns="0" bIns="0" anchor="b">
+            <a:spAutoFit/>
+          </a:bodyPr>
+          <a:lstStyle/>
+          <a:p>
+            <a:pPr algn="r" eaLnBrk="0" hangingPunct="0">
+              <a:lnSpc>
+                <a:spcPct val="80000"/>
+              </a:lnSpc>
+            </a:pPr>
+            <a:r>
+              <a:rPr lang="en-US" sz="2000" b="0" dirty="0">
+                <a:solidFill>
+                  <a:schemeClr val="tx2"/>
+                </a:solidFill>
+                <a:latin typeface="Calibri" pitchFamily="34" charset="0"/>
+                <a:cs typeface="Calibri" pitchFamily="34" charset="0"/>
+              </a:rPr>
+              <a:t>Where do you find the Event Id #?</a:t>
+            </a:r>
+          </a:p>
+        </p:txBody>
+      </p:sp>
+      <p:sp>
+        <p:nvSpPr>
+          <p:cNvPr id="22" name="TextBox 21"/>
+          <p:cNvSpPr txBox="1"/>
+          <p:nvPr/>
+        </p:nvSpPr>
+        <p:spPr>
+          <a:xfrm>
+            <a:off x="5811063" y="2055317"/>
+            <a:ext cx="3252750" cy="923330"/>
+          </a:xfrm>
+          <a:prstGeom prst="rect">
+            <a:avLst/>
+          </a:prstGeom>
+          <a:solidFill>
+            <a:schemeClr val="accent1"/>
+          </a:solidFill>
+          <a:ln w="12700">
+            <a:solidFill>
+              <a:schemeClr val="tx1"/>
+            </a:solidFill>
+          </a:ln>
+          <a:effectLst>
+            <a:outerShdw blurRad="50800" dist="76200" dir="2700000" algn="tl" rotWithShape="0">
+              <a:prstClr val="black">
+                <a:alpha val="40000"/>
+              </a:prstClr>
+            </a:outerShdw>
+          </a:effectLst>
+        </p:spPr>
+        <p:txBody>
+          <a:bodyPr wrap="none" anchor="ctr">
+            <a:spAutoFit/>
+          </a:bodyPr>
+          <a:lstStyle/>
+          <a:p>
+            <a:pPr algn="ctr" eaLnBrk="0" hangingPunct="0">
+              <a:spcBef>
+                <a:spcPts val="1200"/>
+              </a:spcBef>
+              <a:defRPr/>
+            </a:pPr>
+            <a:r>
+              <a:rPr lang="en-US" sz="1800" b="0" dirty="0" smtClean="0">
+                <a:solidFill>
+                  <a:schemeClr val="dk1"/>
+                </a:solidFill>
+                <a:latin typeface="Calibri" pitchFamily="34" charset="0"/>
+                <a:cs typeface="Calibri" pitchFamily="34" charset="0"/>
+              </a:rPr>
+              <a:t>NOTE: </a:t>
+            </a:r>
+            <a:r>
+              <a:rPr lang="en-US" sz="1800" b="0" dirty="0">
+                <a:solidFill>
+                  <a:schemeClr val="dk1"/>
+                </a:solidFill>
+                <a:latin typeface="Calibri" pitchFamily="34" charset="0"/>
+                <a:cs typeface="Calibri" pitchFamily="34" charset="0"/>
+              </a:rPr>
+              <a:t>BIOS objects</a:t>
+            </a:r>
+            <a:br>
+              <a:rPr lang="en-US" sz="1800" b="0" dirty="0">
+                <a:solidFill>
+                  <a:schemeClr val="dk1"/>
+                </a:solidFill>
+                <a:latin typeface="Calibri" pitchFamily="34" charset="0"/>
+                <a:cs typeface="Calibri" pitchFamily="34" charset="0"/>
+              </a:rPr>
+            </a:br>
+            <a:r>
+              <a:rPr lang="en-US" sz="1800" b="0" dirty="0">
+                <a:solidFill>
+                  <a:schemeClr val="dk1"/>
+                </a:solidFill>
+                <a:latin typeface="Calibri" pitchFamily="34" charset="0"/>
+                <a:cs typeface="Calibri" pitchFamily="34" charset="0"/>
+              </a:rPr>
+              <a:t>can be created via the GUI,</a:t>
+            </a:r>
+            <a:br>
+              <a:rPr lang="en-US" sz="1800" b="0" dirty="0">
+                <a:solidFill>
+                  <a:schemeClr val="dk1"/>
+                </a:solidFill>
+                <a:latin typeface="Calibri" pitchFamily="34" charset="0"/>
+                <a:cs typeface="Calibri" pitchFamily="34" charset="0"/>
+              </a:rPr>
+            </a:br>
+            <a:r>
+              <a:rPr lang="en-US" sz="1800" b="0" dirty="0">
+                <a:solidFill>
+                  <a:schemeClr val="dk1"/>
+                </a:solidFill>
+                <a:latin typeface="Calibri" pitchFamily="34" charset="0"/>
+                <a:cs typeface="Calibri" pitchFamily="34" charset="0"/>
+              </a:rPr>
+              <a:t>script </a:t>
+            </a:r>
+            <a:r>
+              <a:rPr lang="en-US" sz="1800" b="0" dirty="0" smtClean="0">
+                <a:solidFill>
+                  <a:schemeClr val="dk1"/>
+                </a:solidFill>
+                <a:latin typeface="Calibri" pitchFamily="34" charset="0"/>
+                <a:cs typeface="Calibri" pitchFamily="34" charset="0"/>
+              </a:rPr>
+              <a:t>code, </a:t>
+            </a:r>
+            <a:r>
+              <a:rPr lang="en-US" sz="1800" b="0" dirty="0">
+                <a:solidFill>
+                  <a:schemeClr val="dk1"/>
+                </a:solidFill>
+                <a:latin typeface="Calibri" pitchFamily="34" charset="0"/>
+                <a:cs typeface="Calibri" pitchFamily="34" charset="0"/>
+              </a:rPr>
+              <a:t>or C code (dynamic</a:t>
+            </a:r>
+            <a:r>
+              <a:rPr lang="en-US" sz="1800" b="0" dirty="0" smtClean="0">
+                <a:solidFill>
+                  <a:schemeClr val="dk1"/>
+                </a:solidFill>
+                <a:latin typeface="Calibri" pitchFamily="34" charset="0"/>
+                <a:cs typeface="Calibri" pitchFamily="34" charset="0"/>
+              </a:rPr>
+              <a:t>).</a:t>
+            </a:r>
+            <a:endParaRPr lang="en-US" sz="1800" b="0" dirty="0">
+              <a:solidFill>
+                <a:schemeClr val="dk1"/>
+              </a:solidFill>
+              <a:latin typeface="Calibri" pitchFamily="34" charset="0"/>
+              <a:cs typeface="Calibri" pitchFamily="34" charset="0"/>
+            </a:endParaRPr>
           </a:p>
         </p:txBody>
       </p:sp>
     </p:spTree>
+    <p:custDataLst>
+      <p:tags r:id="rId1"/>
+    </p:custDataLst>
   </p:cSld>
   <p:clrMapOvr>
     <a:masterClrMapping/>
   </p:clrMapOvr>
+  <p:transition/>
+  <p:timing>
+    <p:tnLst>
+      <p:par>
+        <p:cTn id="1" dur="indefinite" restart="never" nodeType="tmRoot">
+          <p:childTnLst>
+            <p:seq concurrent="1" nextAc="seek">
+              <p:cTn id="2" dur="indefinite" nodeType="mainSeq">
+                <p:childTnLst>
+                  <p:par>
+                    <p:cTn id="3" fill="hold">
+                      <p:stCondLst>
+                        <p:cond delay="indefinite"/>
+                      </p:stCondLst>
+                      <p:childTnLst>
+                        <p:par>
+                          <p:cTn id="4" fill="hold">
+                            <p:stCondLst>
+                              <p:cond delay="0"/>
+                            </p:stCondLst>
+                            <p:childTnLst>
+                              <p:par>
+                                <p:cTn id="5" presetID="1" presetClass="entr" presetSubtype="0" fill="hold" grpId="0" nodeType="clickEffect">
+                                  <p:stCondLst>
+                                    <p:cond delay="0"/>
+                                  </p:stCondLst>
+                                  <p:childTnLst>
+                                    <p:set>
+                                      <p:cBhvr>
+                                        <p:cTn id="6" dur="1" fill="hold">
+                                          <p:stCondLst>
+                                            <p:cond delay="499"/>
+                                          </p:stCondLst>
+                                        </p:cTn>
+                                        <p:tgtEl>
+                                          <p:spTgt spid="49"/>
+                                        </p:tgtEl>
+                                        <p:attrNameLst>
+                                          <p:attrName>style.visibility</p:attrName>
+                                        </p:attrNameLst>
+                                      </p:cBhvr>
+                                      <p:to>
+                                        <p:strVal val="visible"/>
+                                      </p:to>
+                                    </p:set>
+                                  </p:childTnLst>
+                                </p:cTn>
+                              </p:par>
+                            </p:childTnLst>
+                          </p:cTn>
+                        </p:par>
+                      </p:childTnLst>
+                    </p:cTn>
+                  </p:par>
+                </p:childTnLst>
+              </p:cTn>
+              <p:prevCondLst>
+                <p:cond evt="onPrev" delay="0">
+                  <p:tgtEl>
+                    <p:sldTgt/>
+                  </p:tgtEl>
+                </p:cond>
+              </p:prevCondLst>
+              <p:nextCondLst>
+                <p:cond evt="onNext" delay="0">
+                  <p:tgtEl>
+                    <p:sldTgt/>
+                  </p:tgtEl>
+                </p:cond>
+              </p:nextCondLst>
+            </p:seq>
+          </p:childTnLst>
+        </p:cTn>
+      </p:par>
+    </p:tnLst>
+    <p:bldLst>
+      <p:bldP spid="49" grpId="0" autoUpdateAnimBg="0"/>
+    </p:bldLst>
+  </p:timing>
 </p:sld>
 </file>
 
@@ -3297,9 +5734,9 @@
       </p:grpSpPr>
       <p:sp>
         <p:nvSpPr>
-          <p:cNvPr id="2" name="Title 1"/>
-          <p:cNvSpPr>
-            <a:spLocks noGrp="1"/>
+          <p:cNvPr id="46082" name="Rectangle 2"/>
+          <p:cNvSpPr>
+            <a:spLocks noGrp="1" noChangeArrowheads="1"/>
           </p:cNvSpPr>
           <p:nvPr>
             <p:ph type="title"/>
@@ -3307,88 +5744,548 @@
         </p:nvSpPr>
         <p:spPr>
           <a:xfrm>
-            <a:off x="457200" y="274638"/>
-            <a:ext cx="8229600" cy="715962"/>
+            <a:off x="457200" y="152400"/>
+            <a:ext cx="8229600" cy="609600"/>
           </a:xfrm>
         </p:spPr>
         <p:txBody>
           <a:bodyPr>
-            <a:normAutofit/>
+            <a:normAutofit fontScale="90000"/>
           </a:bodyPr>
           <a:lstStyle/>
           <a:p>
-            <a:r>
-              <a:rPr lang="en-US" sz="3600" dirty="0" smtClean="0"/>
-              <a:t>ARM CorePac Primary Interrupts</a:t>
-            </a:r>
-            <a:endParaRPr lang="en-US" sz="3600" dirty="0"/>
-          </a:p>
-        </p:txBody>
-      </p:sp>
-      <p:sp>
-        <p:nvSpPr>
-          <p:cNvPr id="3" name="Content Placeholder 2"/>
-          <p:cNvSpPr>
-            <a:spLocks noGrp="1"/>
-          </p:cNvSpPr>
-          <p:nvPr>
-            <p:ph idx="1"/>
-          </p:nvPr>
-        </p:nvSpPr>
-        <p:spPr/>
-        <p:txBody>
-          <a:bodyPr>
-            <a:normAutofit/>
+            <a:pPr eaLnBrk="1" hangingPunct="1"/>
+            <a:r>
+              <a:rPr lang="en-US" dirty="0" smtClean="0"/>
+              <a:t>Hardware Event IDs</a:t>
+            </a:r>
+          </a:p>
+        </p:txBody>
+      </p:sp>
+      <p:sp>
+        <p:nvSpPr>
+          <p:cNvPr id="46083" name="Text Box 11"/>
+          <p:cNvSpPr txBox="1">
+            <a:spLocks noChangeArrowheads="1"/>
+          </p:cNvSpPr>
+          <p:nvPr/>
+        </p:nvSpPr>
+        <p:spPr bwMode="auto">
+          <a:xfrm>
+            <a:off x="304800" y="685800"/>
+            <a:ext cx="7058214" cy="757130"/>
+          </a:xfrm>
+          <a:prstGeom prst="rect">
+            <a:avLst/>
+          </a:prstGeom>
+          <a:noFill/>
+          <a:ln w="12700">
+            <a:noFill/>
+            <a:miter lim="800000"/>
+            <a:headEnd/>
+            <a:tailEnd/>
+          </a:ln>
+        </p:spPr>
+        <p:txBody>
+          <a:bodyPr wrap="none">
+            <a:spAutoFit/>
           </a:bodyPr>
           <a:lstStyle/>
           <a:p>
-            <a:r>
-              <a:rPr lang="en-US" sz="2800" dirty="0" smtClean="0"/>
-              <a:t>4 </a:t>
-            </a:r>
-            <a:r>
-              <a:rPr lang="en-US" sz="2800" smtClean="0"/>
-              <a:t>IPC events</a:t>
-            </a:r>
-          </a:p>
-          <a:p>
-            <a:r>
-              <a:rPr lang="en-US" sz="2800" dirty="0" smtClean="0"/>
-              <a:t>4 PCIe legacy interrupts</a:t>
-            </a:r>
-          </a:p>
-          <a:p>
-            <a:r>
-              <a:rPr lang="en-US" sz="2800" dirty="0" smtClean="0"/>
-              <a:t>8 PCIe MSI interrupts</a:t>
-            </a:r>
-          </a:p>
-          <a:p>
-            <a:r>
-              <a:rPr lang="en-US" sz="2800" dirty="0" smtClean="0"/>
-              <a:t>24 SRIO interrupts</a:t>
-            </a:r>
-          </a:p>
-          <a:p>
-            <a:r>
-              <a:rPr lang="en-US" sz="2800" dirty="0" smtClean="0"/>
-              <a:t>8 interrupts from each EDMA controller (5)</a:t>
-            </a:r>
-          </a:p>
-          <a:p>
-            <a:r>
-              <a:rPr lang="en-US" sz="2800" dirty="0" smtClean="0"/>
-              <a:t>32 interrupts from the device interrupt controllers</a:t>
-            </a:r>
-            <a:endParaRPr lang="en-US" sz="2800" dirty="0"/>
-          </a:p>
-        </p:txBody>
-      </p:sp>
+            <a:pPr marL="342900" indent="-342900" eaLnBrk="0" hangingPunct="0">
+              <a:lnSpc>
+                <a:spcPct val="90000"/>
+              </a:lnSpc>
+              <a:spcBef>
+                <a:spcPct val="50000"/>
+              </a:spcBef>
+              <a:buClr>
+                <a:schemeClr val="tx2"/>
+              </a:buClr>
+              <a:buSzPct val="75000"/>
+              <a:buFont typeface="Wingdings" pitchFamily="2" charset="2"/>
+              <a:buChar char=""/>
+            </a:pPr>
+            <a:r>
+              <a:rPr lang="en-US" b="0" dirty="0" smtClean="0">
+                <a:solidFill>
+                  <a:srgbClr val="000000"/>
+                </a:solidFill>
+                <a:latin typeface="Calibri" pitchFamily="34" charset="0"/>
+                <a:cs typeface="Calibri" pitchFamily="34" charset="0"/>
+              </a:rPr>
+              <a:t>How </a:t>
+            </a:r>
+            <a:r>
+              <a:rPr lang="en-US" b="0" dirty="0">
+                <a:solidFill>
+                  <a:srgbClr val="000000"/>
+                </a:solidFill>
+                <a:latin typeface="Calibri" pitchFamily="34" charset="0"/>
+                <a:cs typeface="Calibri" pitchFamily="34" charset="0"/>
+              </a:rPr>
+              <a:t>do you know the names of the interrupt events</a:t>
+            </a:r>
+            <a:br>
+              <a:rPr lang="en-US" b="0" dirty="0">
+                <a:solidFill>
+                  <a:srgbClr val="000000"/>
+                </a:solidFill>
+                <a:latin typeface="Calibri" pitchFamily="34" charset="0"/>
+                <a:cs typeface="Calibri" pitchFamily="34" charset="0"/>
+              </a:rPr>
+            </a:br>
+            <a:r>
+              <a:rPr lang="en-US" b="0" dirty="0">
+                <a:solidFill>
+                  <a:srgbClr val="000000"/>
+                </a:solidFill>
+                <a:latin typeface="Calibri" pitchFamily="34" charset="0"/>
+                <a:cs typeface="Calibri" pitchFamily="34" charset="0"/>
+              </a:rPr>
+              <a:t>and their corresponding event numbers?</a:t>
+            </a:r>
+          </a:p>
+        </p:txBody>
+      </p:sp>
+      <p:sp>
+        <p:nvSpPr>
+          <p:cNvPr id="46084" name="Text Box 12"/>
+          <p:cNvSpPr txBox="1">
+            <a:spLocks noChangeArrowheads="1"/>
+          </p:cNvSpPr>
+          <p:nvPr/>
+        </p:nvSpPr>
+        <p:spPr bwMode="auto">
+          <a:xfrm>
+            <a:off x="652463" y="1339850"/>
+            <a:ext cx="3590727" cy="387798"/>
+          </a:xfrm>
+          <a:prstGeom prst="rect">
+            <a:avLst/>
+          </a:prstGeom>
+          <a:noFill/>
+          <a:ln w="12700">
+            <a:noFill/>
+            <a:miter lim="800000"/>
+            <a:headEnd/>
+            <a:tailEnd/>
+          </a:ln>
+        </p:spPr>
+        <p:txBody>
+          <a:bodyPr wrap="none">
+            <a:spAutoFit/>
+          </a:bodyPr>
+          <a:lstStyle/>
+          <a:p>
+            <a:pPr eaLnBrk="0" hangingPunct="0">
+              <a:lnSpc>
+                <a:spcPct val="80000"/>
+              </a:lnSpc>
+              <a:spcBef>
+                <a:spcPct val="50000"/>
+              </a:spcBef>
+            </a:pPr>
+            <a:r>
+              <a:rPr lang="en-US" b="0" dirty="0">
+                <a:solidFill>
+                  <a:srgbClr val="0066FF"/>
+                </a:solidFill>
+                <a:latin typeface="Calibri" pitchFamily="34" charset="0"/>
+                <a:cs typeface="Calibri" pitchFamily="34" charset="0"/>
+              </a:rPr>
+              <a:t>Look it </a:t>
+            </a:r>
+            <a:r>
+              <a:rPr lang="en-US" b="0" dirty="0" smtClean="0">
+                <a:solidFill>
+                  <a:srgbClr val="0066FF"/>
+                </a:solidFill>
+                <a:latin typeface="Calibri" pitchFamily="34" charset="0"/>
+                <a:cs typeface="Calibri" pitchFamily="34" charset="0"/>
+              </a:rPr>
+              <a:t>up in </a:t>
+            </a:r>
+            <a:r>
+              <a:rPr lang="en-US" b="0" dirty="0">
+                <a:solidFill>
+                  <a:srgbClr val="0066FF"/>
+                </a:solidFill>
+                <a:latin typeface="Calibri" pitchFamily="34" charset="0"/>
+                <a:cs typeface="Calibri" pitchFamily="34" charset="0"/>
+              </a:rPr>
+              <a:t>the </a:t>
+            </a:r>
+            <a:r>
+              <a:rPr lang="en-US" b="0" dirty="0" smtClean="0">
+                <a:solidFill>
+                  <a:srgbClr val="0066FF"/>
+                </a:solidFill>
+                <a:latin typeface="Calibri" pitchFamily="34" charset="0"/>
+                <a:cs typeface="Calibri" pitchFamily="34" charset="0"/>
+              </a:rPr>
+              <a:t>datasheet.</a:t>
+            </a:r>
+            <a:endParaRPr lang="en-US" b="0" dirty="0">
+              <a:solidFill>
+                <a:srgbClr val="0066FF"/>
+              </a:solidFill>
+              <a:latin typeface="Calibri" pitchFamily="34" charset="0"/>
+              <a:cs typeface="Calibri" pitchFamily="34" charset="0"/>
+            </a:endParaRPr>
+          </a:p>
+        </p:txBody>
+      </p:sp>
+      <p:sp>
+        <p:nvSpPr>
+          <p:cNvPr id="46085" name="Text Box 13"/>
+          <p:cNvSpPr txBox="1">
+            <a:spLocks noChangeArrowheads="1"/>
+          </p:cNvSpPr>
+          <p:nvPr/>
+        </p:nvSpPr>
+        <p:spPr bwMode="auto">
+          <a:xfrm>
+            <a:off x="4572000" y="1382233"/>
+            <a:ext cx="3603807" cy="338554"/>
+          </a:xfrm>
+          <a:prstGeom prst="rect">
+            <a:avLst/>
+          </a:prstGeom>
+          <a:noFill/>
+          <a:ln w="12700">
+            <a:solidFill>
+              <a:schemeClr val="tx1"/>
+            </a:solidFill>
+            <a:miter lim="800000"/>
+            <a:headEnd/>
+            <a:tailEnd/>
+          </a:ln>
+        </p:spPr>
+        <p:txBody>
+          <a:bodyPr wrap="none">
+            <a:spAutoFit/>
+          </a:bodyPr>
+          <a:lstStyle/>
+          <a:p>
+            <a:pPr eaLnBrk="0" hangingPunct="0">
+              <a:lnSpc>
+                <a:spcPct val="80000"/>
+              </a:lnSpc>
+              <a:spcBef>
+                <a:spcPct val="50000"/>
+              </a:spcBef>
+            </a:pPr>
+            <a:r>
+              <a:rPr lang="en-US" sz="2000" b="0" i="1" dirty="0" smtClean="0">
+                <a:solidFill>
+                  <a:srgbClr val="000000"/>
+                </a:solidFill>
+                <a:latin typeface="Calibri" pitchFamily="34" charset="0"/>
+                <a:cs typeface="Calibri" pitchFamily="34" charset="0"/>
+              </a:rPr>
+              <a:t>Source: TMS320C6678 datasheet</a:t>
+            </a:r>
+            <a:endParaRPr lang="en-US" sz="2000" b="0" i="1" dirty="0">
+              <a:solidFill>
+                <a:srgbClr val="000000"/>
+              </a:solidFill>
+              <a:latin typeface="Calibri" pitchFamily="34" charset="0"/>
+              <a:cs typeface="Calibri" pitchFamily="34" charset="0"/>
+            </a:endParaRPr>
+          </a:p>
+        </p:txBody>
+      </p:sp>
+      <p:sp>
+        <p:nvSpPr>
+          <p:cNvPr id="46087" name="Text Box 11"/>
+          <p:cNvSpPr txBox="1">
+            <a:spLocks noChangeArrowheads="1"/>
+          </p:cNvSpPr>
+          <p:nvPr/>
+        </p:nvSpPr>
+        <p:spPr bwMode="auto">
+          <a:xfrm>
+            <a:off x="171775" y="5986701"/>
+            <a:ext cx="8355492" cy="424732"/>
+          </a:xfrm>
+          <a:prstGeom prst="rect">
+            <a:avLst/>
+          </a:prstGeom>
+          <a:noFill/>
+          <a:ln w="12700">
+            <a:noFill/>
+            <a:miter lim="800000"/>
+            <a:headEnd/>
+            <a:tailEnd/>
+          </a:ln>
+        </p:spPr>
+        <p:txBody>
+          <a:bodyPr wrap="none">
+            <a:spAutoFit/>
+          </a:bodyPr>
+          <a:lstStyle/>
+          <a:p>
+            <a:pPr marL="342900" indent="-342900" eaLnBrk="0" hangingPunct="0">
+              <a:lnSpc>
+                <a:spcPct val="90000"/>
+              </a:lnSpc>
+              <a:spcBef>
+                <a:spcPct val="50000"/>
+              </a:spcBef>
+              <a:buClr>
+                <a:schemeClr val="tx2"/>
+              </a:buClr>
+              <a:buSzPct val="75000"/>
+              <a:buFont typeface="Wingdings" pitchFamily="2" charset="2"/>
+              <a:buChar char=""/>
+            </a:pPr>
+            <a:r>
+              <a:rPr lang="en-US" b="0" dirty="0" smtClean="0">
+                <a:solidFill>
+                  <a:srgbClr val="000000"/>
+                </a:solidFill>
+                <a:latin typeface="Calibri" pitchFamily="34" charset="0"/>
+                <a:cs typeface="Calibri" pitchFamily="34" charset="0"/>
+              </a:rPr>
+              <a:t>As appropriate, refer to the datasheet for your target platform.</a:t>
+            </a:r>
+            <a:endParaRPr lang="en-US" b="0" dirty="0">
+              <a:solidFill>
+                <a:srgbClr val="000000"/>
+              </a:solidFill>
+              <a:latin typeface="Calibri" pitchFamily="34" charset="0"/>
+              <a:cs typeface="Calibri" pitchFamily="34" charset="0"/>
+            </a:endParaRPr>
+          </a:p>
+        </p:txBody>
+      </p:sp>
+      <p:sp>
+        <p:nvSpPr>
+          <p:cNvPr id="18" name="Leading Question"/>
+          <p:cNvSpPr txBox="1">
+            <a:spLocks noChangeArrowheads="1"/>
+          </p:cNvSpPr>
+          <p:nvPr/>
+        </p:nvSpPr>
+        <p:spPr bwMode="auto">
+          <a:xfrm>
+            <a:off x="2817395" y="6522600"/>
+            <a:ext cx="3275256" cy="302840"/>
+          </a:xfrm>
+          <a:prstGeom prst="rect">
+            <a:avLst/>
+          </a:prstGeom>
+          <a:noFill/>
+          <a:ln w="9525">
+            <a:noFill/>
+            <a:miter lim="800000"/>
+            <a:headEnd/>
+            <a:tailEnd/>
+          </a:ln>
+        </p:spPr>
+        <p:txBody>
+          <a:bodyPr wrap="none" lIns="0" tIns="0" rIns="0" bIns="0" anchor="b">
+            <a:spAutoFit/>
+          </a:bodyPr>
+          <a:lstStyle/>
+          <a:p>
+            <a:pPr algn="r" eaLnBrk="0" hangingPunct="0">
+              <a:lnSpc>
+                <a:spcPct val="80000"/>
+              </a:lnSpc>
+            </a:pPr>
+            <a:r>
+              <a:rPr lang="en-US" b="0" dirty="0">
+                <a:solidFill>
+                  <a:schemeClr val="tx2"/>
+                </a:solidFill>
+                <a:latin typeface="Calibri" pitchFamily="34" charset="0"/>
+                <a:cs typeface="Calibri" pitchFamily="34" charset="0"/>
+              </a:rPr>
+              <a:t>What happens in the ISR ?</a:t>
+            </a:r>
+          </a:p>
+        </p:txBody>
+      </p:sp>
+      <p:pic>
+        <p:nvPicPr>
+          <p:cNvPr id="1026" name="Picture 2"/>
+          <p:cNvPicPr>
+            <a:picLocks noChangeAspect="1" noChangeArrowheads="1"/>
+          </p:cNvPicPr>
+          <p:nvPr/>
+        </p:nvPicPr>
+        <p:blipFill>
+          <a:blip r:embed="rId4" cstate="print"/>
+          <a:srcRect/>
+          <a:stretch>
+            <a:fillRect/>
+          </a:stretch>
+        </p:blipFill>
+        <p:spPr bwMode="auto">
+          <a:xfrm>
+            <a:off x="152400" y="1752600"/>
+            <a:ext cx="8915400" cy="1940289"/>
+          </a:xfrm>
+          <a:prstGeom prst="rect">
+            <a:avLst/>
+          </a:prstGeom>
+          <a:noFill/>
+          <a:ln w="9525">
+            <a:noFill/>
+            <a:miter lim="800000"/>
+            <a:headEnd/>
+            <a:tailEnd/>
+          </a:ln>
+        </p:spPr>
+      </p:pic>
+      <p:pic>
+        <p:nvPicPr>
+          <p:cNvPr id="1027" name="Picture 3"/>
+          <p:cNvPicPr>
+            <a:picLocks noChangeAspect="1" noChangeArrowheads="1"/>
+          </p:cNvPicPr>
+          <p:nvPr/>
+        </p:nvPicPr>
+        <p:blipFill>
+          <a:blip r:embed="rId5" cstate="print"/>
+          <a:srcRect/>
+          <a:stretch>
+            <a:fillRect/>
+          </a:stretch>
+        </p:blipFill>
+        <p:spPr bwMode="auto">
+          <a:xfrm>
+            <a:off x="2209800" y="3200400"/>
+            <a:ext cx="4976107" cy="2874334"/>
+          </a:xfrm>
+          <a:prstGeom prst="rect">
+            <a:avLst/>
+          </a:prstGeom>
+          <a:noFill/>
+          <a:ln w="9525">
+            <a:noFill/>
+            <a:miter lim="800000"/>
+            <a:headEnd/>
+            <a:tailEnd/>
+          </a:ln>
+        </p:spPr>
+      </p:pic>
+      <p:cxnSp>
+        <p:nvCxnSpPr>
+          <p:cNvPr id="46090" name="Straight Arrow Connector 14"/>
+          <p:cNvCxnSpPr>
+            <a:cxnSpLocks noChangeShapeType="1"/>
+          </p:cNvCxnSpPr>
+          <p:nvPr/>
+        </p:nvCxnSpPr>
+        <p:spPr bwMode="auto">
+          <a:xfrm>
+            <a:off x="457200" y="3048000"/>
+            <a:ext cx="3145466" cy="2021963"/>
+          </a:xfrm>
+          <a:prstGeom prst="straightConnector1">
+            <a:avLst/>
+          </a:prstGeom>
+          <a:noFill/>
+          <a:ln w="28575" algn="ctr">
+            <a:solidFill>
+              <a:schemeClr val="tx2"/>
+            </a:solidFill>
+            <a:round/>
+            <a:headEnd type="none" w="sm" len="sm"/>
+            <a:tailEnd type="arrow" w="med" len="med"/>
+          </a:ln>
+        </p:spPr>
+      </p:cxnSp>
     </p:spTree>
+    <p:custDataLst>
+      <p:tags r:id="rId1"/>
+    </p:custDataLst>
   </p:cSld>
   <p:clrMapOvr>
     <a:masterClrMapping/>
   </p:clrMapOvr>
+  <p:transition/>
+  <p:timing>
+    <p:tnLst>
+      <p:par>
+        <p:cTn id="1" dur="indefinite" restart="never" nodeType="tmRoot">
+          <p:childTnLst>
+            <p:seq concurrent="1" nextAc="seek">
+              <p:cTn id="2" dur="indefinite" nodeType="mainSeq">
+                <p:childTnLst>
+                  <p:par>
+                    <p:cTn id="3" fill="hold">
+                      <p:stCondLst>
+                        <p:cond delay="indefinite"/>
+                      </p:stCondLst>
+                      <p:childTnLst>
+                        <p:par>
+                          <p:cTn id="4" fill="hold">
+                            <p:stCondLst>
+                              <p:cond delay="0"/>
+                            </p:stCondLst>
+                            <p:childTnLst>
+                              <p:par>
+                                <p:cTn id="5" presetID="1" presetClass="entr" presetSubtype="0" fill="hold" grpId="0" nodeType="clickEffect">
+                                  <p:stCondLst>
+                                    <p:cond delay="0"/>
+                                  </p:stCondLst>
+                                  <p:childTnLst>
+                                    <p:set>
+                                      <p:cBhvr>
+                                        <p:cTn id="6" dur="1" fill="hold">
+                                          <p:stCondLst>
+                                            <p:cond delay="499"/>
+                                          </p:stCondLst>
+                                        </p:cTn>
+                                        <p:tgtEl>
+                                          <p:spTgt spid="18"/>
+                                        </p:tgtEl>
+                                        <p:attrNameLst>
+                                          <p:attrName>style.visibility</p:attrName>
+                                        </p:attrNameLst>
+                                      </p:cBhvr>
+                                      <p:to>
+                                        <p:strVal val="visible"/>
+                                      </p:to>
+                                    </p:set>
+                                  </p:childTnLst>
+                                </p:cTn>
+                              </p:par>
+                            </p:childTnLst>
+                          </p:cTn>
+                        </p:par>
+                      </p:childTnLst>
+                    </p:cTn>
+                  </p:par>
+                </p:childTnLst>
+              </p:cTn>
+              <p:prevCondLst>
+                <p:cond evt="onPrev" delay="0">
+                  <p:tgtEl>
+                    <p:sldTgt/>
+                  </p:tgtEl>
+                </p:cond>
+              </p:prevCondLst>
+              <p:nextCondLst>
+                <p:cond evt="onNext" delay="0">
+                  <p:tgtEl>
+                    <p:sldTgt/>
+                  </p:tgtEl>
+                </p:cond>
+              </p:nextCondLst>
+            </p:seq>
+          </p:childTnLst>
+        </p:cTn>
+      </p:par>
+    </p:tnLst>
+    <p:bldLst>
+      <p:bldP spid="18" grpId="0" autoUpdateAnimBg="0"/>
+    </p:bldLst>
+  </p:timing>
 </p:sld>
 </file>
 
@@ -3433,7 +6330,7 @@
           <a:p>
             <a:r>
               <a:rPr lang="en-US" sz="3600" dirty="0" smtClean="0"/>
-              <a:t>C66 CorePac Secondary Interrupts</a:t>
+              <a:t>Agenda</a:t>
             </a:r>
             <a:endParaRPr lang="en-US" sz="3600" dirty="0"/>
           </a:p>
@@ -3458,44 +6355,21 @@
           <a:p>
             <a:r>
               <a:rPr lang="en-US" sz="2800" dirty="0" smtClean="0"/>
-              <a:t>474 secondary events </a:t>
-            </a:r>
-          </a:p>
-          <a:p>
-            <a:pPr lvl="1"/>
-            <a:r>
-              <a:rPr lang="en-US" sz="2400" dirty="0" smtClean="0"/>
-              <a:t>8 from each EDMA controller (5)</a:t>
-            </a:r>
-          </a:p>
-          <a:p>
-            <a:pPr lvl="1"/>
-            <a:r>
-              <a:rPr lang="en-US" sz="2400" dirty="0" smtClean="0"/>
-              <a:t>4 PCIe legacy interrupts</a:t>
-            </a:r>
-          </a:p>
-          <a:p>
-            <a:pPr lvl="1"/>
-            <a:r>
-              <a:rPr lang="en-US" sz="2400" dirty="0" smtClean="0"/>
-              <a:t>4 PCIe MSI interrupts</a:t>
-            </a:r>
-          </a:p>
-          <a:p>
-            <a:pPr lvl="1"/>
-            <a:r>
-              <a:rPr lang="en-US" sz="2400" dirty="0" smtClean="0"/>
-              <a:t>20 SRIO interrupts</a:t>
-            </a:r>
-          </a:p>
-          <a:p>
-            <a:pPr lvl="1"/>
-            <a:r>
-              <a:rPr lang="en-US" sz="2400" dirty="0" smtClean="0"/>
-              <a:t>2 Hyperlink interrupts (0 and 1)</a:t>
-            </a:r>
-            <a:endParaRPr lang="en-US" sz="2400" dirty="0"/>
+              <a:t>Motivation for this presentation</a:t>
+            </a:r>
+            <a:endParaRPr lang="en-US" sz="2800" dirty="0" smtClean="0"/>
+          </a:p>
+          <a:p>
+            <a:r>
+              <a:rPr lang="en-US" sz="2800" b="1" dirty="0" smtClean="0"/>
+              <a:t>The interrupt Scheme</a:t>
+            </a:r>
+          </a:p>
+          <a:p>
+            <a:r>
+              <a:rPr lang="en-US" sz="2800" dirty="0" smtClean="0"/>
+              <a:t>Configure interrupt</a:t>
+            </a:r>
           </a:p>
         </p:txBody>
       </p:sp>
@@ -3526,7 +6400,7 @@
       </p:grpSpPr>
       <p:sp>
         <p:nvSpPr>
-          <p:cNvPr id="2" name="Title 1"/>
+          <p:cNvPr id="4" name="Title 3"/>
           <p:cNvSpPr>
             <a:spLocks noGrp="1"/>
           </p:cNvSpPr>
@@ -3548,71 +6422,441 @@
           <a:p>
             <a:r>
               <a:rPr lang="en-US" sz="3600" dirty="0" smtClean="0"/>
-              <a:t>EDMA  and Hyperlink Interrupts</a:t>
+              <a:t>System Events</a:t>
             </a:r>
             <a:endParaRPr lang="en-US" sz="3600" dirty="0"/>
           </a:p>
         </p:txBody>
       </p:sp>
-      <p:sp>
-        <p:nvSpPr>
-          <p:cNvPr id="3" name="Content Placeholder 2"/>
-          <p:cNvSpPr>
-            <a:spLocks noGrp="1"/>
-          </p:cNvSpPr>
-          <p:nvPr>
-            <p:ph idx="1"/>
-          </p:nvPr>
-        </p:nvSpPr>
-        <p:spPr/>
-        <p:txBody>
-          <a:bodyPr>
-            <a:normAutofit/>
-          </a:bodyPr>
-          <a:lstStyle/>
-          <a:p>
-            <a:r>
-              <a:rPr lang="en-US" sz="2800" dirty="0" smtClean="0"/>
-              <a:t>479 secondary events </a:t>
-            </a:r>
-          </a:p>
-          <a:p>
-            <a:pPr lvl="1"/>
-            <a:r>
-              <a:rPr lang="en-US" sz="2400" dirty="0" smtClean="0"/>
-              <a:t>24 SRIO interrupts</a:t>
-            </a:r>
-          </a:p>
-          <a:p>
-            <a:pPr lvl="1"/>
-            <a:r>
-              <a:rPr lang="en-US" sz="2400" dirty="0" smtClean="0"/>
-              <a:t>2 Hyperlink interrupts</a:t>
-            </a:r>
-          </a:p>
-          <a:p>
-            <a:pPr lvl="1"/>
-            <a:r>
-              <a:rPr lang="en-US" sz="2400" dirty="0" smtClean="0"/>
-              <a:t>8 IPC interrupt generations</a:t>
-            </a:r>
-          </a:p>
-          <a:p>
-            <a:pPr lvl="1"/>
-            <a:endParaRPr lang="en-US" sz="2400" dirty="0" smtClean="0"/>
-          </a:p>
-          <a:p>
-            <a:pPr lvl="1"/>
-            <a:endParaRPr lang="en-US" sz="2400" dirty="0"/>
-          </a:p>
-        </p:txBody>
-      </p:sp>
+      <p:graphicFrame>
+        <p:nvGraphicFramePr>
+          <p:cNvPr id="6" name="Object 5"/>
+          <p:cNvGraphicFramePr>
+            <a:graphicFrameLocks noChangeAspect="1"/>
+          </p:cNvGraphicFramePr>
+          <p:nvPr/>
+        </p:nvGraphicFramePr>
+        <p:xfrm>
+          <a:off x="838200" y="1600200"/>
+          <a:ext cx="7540625" cy="4283075"/>
+        </p:xfrm>
+        <a:graphic>
+          <a:graphicData uri="http://schemas.openxmlformats.org/presentationml/2006/ole">
+            <p:oleObj spid="_x0000_s1027" name="Visio" r:id="rId3" imgW="7539889" imgH="4282398" progId="Visio.Drawing.11">
+              <p:embed/>
+            </p:oleObj>
+          </a:graphicData>
+        </a:graphic>
+      </p:graphicFrame>
     </p:spTree>
   </p:cSld>
   <p:clrMapOvr>
     <a:masterClrMapping/>
   </p:clrMapOvr>
 </p:sld>
+</file>
+
+<file path=ppt/slides/slide7.xml><?xml version="1.0" encoding="utf-8"?>
+<p:sld xmlns:a="http://schemas.openxmlformats.org/drawingml/2006/main" xmlns:r="http://schemas.openxmlformats.org/officeDocument/2006/relationships" xmlns:p="http://schemas.openxmlformats.org/presentationml/2006/main">
+  <p:cSld>
+    <p:spTree>
+      <p:nvGrpSpPr>
+        <p:cNvPr id="1" name=""/>
+        <p:cNvGrpSpPr/>
+        <p:nvPr/>
+      </p:nvGrpSpPr>
+      <p:grpSpPr>
+        <a:xfrm>
+          <a:off x="0" y="0"/>
+          <a:ext cx="0" cy="0"/>
+          <a:chOff x="0" y="0"/>
+          <a:chExt cx="0" cy="0"/>
+        </a:xfrm>
+      </p:grpSpPr>
+      <p:sp>
+        <p:nvSpPr>
+          <p:cNvPr id="4" name="Title 3"/>
+          <p:cNvSpPr>
+            <a:spLocks noGrp="1"/>
+          </p:cNvSpPr>
+          <p:nvPr>
+            <p:ph type="title"/>
+          </p:nvPr>
+        </p:nvSpPr>
+        <p:spPr>
+          <a:xfrm>
+            <a:off x="457200" y="274638"/>
+            <a:ext cx="8229600" cy="1249362"/>
+          </a:xfrm>
+        </p:spPr>
+        <p:txBody>
+          <a:bodyPr>
+            <a:normAutofit fontScale="90000"/>
+          </a:bodyPr>
+          <a:lstStyle/>
+          <a:p>
+            <a:r>
+              <a:rPr lang="en-US" sz="3600" dirty="0" smtClean="0"/>
+              <a:t>System Events </a:t>
+            </a:r>
+            <a:br>
+              <a:rPr lang="en-US" sz="3600" dirty="0" smtClean="0"/>
+            </a:br>
+            <a:r>
+              <a:rPr lang="en-US" sz="3600" dirty="0" smtClean="0"/>
+              <a:t>Some events are connected directly to Cores</a:t>
+            </a:r>
+            <a:br>
+              <a:rPr lang="en-US" sz="3600" dirty="0" smtClean="0"/>
+            </a:br>
+            <a:r>
+              <a:rPr lang="en-US" sz="3600" dirty="0" smtClean="0"/>
+              <a:t>But not event 56</a:t>
+            </a:r>
+            <a:endParaRPr lang="en-US" sz="3600" dirty="0"/>
+          </a:p>
+        </p:txBody>
+      </p:sp>
+      <p:graphicFrame>
+        <p:nvGraphicFramePr>
+          <p:cNvPr id="5" name="Object 4"/>
+          <p:cNvGraphicFramePr>
+            <a:graphicFrameLocks noChangeAspect="1"/>
+          </p:cNvGraphicFramePr>
+          <p:nvPr/>
+        </p:nvGraphicFramePr>
+        <p:xfrm>
+          <a:off x="838200" y="1752600"/>
+          <a:ext cx="7540625" cy="4356100"/>
+        </p:xfrm>
+        <a:graphic>
+          <a:graphicData uri="http://schemas.openxmlformats.org/presentationml/2006/ole">
+            <p:oleObj spid="_x0000_s2051" name="Visio" r:id="rId3" imgW="7539889" imgH="4356428" progId="Visio.Drawing.11">
+              <p:embed/>
+            </p:oleObj>
+          </a:graphicData>
+        </a:graphic>
+      </p:graphicFrame>
+    </p:spTree>
+  </p:cSld>
+  <p:clrMapOvr>
+    <a:masterClrMapping/>
+  </p:clrMapOvr>
+</p:sld>
+</file>
+
+<file path=ppt/slides/slide8.xml><?xml version="1.0" encoding="utf-8"?>
+<p:sld xmlns:a="http://schemas.openxmlformats.org/drawingml/2006/main" xmlns:r="http://schemas.openxmlformats.org/officeDocument/2006/relationships" xmlns:p="http://schemas.openxmlformats.org/presentationml/2006/main">
+  <p:cSld>
+    <p:spTree>
+      <p:nvGrpSpPr>
+        <p:cNvPr id="1" name=""/>
+        <p:cNvGrpSpPr/>
+        <p:nvPr/>
+      </p:nvGrpSpPr>
+      <p:grpSpPr>
+        <a:xfrm>
+          <a:off x="0" y="0"/>
+          <a:ext cx="0" cy="0"/>
+          <a:chOff x="0" y="0"/>
+          <a:chExt cx="0" cy="0"/>
+        </a:xfrm>
+      </p:grpSpPr>
+      <p:sp>
+        <p:nvSpPr>
+          <p:cNvPr id="4" name="Title 3"/>
+          <p:cNvSpPr>
+            <a:spLocks noGrp="1"/>
+          </p:cNvSpPr>
+          <p:nvPr>
+            <p:ph type="title"/>
+          </p:nvPr>
+        </p:nvSpPr>
+        <p:spPr>
+          <a:xfrm>
+            <a:off x="457200" y="274638"/>
+            <a:ext cx="8229600" cy="411162"/>
+          </a:xfrm>
+        </p:spPr>
+        <p:txBody>
+          <a:bodyPr>
+            <a:normAutofit fontScale="90000"/>
+          </a:bodyPr>
+          <a:lstStyle/>
+          <a:p>
+            <a:r>
+              <a:rPr lang="en-US" sz="3600" dirty="0" smtClean="0"/>
+              <a:t>C66 Event Mapping  </a:t>
+            </a:r>
+            <a:endParaRPr lang="en-US" sz="3600" dirty="0"/>
+          </a:p>
+        </p:txBody>
+      </p:sp>
+      <p:pic>
+        <p:nvPicPr>
+          <p:cNvPr id="3075" name="Picture 3"/>
+          <p:cNvPicPr>
+            <a:picLocks noChangeAspect="1" noChangeArrowheads="1"/>
+          </p:cNvPicPr>
+          <p:nvPr/>
+        </p:nvPicPr>
+        <p:blipFill>
+          <a:blip r:embed="rId2" cstate="print"/>
+          <a:srcRect/>
+          <a:stretch>
+            <a:fillRect/>
+          </a:stretch>
+        </p:blipFill>
+        <p:spPr bwMode="auto">
+          <a:xfrm>
+            <a:off x="0" y="772997"/>
+            <a:ext cx="6122243" cy="6085003"/>
+          </a:xfrm>
+          <a:prstGeom prst="rect">
+            <a:avLst/>
+          </a:prstGeom>
+          <a:noFill/>
+          <a:ln w="9525">
+            <a:noFill/>
+            <a:miter lim="800000"/>
+            <a:headEnd/>
+            <a:tailEnd/>
+          </a:ln>
+        </p:spPr>
+      </p:pic>
+      <p:sp>
+        <p:nvSpPr>
+          <p:cNvPr id="6" name="TextBox 5"/>
+          <p:cNvSpPr txBox="1"/>
+          <p:nvPr/>
+        </p:nvSpPr>
+        <p:spPr>
+          <a:xfrm>
+            <a:off x="5943600" y="1143000"/>
+            <a:ext cx="2971800" cy="3970318"/>
+          </a:xfrm>
+          <a:prstGeom prst="rect">
+            <a:avLst/>
+          </a:prstGeom>
+          <a:noFill/>
+        </p:spPr>
+        <p:txBody>
+          <a:bodyPr wrap="square" rtlCol="0">
+            <a:spAutoFit/>
+          </a:bodyPr>
+          <a:lstStyle/>
+          <a:p>
+            <a:r>
+              <a:rPr lang="en-US" dirty="0" smtClean="0"/>
+              <a:t>Table 9-2 in the C66 UG</a:t>
+            </a:r>
+          </a:p>
+          <a:p>
+            <a:pPr marL="342900" indent="-342900">
+              <a:buAutoNum type="arabicPeriod"/>
+            </a:pPr>
+            <a:r>
+              <a:rPr lang="en-US" dirty="0" smtClean="0"/>
+              <a:t>22 assigned events (5 reserve primary events, 17 secondary events)</a:t>
+            </a:r>
+          </a:p>
+          <a:p>
+            <a:pPr marL="342900" indent="-342900">
+              <a:buAutoNum type="arabicPeriod"/>
+            </a:pPr>
+            <a:r>
+              <a:rPr lang="en-US" dirty="0" smtClean="0"/>
+              <a:t>7</a:t>
+            </a:r>
+            <a:r>
+              <a:rPr lang="en-US" dirty="0" smtClean="0"/>
+              <a:t> reserved events</a:t>
+            </a:r>
+          </a:p>
+          <a:p>
+            <a:pPr marL="342900" indent="-342900">
+              <a:buAutoNum type="arabicPeriod"/>
+            </a:pPr>
+            <a:r>
+              <a:rPr lang="en-US" dirty="0" smtClean="0"/>
+              <a:t>99 Available events</a:t>
+            </a:r>
+          </a:p>
+          <a:p>
+            <a:pPr marL="342900" indent="-342900">
+              <a:buAutoNum type="arabicPeriod"/>
+            </a:pPr>
+            <a:r>
+              <a:rPr lang="en-US" dirty="0" smtClean="0"/>
+              <a:t>The available events are connected to the Device. The next slides will show how and what is connected to the available events in the 6638 device. </a:t>
+            </a:r>
+          </a:p>
+          <a:p>
+            <a:endParaRPr lang="en-US" dirty="0"/>
+          </a:p>
+        </p:txBody>
+      </p:sp>
+    </p:spTree>
+  </p:cSld>
+  <p:clrMapOvr>
+    <a:masterClrMapping/>
+  </p:clrMapOvr>
+</p:sld>
+</file>
+
+<file path=ppt/slides/slide9.xml><?xml version="1.0" encoding="utf-8"?>
+<p:sld xmlns:a="http://schemas.openxmlformats.org/drawingml/2006/main" xmlns:r="http://schemas.openxmlformats.org/officeDocument/2006/relationships" xmlns:p="http://schemas.openxmlformats.org/presentationml/2006/main">
+  <p:cSld>
+    <p:spTree>
+      <p:nvGrpSpPr>
+        <p:cNvPr id="1" name=""/>
+        <p:cNvGrpSpPr/>
+        <p:nvPr/>
+      </p:nvGrpSpPr>
+      <p:grpSpPr>
+        <a:xfrm>
+          <a:off x="0" y="0"/>
+          <a:ext cx="0" cy="0"/>
+          <a:chOff x="0" y="0"/>
+          <a:chExt cx="0" cy="0"/>
+        </a:xfrm>
+      </p:grpSpPr>
+      <p:sp>
+        <p:nvSpPr>
+          <p:cNvPr id="4" name="Title 3"/>
+          <p:cNvSpPr>
+            <a:spLocks noGrp="1"/>
+          </p:cNvSpPr>
+          <p:nvPr>
+            <p:ph type="title"/>
+          </p:nvPr>
+        </p:nvSpPr>
+        <p:spPr>
+          <a:xfrm>
+            <a:off x="457200" y="274638"/>
+            <a:ext cx="8229600" cy="411162"/>
+          </a:xfrm>
+        </p:spPr>
+        <p:txBody>
+          <a:bodyPr>
+            <a:normAutofit fontScale="90000"/>
+          </a:bodyPr>
+          <a:lstStyle/>
+          <a:p>
+            <a:r>
+              <a:rPr lang="en-US" sz="3600" dirty="0" smtClean="0"/>
+              <a:t>C6638 Interrupt Topology</a:t>
+            </a:r>
+            <a:endParaRPr lang="en-US" sz="3600" dirty="0"/>
+          </a:p>
+        </p:txBody>
+      </p:sp>
+      <p:sp>
+        <p:nvSpPr>
+          <p:cNvPr id="6" name="TextBox 5"/>
+          <p:cNvSpPr txBox="1"/>
+          <p:nvPr/>
+        </p:nvSpPr>
+        <p:spPr>
+          <a:xfrm>
+            <a:off x="5943600" y="1143000"/>
+            <a:ext cx="2971800" cy="3139321"/>
+          </a:xfrm>
+          <a:prstGeom prst="rect">
+            <a:avLst/>
+          </a:prstGeom>
+          <a:noFill/>
+        </p:spPr>
+        <p:txBody>
+          <a:bodyPr wrap="square" rtlCol="0">
+            <a:spAutoFit/>
+          </a:bodyPr>
+          <a:lstStyle/>
+          <a:p>
+            <a:r>
+              <a:rPr lang="en-US" dirty="0" smtClean="0"/>
+              <a:t>Table 5-4 in the </a:t>
+            </a:r>
+            <a:r>
+              <a:rPr lang="en-US" b="1" dirty="0" smtClean="0"/>
+              <a:t>66AK2H12</a:t>
+            </a:r>
+            <a:endParaRPr lang="en-US" dirty="0" smtClean="0"/>
+          </a:p>
+          <a:p>
+            <a:pPr marL="342900" indent="-342900">
+              <a:buAutoNum type="arabicPeriod"/>
+            </a:pPr>
+            <a:r>
+              <a:rPr lang="en-US" dirty="0" smtClean="0"/>
+              <a:t>All events from all IP come to the interrupt controllers</a:t>
+            </a:r>
+          </a:p>
+          <a:p>
+            <a:pPr marL="342900" indent="-342900">
+              <a:buAutoNum type="arabicPeriod"/>
+            </a:pPr>
+            <a:r>
+              <a:rPr lang="en-US" dirty="0" smtClean="0"/>
+              <a:t>Some are connected directly to C66 or other masters (EDMA, ARM, Hyperlink) and some are mapped by the interrupt controllers </a:t>
+            </a:r>
+          </a:p>
+          <a:p>
+            <a:endParaRPr lang="en-US" dirty="0"/>
+          </a:p>
+        </p:txBody>
+      </p:sp>
+      <p:pic>
+        <p:nvPicPr>
+          <p:cNvPr id="4099" name="Picture 3"/>
+          <p:cNvPicPr>
+            <a:picLocks noChangeAspect="1" noChangeArrowheads="1"/>
+          </p:cNvPicPr>
+          <p:nvPr/>
+        </p:nvPicPr>
+        <p:blipFill>
+          <a:blip r:embed="rId2" cstate="print"/>
+          <a:srcRect/>
+          <a:stretch>
+            <a:fillRect/>
+          </a:stretch>
+        </p:blipFill>
+        <p:spPr bwMode="auto">
+          <a:xfrm>
+            <a:off x="457200" y="838200"/>
+            <a:ext cx="5238750" cy="5715000"/>
+          </a:xfrm>
+          <a:prstGeom prst="rect">
+            <a:avLst/>
+          </a:prstGeom>
+          <a:noFill/>
+          <a:ln w="9525">
+            <a:noFill/>
+            <a:miter lim="800000"/>
+            <a:headEnd/>
+            <a:tailEnd/>
+          </a:ln>
+        </p:spPr>
+      </p:pic>
+    </p:spTree>
+  </p:cSld>
+  <p:clrMapOvr>
+    <a:masterClrMapping/>
+  </p:clrMapOvr>
+</p:sld>
+</file>
+
+<file path=ppt/tags/tag1.xml><?xml version="1.0" encoding="utf-8"?>
+<p:tagLst xmlns:a="http://schemas.openxmlformats.org/drawingml/2006/main" xmlns:r="http://schemas.openxmlformats.org/officeDocument/2006/relationships" xmlns:p="http://schemas.openxmlformats.org/presentationml/2006/main">
+  <p:tag name="COLORSCHEMEINDEX" val="4"/>
+</p:tagLst>
+</file>
+
+<file path=ppt/tags/tag2.xml><?xml version="1.0" encoding="utf-8"?>
+<p:tagLst xmlns:a="http://schemas.openxmlformats.org/drawingml/2006/main" xmlns:r="http://schemas.openxmlformats.org/officeDocument/2006/relationships" xmlns:p="http://schemas.openxmlformats.org/presentationml/2006/main">
+  <p:tag name="NO LOGOS" val="true"/>
+  <p:tag name="COLORSCHEMEINDEX" val="4"/>
+</p:tagLst>
 </file>
 
 <file path=ppt/theme/theme1.xml><?xml version="1.0" encoding="utf-8"?>
@@ -3896,4 +7140,287 @@
   <a:objectDefaults/>
   <a:extraClrSchemeLst/>
 </a:theme>
+</file>
+
+<file path=ppt/theme/theme2.xml><?xml version="1.0" encoding="utf-8"?>
+<a:theme xmlns:a="http://schemas.openxmlformats.org/drawingml/2006/main" name="Office Theme">
+  <a:themeElements>
+    <a:clrScheme name="Office">
+      <a:dk1>
+        <a:sysClr val="windowText" lastClr="000000"/>
+      </a:dk1>
+      <a:lt1>
+        <a:sysClr val="window" lastClr="FFFFFF"/>
+      </a:lt1>
+      <a:dk2>
+        <a:srgbClr val="1F497D"/>
+      </a:dk2>
+      <a:lt2>
+        <a:srgbClr val="EEECE1"/>
+      </a:lt2>
+      <a:accent1>
+        <a:srgbClr val="4F81BD"/>
+      </a:accent1>
+      <a:accent2>
+        <a:srgbClr val="C0504D"/>
+      </a:accent2>
+      <a:accent3>
+        <a:srgbClr val="9BBB59"/>
+      </a:accent3>
+      <a:accent4>
+        <a:srgbClr val="8064A2"/>
+      </a:accent4>
+      <a:accent5>
+        <a:srgbClr val="4BACC6"/>
+      </a:accent5>
+      <a:accent6>
+        <a:srgbClr val="F79646"/>
+      </a:accent6>
+      <a:hlink>
+        <a:srgbClr val="0000FF"/>
+      </a:hlink>
+      <a:folHlink>
+        <a:srgbClr val="800080"/>
+      </a:folHlink>
+    </a:clrScheme>
+    <a:fontScheme name="Office">
+      <a:majorFont>
+        <a:latin typeface="Calibri"/>
+        <a:ea typeface=""/>
+        <a:cs typeface=""/>
+        <a:font script="Jpan" typeface="ＭＳ Ｐゴシック"/>
+        <a:font script="Hang" typeface="맑은 고딕"/>
+        <a:font script="Hans" typeface="宋体"/>
+        <a:font script="Hant" typeface="新細明體"/>
+        <a:font script="Arab" typeface="Times New Roman"/>
+        <a:font script="Hebr" typeface="Times New Roman"/>
+        <a:font script="Thai" typeface="Angsana New"/>
+        <a:font script="Ethi" typeface="Nyala"/>
+        <a:font script="Beng" typeface="Vrinda"/>
+        <a:font script="Gujr" typeface="Shruti"/>
+        <a:font script="Khmr" typeface="MoolBoran"/>
+        <a:font script="Knda" typeface="Tunga"/>
+        <a:font script="Guru" typeface="Raavi"/>
+        <a:font script="Cans" typeface="Euphemia"/>
+        <a:font script="Cher" typeface="Plantagenet Cherokee"/>
+        <a:font script="Yiii" typeface="Microsoft Yi Baiti"/>
+        <a:font script="Tibt" typeface="Microsoft Himalaya"/>
+        <a:font script="Thaa" typeface="MV Boli"/>
+        <a:font script="Deva" typeface="Mangal"/>
+        <a:font script="Telu" typeface="Gautami"/>
+        <a:font script="Taml" typeface="Latha"/>
+        <a:font script="Syrc" typeface="Estrangelo Edessa"/>
+        <a:font script="Orya" typeface="Kalinga"/>
+        <a:font script="Mlym" typeface="Kartika"/>
+        <a:font script="Laoo" typeface="DokChampa"/>
+        <a:font script="Sinh" typeface="Iskoola Pota"/>
+        <a:font script="Mong" typeface="Mongolian Baiti"/>
+        <a:font script="Viet" typeface="Times New Roman"/>
+        <a:font script="Uigh" typeface="Microsoft Uighur"/>
+      </a:majorFont>
+      <a:minorFont>
+        <a:latin typeface="Calibri"/>
+        <a:ea typeface=""/>
+        <a:cs typeface=""/>
+        <a:font script="Jpan" typeface="ＭＳ Ｐゴシック"/>
+        <a:font script="Hang" typeface="맑은 고딕"/>
+        <a:font script="Hans" typeface="宋体"/>
+        <a:font script="Hant" typeface="新細明體"/>
+        <a:font script="Arab" typeface="Arial"/>
+        <a:font script="Hebr" typeface="Arial"/>
+        <a:font script="Thai" typeface="Cordia New"/>
+        <a:font script="Ethi" typeface="Nyala"/>
+        <a:font script="Beng" typeface="Vrinda"/>
+        <a:font script="Gujr" typeface="Shruti"/>
+        <a:font script="Khmr" typeface="DaunPenh"/>
+        <a:font script="Knda" typeface="Tunga"/>
+        <a:font script="Guru" typeface="Raavi"/>
+        <a:font script="Cans" typeface="Euphemia"/>
+        <a:font script="Cher" typeface="Plantagenet Cherokee"/>
+        <a:font script="Yiii" typeface="Microsoft Yi Baiti"/>
+        <a:font script="Tibt" typeface="Microsoft Himalaya"/>
+        <a:font script="Thaa" typeface="MV Boli"/>
+        <a:font script="Deva" typeface="Mangal"/>
+        <a:font script="Telu" typeface="Gautami"/>
+        <a:font script="Taml" typeface="Latha"/>
+        <a:font script="Syrc" typeface="Estrangelo Edessa"/>
+        <a:font script="Orya" typeface="Kalinga"/>
+        <a:font script="Mlym" typeface="Kartika"/>
+        <a:font script="Laoo" typeface="DokChampa"/>
+        <a:font script="Sinh" typeface="Iskoola Pota"/>
+        <a:font script="Mong" typeface="Mongolian Baiti"/>
+        <a:font script="Viet" typeface="Arial"/>
+        <a:font script="Uigh" typeface="Microsoft Uighur"/>
+      </a:minorFont>
+    </a:fontScheme>
+    <a:fmtScheme name="Office">
+      <a:fillStyleLst>
+        <a:solidFill>
+          <a:schemeClr val="phClr"/>
+        </a:solidFill>
+        <a:gradFill rotWithShape="1">
+          <a:gsLst>
+            <a:gs pos="0">
+              <a:schemeClr val="phClr">
+                <a:tint val="50000"/>
+                <a:satMod val="300000"/>
+              </a:schemeClr>
+            </a:gs>
+            <a:gs pos="35000">
+              <a:schemeClr val="phClr">
+                <a:tint val="37000"/>
+                <a:satMod val="300000"/>
+              </a:schemeClr>
+            </a:gs>
+            <a:gs pos="100000">
+              <a:schemeClr val="phClr">
+                <a:tint val="15000"/>
+                <a:satMod val="350000"/>
+              </a:schemeClr>
+            </a:gs>
+          </a:gsLst>
+          <a:lin ang="16200000" scaled="1"/>
+        </a:gradFill>
+        <a:gradFill rotWithShape="1">
+          <a:gsLst>
+            <a:gs pos="0">
+              <a:schemeClr val="phClr">
+                <a:shade val="51000"/>
+                <a:satMod val="130000"/>
+              </a:schemeClr>
+            </a:gs>
+            <a:gs pos="80000">
+              <a:schemeClr val="phClr">
+                <a:shade val="93000"/>
+                <a:satMod val="130000"/>
+              </a:schemeClr>
+            </a:gs>
+            <a:gs pos="100000">
+              <a:schemeClr val="phClr">
+                <a:shade val="94000"/>
+                <a:satMod val="135000"/>
+              </a:schemeClr>
+            </a:gs>
+          </a:gsLst>
+          <a:lin ang="16200000" scaled="0"/>
+        </a:gradFill>
+      </a:fillStyleLst>
+      <a:lnStyleLst>
+        <a:ln w="9525" cap="flat" cmpd="sng" algn="ctr">
+          <a:solidFill>
+            <a:schemeClr val="phClr">
+              <a:shade val="95000"/>
+              <a:satMod val="105000"/>
+            </a:schemeClr>
+          </a:solidFill>
+          <a:prstDash val="solid"/>
+        </a:ln>
+        <a:ln w="25400" cap="flat" cmpd="sng" algn="ctr">
+          <a:solidFill>
+            <a:schemeClr val="phClr"/>
+          </a:solidFill>
+          <a:prstDash val="solid"/>
+        </a:ln>
+        <a:ln w="38100" cap="flat" cmpd="sng" algn="ctr">
+          <a:solidFill>
+            <a:schemeClr val="phClr"/>
+          </a:solidFill>
+          <a:prstDash val="solid"/>
+        </a:ln>
+      </a:lnStyleLst>
+      <a:effectStyleLst>
+        <a:effectStyle>
+          <a:effectLst>
+            <a:outerShdw blurRad="40000" dist="20000" dir="5400000" rotWithShape="0">
+              <a:srgbClr val="000000">
+                <a:alpha val="38000"/>
+              </a:srgbClr>
+            </a:outerShdw>
+          </a:effectLst>
+        </a:effectStyle>
+        <a:effectStyle>
+          <a:effectLst>
+            <a:outerShdw blurRad="40000" dist="23000" dir="5400000" rotWithShape="0">
+              <a:srgbClr val="000000">
+                <a:alpha val="35000"/>
+              </a:srgbClr>
+            </a:outerShdw>
+          </a:effectLst>
+        </a:effectStyle>
+        <a:effectStyle>
+          <a:effectLst>
+            <a:outerShdw blurRad="40000" dist="23000" dir="5400000" rotWithShape="0">
+              <a:srgbClr val="000000">
+                <a:alpha val="35000"/>
+              </a:srgbClr>
+            </a:outerShdw>
+          </a:effectLst>
+          <a:scene3d>
+            <a:camera prst="orthographicFront">
+              <a:rot lat="0" lon="0" rev="0"/>
+            </a:camera>
+            <a:lightRig rig="threePt" dir="t">
+              <a:rot lat="0" lon="0" rev="1200000"/>
+            </a:lightRig>
+          </a:scene3d>
+          <a:sp3d>
+            <a:bevelT w="63500" h="25400"/>
+          </a:sp3d>
+        </a:effectStyle>
+      </a:effectStyleLst>
+      <a:bgFillStyleLst>
+        <a:solidFill>
+          <a:schemeClr val="phClr"/>
+        </a:solidFill>
+        <a:gradFill rotWithShape="1">
+          <a:gsLst>
+            <a:gs pos="0">
+              <a:schemeClr val="phClr">
+                <a:tint val="40000"/>
+                <a:satMod val="350000"/>
+              </a:schemeClr>
+            </a:gs>
+            <a:gs pos="40000">
+              <a:schemeClr val="phClr">
+                <a:tint val="45000"/>
+                <a:shade val="99000"/>
+                <a:satMod val="350000"/>
+              </a:schemeClr>
+            </a:gs>
+            <a:gs pos="100000">
+              <a:schemeClr val="phClr">
+                <a:shade val="20000"/>
+                <a:satMod val="255000"/>
+              </a:schemeClr>
+            </a:gs>
+          </a:gsLst>
+          <a:path path="circle">
+            <a:fillToRect l="50000" t="-80000" r="50000" b="180000"/>
+          </a:path>
+        </a:gradFill>
+        <a:gradFill rotWithShape="1">
+          <a:gsLst>
+            <a:gs pos="0">
+              <a:schemeClr val="phClr">
+                <a:tint val="80000"/>
+                <a:satMod val="300000"/>
+              </a:schemeClr>
+            </a:gs>
+            <a:gs pos="100000">
+              <a:schemeClr val="phClr">
+                <a:shade val="30000"/>
+                <a:satMod val="200000"/>
+              </a:schemeClr>
+            </a:gs>
+          </a:gsLst>
+          <a:path path="circle">
+            <a:fillToRect l="50000" t="50000" r="50000" b="50000"/>
+          </a:path>
+        </a:gradFill>
+      </a:bgFillStyleLst>
+    </a:fmtScheme>
+  </a:themeElements>
+  <a:objectDefaults/>
+  <a:extraClrSchemeLst/>
+</a:theme>
 </file>
--- a/preliminary/Working/presentations/KeyStone II  Interrupts.pptx
+++ b/preliminary/Working/presentations/KeyStone II  Interrupts.pptx
@@ -209,6 +209,7 @@
           <a:p>
             <a:fld id="{B22F2706-6752-44E9-A692-BE6AB28C1083}" type="datetimeFigureOut">
               <a:rPr lang="en-US" smtClean="0"/>
+              <a:pPr/>
               <a:t>9/25/2013</a:t>
             </a:fld>
             <a:endParaRPr lang="en-US" dirty="0"/>
@@ -370,6 +371,7 @@
           <a:p>
             <a:fld id="{A7E3349E-9C98-4214-BD4E-A919EAC395B9}" type="slidenum">
               <a:rPr lang="en-US" smtClean="0"/>
+              <a:pPr/>
               <a:t>‹#›</a:t>
             </a:fld>
             <a:endParaRPr lang="en-US" dirty="0"/>
@@ -852,7 +854,7 @@
             <a:fld id="{4BD4843F-35AE-4465-813A-5DD03C17DB3D}" type="datetimeFigureOut">
               <a:rPr lang="en-US" smtClean="0"/>
               <a:pPr/>
-              <a:t>9/24/2013</a:t>
+              <a:t>9/25/2013</a:t>
             </a:fld>
             <a:endParaRPr lang="en-US" dirty="0"/>
           </a:p>
@@ -1019,7 +1021,7 @@
             <a:fld id="{4BD4843F-35AE-4465-813A-5DD03C17DB3D}" type="datetimeFigureOut">
               <a:rPr lang="en-US" smtClean="0"/>
               <a:pPr/>
-              <a:t>9/24/2013</a:t>
+              <a:t>9/25/2013</a:t>
             </a:fld>
             <a:endParaRPr lang="en-US" dirty="0"/>
           </a:p>
@@ -1196,7 +1198,7 @@
             <a:fld id="{4BD4843F-35AE-4465-813A-5DD03C17DB3D}" type="datetimeFigureOut">
               <a:rPr lang="en-US" smtClean="0"/>
               <a:pPr/>
-              <a:t>9/24/2013</a:t>
+              <a:t>9/25/2013</a:t>
             </a:fld>
             <a:endParaRPr lang="en-US" dirty="0"/>
           </a:p>
@@ -1363,7 +1365,7 @@
             <a:fld id="{4BD4843F-35AE-4465-813A-5DD03C17DB3D}" type="datetimeFigureOut">
               <a:rPr lang="en-US" smtClean="0"/>
               <a:pPr/>
-              <a:t>9/24/2013</a:t>
+              <a:t>9/25/2013</a:t>
             </a:fld>
             <a:endParaRPr lang="en-US" dirty="0"/>
           </a:p>
@@ -1606,7 +1608,7 @@
             <a:fld id="{4BD4843F-35AE-4465-813A-5DD03C17DB3D}" type="datetimeFigureOut">
               <a:rPr lang="en-US" smtClean="0"/>
               <a:pPr/>
-              <a:t>9/24/2013</a:t>
+              <a:t>9/25/2013</a:t>
             </a:fld>
             <a:endParaRPr lang="en-US" dirty="0"/>
           </a:p>
@@ -1891,7 +1893,7 @@
             <a:fld id="{4BD4843F-35AE-4465-813A-5DD03C17DB3D}" type="datetimeFigureOut">
               <a:rPr lang="en-US" smtClean="0"/>
               <a:pPr/>
-              <a:t>9/24/2013</a:t>
+              <a:t>9/25/2013</a:t>
             </a:fld>
             <a:endParaRPr lang="en-US" dirty="0"/>
           </a:p>
@@ -2310,7 +2312,7 @@
             <a:fld id="{4BD4843F-35AE-4465-813A-5DD03C17DB3D}" type="datetimeFigureOut">
               <a:rPr lang="en-US" smtClean="0"/>
               <a:pPr/>
-              <a:t>9/24/2013</a:t>
+              <a:t>9/25/2013</a:t>
             </a:fld>
             <a:endParaRPr lang="en-US" dirty="0"/>
           </a:p>
@@ -2425,7 +2427,7 @@
             <a:fld id="{4BD4843F-35AE-4465-813A-5DD03C17DB3D}" type="datetimeFigureOut">
               <a:rPr lang="en-US" smtClean="0"/>
               <a:pPr/>
-              <a:t>9/24/2013</a:t>
+              <a:t>9/25/2013</a:t>
             </a:fld>
             <a:endParaRPr lang="en-US" dirty="0"/>
           </a:p>
@@ -2517,7 +2519,7 @@
             <a:fld id="{4BD4843F-35AE-4465-813A-5DD03C17DB3D}" type="datetimeFigureOut">
               <a:rPr lang="en-US" smtClean="0"/>
               <a:pPr/>
-              <a:t>9/24/2013</a:t>
+              <a:t>9/25/2013</a:t>
             </a:fld>
             <a:endParaRPr lang="en-US" dirty="0"/>
           </a:p>
@@ -2791,7 +2793,7 @@
             <a:fld id="{4BD4843F-35AE-4465-813A-5DD03C17DB3D}" type="datetimeFigureOut">
               <a:rPr lang="en-US" smtClean="0"/>
               <a:pPr/>
-              <a:t>9/24/2013</a:t>
+              <a:t>9/25/2013</a:t>
             </a:fld>
             <a:endParaRPr lang="en-US" dirty="0"/>
           </a:p>
@@ -3041,7 +3043,7 @@
             <a:fld id="{4BD4843F-35AE-4465-813A-5DD03C17DB3D}" type="datetimeFigureOut">
               <a:rPr lang="en-US" smtClean="0"/>
               <a:pPr/>
-              <a:t>9/24/2013</a:t>
+              <a:t>9/25/2013</a:t>
             </a:fld>
             <a:endParaRPr lang="en-US" dirty="0"/>
           </a:p>
@@ -3251,7 +3253,7 @@
             <a:fld id="{4BD4843F-35AE-4465-813A-5DD03C17DB3D}" type="datetimeFigureOut">
               <a:rPr lang="en-US" smtClean="0"/>
               <a:pPr/>
-              <a:t>9/24/2013</a:t>
+              <a:t>9/25/2013</a:t>
             </a:fld>
             <a:endParaRPr lang="en-US" dirty="0"/>
           </a:p>
@@ -3667,6 +3669,10 @@
           <a:bodyPr/>
           <a:lstStyle/>
           <a:p>
+            <a:r>
+              <a:rPr lang="en-US" smtClean="0"/>
+              <a:t>xx</a:t>
+            </a:r>
             <a:endParaRPr lang="en-US" dirty="0"/>
           </a:p>
         </p:txBody>
@@ -3804,7 +3810,6 @@
               <a:rPr lang="en-US" sz="2800" dirty="0" smtClean="0"/>
               <a:t>Not on the above page</a:t>
             </a:r>
-            <a:endParaRPr lang="en-US" sz="2800" dirty="0" smtClean="0"/>
           </a:p>
           <a:p>
             <a:r>
@@ -3881,15 +3886,7 @@
           <a:p>
             <a:r>
               <a:rPr lang="en-US" sz="3600" dirty="0" smtClean="0"/>
-              <a:t>Connecting SPIXEVT</a:t>
-            </a:r>
-            <a:r>
-              <a:rPr lang="en-US" sz="3600" dirty="0" smtClean="0"/>
-              <a:t> </a:t>
-            </a:r>
-            <a:r>
-              <a:rPr lang="en-US" sz="3600" dirty="0" smtClean="0"/>
-              <a:t>to Core 3</a:t>
+              <a:t>Connecting SPIXEVT to Core 3</a:t>
             </a:r>
             <a:endParaRPr lang="en-US" sz="3600" dirty="0"/>
           </a:p>
@@ -3920,11 +3917,7 @@
           <a:p>
             <a:r>
               <a:rPr lang="en-US" sz="2800" dirty="0" smtClean="0"/>
-              <a:t>The next slide will show one page from the inp</a:t>
-            </a:r>
-            <a:r>
-              <a:rPr lang="en-US" sz="2800" dirty="0" smtClean="0"/>
-              <a:t>ut table for CIC0. Same events are connected to CIC1 as well</a:t>
+              <a:t>The next slide will show one page from the input table for CIC0. Same events are connected to CIC1 as well</a:t>
             </a:r>
           </a:p>
           <a:p>
@@ -4140,7 +4133,6 @@
               <a:rPr lang="en-US" sz="2800" dirty="0" smtClean="0"/>
               <a:t>Motivation for this presentation</a:t>
             </a:r>
-            <a:endParaRPr lang="en-US" sz="2800" dirty="0" smtClean="0"/>
           </a:p>
           <a:p>
             <a:r>
@@ -4230,23 +4222,13 @@
           <a:p>
             <a:r>
               <a:rPr lang="en-US" sz="2800" dirty="0" smtClean="0"/>
-              <a:t>Read the </a:t>
-            </a:r>
-            <a:r>
-              <a:rPr lang="en-US" sz="2800" dirty="0" smtClean="0"/>
-              <a:t>following Wiki: </a:t>
+              <a:t>Read the following Wiki: </a:t>
             </a:r>
             <a:r>
               <a:rPr lang="en-US" sz="1600" i="1" dirty="0" smtClean="0">
                 <a:hlinkClick r:id="rId2"/>
               </a:rPr>
-              <a:t>http://</a:t>
-            </a:r>
-            <a:r>
-              <a:rPr lang="en-US" sz="1600" i="1" dirty="0" smtClean="0">
-                <a:hlinkClick r:id="rId2"/>
-              </a:rPr>
-              <a:t>processors.wiki.ti.com/index.php/Configuring_Interrupts_on_Keystone_Devices</a:t>
+              <a:t>http://processors.wiki.ti.com/index.php/Configuring_Interrupts_on_Keystone_Devices</a:t>
             </a:r>
             <a:endParaRPr lang="en-US" sz="1600" i="1" dirty="0" smtClean="0"/>
           </a:p>
@@ -4259,11 +4241,7 @@
           <a:p>
             <a:r>
               <a:rPr lang="en-US" sz="2800" dirty="0" smtClean="0"/>
-              <a:t>The next slide with show APIs</a:t>
-            </a:r>
-            <a:r>
-              <a:rPr lang="en-US" sz="2800" dirty="0" smtClean="0"/>
-              <a:t> to connect system events to channels (output of the CIC) and the channel events to interrupt line</a:t>
+              <a:t>The next slide with show APIs to connect system events to channels (output of the CIC) and the channel events to interrupt line</a:t>
             </a:r>
           </a:p>
         </p:txBody>
@@ -4458,7 +4436,6 @@
               <a:rPr lang="en-US" sz="2800" b="1" dirty="0" smtClean="0"/>
               <a:t>Motivation for this presentation</a:t>
             </a:r>
-            <a:endParaRPr lang="en-US" sz="2800" b="1" dirty="0" smtClean="0"/>
           </a:p>
           <a:p>
             <a:r>
@@ -6357,7 +6334,6 @@
               <a:rPr lang="en-US" sz="2800" dirty="0" smtClean="0"/>
               <a:t>Motivation for this presentation</a:t>
             </a:r>
-            <a:endParaRPr lang="en-US" sz="2800" dirty="0" smtClean="0"/>
           </a:p>
           <a:p>
             <a:r>
@@ -6666,11 +6642,7 @@
             </a:pPr>
             <a:r>
               <a:rPr lang="en-US" dirty="0" smtClean="0"/>
-              <a:t>7</a:t>
-            </a:r>
-            <a:r>
-              <a:rPr lang="en-US" dirty="0" smtClean="0"/>
-              <a:t> reserved events</a:t>
+              <a:t>7 reserved events</a:t>
             </a:r>
           </a:p>
           <a:p>

--- a/preliminary/Working/presentations/KeyStone II  Interrupts.pptx
+++ b/preliminary/Working/presentations/KeyStone II  Interrupts.pptx
@@ -5,7 +5,7 @@
     <p:sldMasterId id="2147483648" r:id="rId1"/>
   </p:sldMasterIdLst>
   <p:notesMasterIdLst>
-    <p:notesMasterId r:id="rId20"/>
+    <p:notesMasterId r:id="rId29"/>
   </p:notesMasterIdLst>
   <p:sldIdLst>
     <p:sldId id="256" r:id="rId2"/>
@@ -26,6 +26,15 @@
     <p:sldId id="281" r:id="rId17"/>
     <p:sldId id="282" r:id="rId18"/>
     <p:sldId id="283" r:id="rId19"/>
+    <p:sldId id="284" r:id="rId20"/>
+    <p:sldId id="285" r:id="rId21"/>
+    <p:sldId id="286" r:id="rId22"/>
+    <p:sldId id="287" r:id="rId23"/>
+    <p:sldId id="288" r:id="rId24"/>
+    <p:sldId id="289" r:id="rId25"/>
+    <p:sldId id="290" r:id="rId26"/>
+    <p:sldId id="291" r:id="rId27"/>
+    <p:sldId id="292" r:id="rId28"/>
   </p:sldIdLst>
   <p:sldSz cx="9144000" cy="6858000" type="screen4x3"/>
   <p:notesSz cx="6858000" cy="9144000"/>
@@ -4368,6 +4377,99 @@
 </p:sld>
 </file>
 
+<file path=ppt/slides/slide19.xml><?xml version="1.0" encoding="utf-8"?>
+<p:sld xmlns:a="http://schemas.openxmlformats.org/drawingml/2006/main" xmlns:r="http://schemas.openxmlformats.org/officeDocument/2006/relationships" xmlns:p="http://schemas.openxmlformats.org/presentationml/2006/main">
+  <p:cSld>
+    <p:spTree>
+      <p:nvGrpSpPr>
+        <p:cNvPr id="1" name=""/>
+        <p:cNvGrpSpPr/>
+        <p:nvPr/>
+      </p:nvGrpSpPr>
+      <p:grpSpPr>
+        <a:xfrm>
+          <a:off x="0" y="0"/>
+          <a:ext cx="0" cy="0"/>
+          <a:chOff x="0" y="0"/>
+          <a:chExt cx="0" cy="0"/>
+        </a:xfrm>
+      </p:grpSpPr>
+      <p:sp>
+        <p:nvSpPr>
+          <p:cNvPr id="2" name="Title 1"/>
+          <p:cNvSpPr>
+            <a:spLocks noGrp="1"/>
+          </p:cNvSpPr>
+          <p:nvPr>
+            <p:ph type="title"/>
+          </p:nvPr>
+        </p:nvSpPr>
+        <p:spPr>
+          <a:xfrm>
+            <a:off x="457200" y="274638"/>
+            <a:ext cx="8229600" cy="715962"/>
+          </a:xfrm>
+        </p:spPr>
+        <p:txBody>
+          <a:bodyPr>
+            <a:normAutofit/>
+          </a:bodyPr>
+          <a:lstStyle/>
+          <a:p>
+            <a:r>
+              <a:rPr lang="en-US" sz="3600" dirty="0" smtClean="0"/>
+              <a:t>Code examples</a:t>
+            </a:r>
+            <a:endParaRPr lang="en-US" sz="3600" dirty="0"/>
+          </a:p>
+        </p:txBody>
+      </p:sp>
+      <p:sp>
+        <p:nvSpPr>
+          <p:cNvPr id="3" name="Content Placeholder 2"/>
+          <p:cNvSpPr>
+            <a:spLocks noGrp="1"/>
+          </p:cNvSpPr>
+          <p:nvPr>
+            <p:ph idx="1"/>
+          </p:nvPr>
+        </p:nvSpPr>
+        <p:spPr/>
+        <p:txBody>
+          <a:bodyPr>
+            <a:normAutofit/>
+          </a:bodyPr>
+          <a:lstStyle/>
+          <a:p>
+            <a:r>
+              <a:rPr lang="en-US" sz="2800" dirty="0" smtClean="0"/>
+              <a:t>Examples in the release MCSDK_3_01_12\pdk_keystone2_3_00_01_12\packages\ti\drv there are  examples that use interrupts from peripherals</a:t>
+            </a:r>
+            <a:endParaRPr lang="en-US" sz="2800" dirty="0" smtClean="0"/>
+          </a:p>
+          <a:p>
+            <a:r>
+              <a:rPr lang="en-US" sz="2800" dirty="0" smtClean="0"/>
+              <a:t>We will look at HyperLink example</a:t>
+            </a:r>
+          </a:p>
+          <a:p>
+            <a:r>
+              <a:rPr lang="en-US" sz="2800" dirty="0" smtClean="0"/>
+              <a:t>The example – getting an interrupt from Hyperlink 0 to a core</a:t>
+            </a:r>
+            <a:endParaRPr lang="en-US" sz="2800" dirty="0" smtClean="0"/>
+          </a:p>
+        </p:txBody>
+      </p:sp>
+    </p:spTree>
+  </p:cSld>
+  <p:clrMapOvr>
+    <a:masterClrMapping/>
+  </p:clrMapOvr>
+</p:sld>
+</file>
+
 <file path=ppt/slides/slide2.xml><?xml version="1.0" encoding="utf-8"?>
 <p:sld xmlns:a="http://schemas.openxmlformats.org/drawingml/2006/main" xmlns:r="http://schemas.openxmlformats.org/officeDocument/2006/relationships" xmlns:p="http://schemas.openxmlformats.org/presentationml/2006/main">
   <p:cSld>
@@ -4449,6 +4551,945 @@
               <a:t>Configure interrupt</a:t>
             </a:r>
             <a:endParaRPr lang="en-US" sz="2800" dirty="0" smtClean="0"/>
+          </a:p>
+        </p:txBody>
+      </p:sp>
+    </p:spTree>
+  </p:cSld>
+  <p:clrMapOvr>
+    <a:masterClrMapping/>
+  </p:clrMapOvr>
+</p:sld>
+</file>
+
+<file path=ppt/slides/slide20.xml><?xml version="1.0" encoding="utf-8"?>
+<p:sld xmlns:a="http://schemas.openxmlformats.org/drawingml/2006/main" xmlns:r="http://schemas.openxmlformats.org/officeDocument/2006/relationships" xmlns:p="http://schemas.openxmlformats.org/presentationml/2006/main">
+  <p:cSld>
+    <p:spTree>
+      <p:nvGrpSpPr>
+        <p:cNvPr id="1" name=""/>
+        <p:cNvGrpSpPr/>
+        <p:nvPr/>
+      </p:nvGrpSpPr>
+      <p:grpSpPr>
+        <a:xfrm>
+          <a:off x="0" y="0"/>
+          <a:ext cx="0" cy="0"/>
+          <a:chOff x="0" y="0"/>
+          <a:chExt cx="0" cy="0"/>
+        </a:xfrm>
+      </p:grpSpPr>
+      <p:pic>
+        <p:nvPicPr>
+          <p:cNvPr id="30722" name="Picture 2"/>
+          <p:cNvPicPr>
+            <a:picLocks noGrp="1" noChangeAspect="1" noChangeArrowheads="1"/>
+          </p:cNvPicPr>
+          <p:nvPr>
+            <p:ph idx="1"/>
+          </p:nvPr>
+        </p:nvPicPr>
+        <p:blipFill>
+          <a:blip r:embed="rId2" cstate="print"/>
+          <a:srcRect/>
+          <a:stretch>
+            <a:fillRect/>
+          </a:stretch>
+        </p:blipFill>
+        <p:spPr bwMode="auto">
+          <a:xfrm>
+            <a:off x="1066800" y="1371600"/>
+            <a:ext cx="6684991" cy="4525963"/>
+          </a:xfrm>
+          <a:prstGeom prst="rect">
+            <a:avLst/>
+          </a:prstGeom>
+          <a:noFill/>
+          <a:ln w="9525">
+            <a:noFill/>
+            <a:miter lim="800000"/>
+            <a:headEnd/>
+            <a:tailEnd/>
+          </a:ln>
+        </p:spPr>
+      </p:pic>
+      <p:sp>
+        <p:nvSpPr>
+          <p:cNvPr id="2" name="Title 1"/>
+          <p:cNvSpPr>
+            <a:spLocks noGrp="1"/>
+          </p:cNvSpPr>
+          <p:nvPr>
+            <p:ph type="title"/>
+          </p:nvPr>
+        </p:nvSpPr>
+        <p:spPr>
+          <a:xfrm>
+            <a:off x="457200" y="274638"/>
+            <a:ext cx="8229600" cy="715962"/>
+          </a:xfrm>
+        </p:spPr>
+        <p:txBody>
+          <a:bodyPr>
+            <a:normAutofit/>
+          </a:bodyPr>
+          <a:lstStyle/>
+          <a:p>
+            <a:r>
+              <a:rPr lang="en-US" sz="3600" dirty="0" smtClean="0"/>
+              <a:t>Hyperlink UG </a:t>
+            </a:r>
+            <a:endParaRPr lang="en-US" sz="3600" dirty="0"/>
+          </a:p>
+        </p:txBody>
+      </p:sp>
+    </p:spTree>
+  </p:cSld>
+  <p:clrMapOvr>
+    <a:masterClrMapping/>
+  </p:clrMapOvr>
+</p:sld>
+</file>
+
+<file path=ppt/slides/slide21.xml><?xml version="1.0" encoding="utf-8"?>
+<p:sld xmlns:a="http://schemas.openxmlformats.org/drawingml/2006/main" xmlns:r="http://schemas.openxmlformats.org/officeDocument/2006/relationships" xmlns:p="http://schemas.openxmlformats.org/presentationml/2006/main">
+  <p:cSld>
+    <p:spTree>
+      <p:nvGrpSpPr>
+        <p:cNvPr id="1" name=""/>
+        <p:cNvGrpSpPr/>
+        <p:nvPr/>
+      </p:nvGrpSpPr>
+      <p:grpSpPr>
+        <a:xfrm>
+          <a:off x="0" y="0"/>
+          <a:ext cx="0" cy="0"/>
+          <a:chOff x="0" y="0"/>
+          <a:chExt cx="0" cy="0"/>
+        </a:xfrm>
+      </p:grpSpPr>
+      <p:pic>
+        <p:nvPicPr>
+          <p:cNvPr id="31746" name="Picture 2"/>
+          <p:cNvPicPr>
+            <a:picLocks noChangeAspect="1" noChangeArrowheads="1"/>
+          </p:cNvPicPr>
+          <p:nvPr/>
+        </p:nvPicPr>
+        <p:blipFill>
+          <a:blip r:embed="rId2" cstate="print"/>
+          <a:srcRect/>
+          <a:stretch>
+            <a:fillRect/>
+          </a:stretch>
+        </p:blipFill>
+        <p:spPr bwMode="auto">
+          <a:xfrm>
+            <a:off x="1643063" y="557213"/>
+            <a:ext cx="5857875" cy="5743575"/>
+          </a:xfrm>
+          <a:prstGeom prst="rect">
+            <a:avLst/>
+          </a:prstGeom>
+          <a:noFill/>
+          <a:ln w="9525">
+            <a:noFill/>
+            <a:miter lim="800000"/>
+            <a:headEnd/>
+            <a:tailEnd/>
+          </a:ln>
+        </p:spPr>
+      </p:pic>
+    </p:spTree>
+  </p:cSld>
+  <p:clrMapOvr>
+    <a:masterClrMapping/>
+  </p:clrMapOvr>
+</p:sld>
+</file>
+
+<file path=ppt/slides/slide22.xml><?xml version="1.0" encoding="utf-8"?>
+<p:sld xmlns:a="http://schemas.openxmlformats.org/drawingml/2006/main" xmlns:r="http://schemas.openxmlformats.org/officeDocument/2006/relationships" xmlns:p="http://schemas.openxmlformats.org/presentationml/2006/main">
+  <p:cSld>
+    <p:spTree>
+      <p:nvGrpSpPr>
+        <p:cNvPr id="1" name=""/>
+        <p:cNvGrpSpPr/>
+        <p:nvPr/>
+      </p:nvGrpSpPr>
+      <p:grpSpPr>
+        <a:xfrm>
+          <a:off x="0" y="0"/>
+          <a:ext cx="0" cy="0"/>
+          <a:chOff x="0" y="0"/>
+          <a:chExt cx="0" cy="0"/>
+        </a:xfrm>
+      </p:grpSpPr>
+      <p:sp>
+        <p:nvSpPr>
+          <p:cNvPr id="2" name="Title 1"/>
+          <p:cNvSpPr>
+            <a:spLocks noGrp="1"/>
+          </p:cNvSpPr>
+          <p:nvPr>
+            <p:ph type="title"/>
+          </p:nvPr>
+        </p:nvSpPr>
+        <p:spPr>
+          <a:xfrm>
+            <a:off x="457200" y="274638"/>
+            <a:ext cx="8229600" cy="715962"/>
+          </a:xfrm>
+        </p:spPr>
+        <p:txBody>
+          <a:bodyPr>
+            <a:normAutofit fontScale="90000"/>
+          </a:bodyPr>
+          <a:lstStyle/>
+          <a:p>
+            <a:r>
+              <a:rPr lang="en-US" sz="3600" dirty="0" smtClean="0"/>
+              <a:t>Following Hyperlink Interrupt 0 </a:t>
+            </a:r>
+            <a:br>
+              <a:rPr lang="en-US" sz="3600" dirty="0" smtClean="0"/>
+            </a:br>
+            <a:r>
+              <a:rPr lang="en-US" sz="2700" dirty="0" smtClean="0"/>
+              <a:t>From table 5-24 of 66AK2H12- CIC0 input events</a:t>
+            </a:r>
+            <a:endParaRPr lang="en-US" sz="2700" dirty="0"/>
+          </a:p>
+        </p:txBody>
+      </p:sp>
+      <p:pic>
+        <p:nvPicPr>
+          <p:cNvPr id="32770" name="Picture 2"/>
+          <p:cNvPicPr>
+            <a:picLocks noChangeAspect="1" noChangeArrowheads="1"/>
+          </p:cNvPicPr>
+          <p:nvPr/>
+        </p:nvPicPr>
+        <p:blipFill>
+          <a:blip r:embed="rId2" cstate="print"/>
+          <a:srcRect/>
+          <a:stretch>
+            <a:fillRect/>
+          </a:stretch>
+        </p:blipFill>
+        <p:spPr bwMode="auto">
+          <a:xfrm>
+            <a:off x="1066800" y="1371600"/>
+            <a:ext cx="7010400" cy="3343275"/>
+          </a:xfrm>
+          <a:prstGeom prst="rect">
+            <a:avLst/>
+          </a:prstGeom>
+          <a:noFill/>
+          <a:ln w="9525">
+            <a:noFill/>
+            <a:miter lim="800000"/>
+            <a:headEnd/>
+            <a:tailEnd/>
+          </a:ln>
+        </p:spPr>
+      </p:pic>
+      <p:sp>
+        <p:nvSpPr>
+          <p:cNvPr id="5" name="TextBox 4"/>
+          <p:cNvSpPr txBox="1"/>
+          <p:nvPr/>
+        </p:nvSpPr>
+        <p:spPr>
+          <a:xfrm>
+            <a:off x="1371600" y="5410200"/>
+            <a:ext cx="6400800" cy="646331"/>
+          </a:xfrm>
+          <a:prstGeom prst="rect">
+            <a:avLst/>
+          </a:prstGeom>
+          <a:noFill/>
+        </p:spPr>
+        <p:txBody>
+          <a:bodyPr wrap="square" rtlCol="0">
+            <a:spAutoFit/>
+          </a:bodyPr>
+          <a:lstStyle/>
+          <a:p>
+            <a:r>
+              <a:rPr lang="en-US" dirty="0" smtClean="0"/>
+              <a:t>Event number 111 (ox6F) is HyperLink 0 interrupt</a:t>
+            </a:r>
+          </a:p>
+          <a:p>
+            <a:r>
+              <a:rPr lang="en-US" dirty="0" smtClean="0"/>
+              <a:t>Next we have to connect this to a core</a:t>
+            </a:r>
+          </a:p>
+        </p:txBody>
+      </p:sp>
+    </p:spTree>
+  </p:cSld>
+  <p:clrMapOvr>
+    <a:masterClrMapping/>
+  </p:clrMapOvr>
+</p:sld>
+</file>
+
+<file path=ppt/slides/slide23.xml><?xml version="1.0" encoding="utf-8"?>
+<p:sld xmlns:a="http://schemas.openxmlformats.org/drawingml/2006/main" xmlns:r="http://schemas.openxmlformats.org/officeDocument/2006/relationships" xmlns:p="http://schemas.openxmlformats.org/presentationml/2006/main">
+  <p:cSld>
+    <p:spTree>
+      <p:nvGrpSpPr>
+        <p:cNvPr id="1" name=""/>
+        <p:cNvGrpSpPr/>
+        <p:nvPr/>
+      </p:nvGrpSpPr>
+      <p:grpSpPr>
+        <a:xfrm>
+          <a:off x="0" y="0"/>
+          <a:ext cx="0" cy="0"/>
+          <a:chOff x="0" y="0"/>
+          <a:chExt cx="0" cy="0"/>
+        </a:xfrm>
+      </p:grpSpPr>
+      <p:sp>
+        <p:nvSpPr>
+          <p:cNvPr id="5" name="Rectangle 4"/>
+          <p:cNvSpPr/>
+          <p:nvPr/>
+        </p:nvSpPr>
+        <p:spPr>
+          <a:xfrm>
+            <a:off x="609600" y="381000"/>
+            <a:ext cx="8153400" cy="4708981"/>
+          </a:xfrm>
+          <a:prstGeom prst="rect">
+            <a:avLst/>
+          </a:prstGeom>
+        </p:spPr>
+        <p:txBody>
+          <a:bodyPr wrap="square">
+            <a:spAutoFit/>
+          </a:bodyPr>
+          <a:lstStyle/>
+          <a:p>
+            <a:r>
+              <a:rPr lang="en-US" sz="2000" b="1" dirty="0" smtClean="0"/>
+              <a:t>static int </a:t>
+            </a:r>
+            <a:r>
+              <a:rPr lang="en-US" sz="2000" b="1" dirty="0" err="1" smtClean="0"/>
+              <a:t>hyplnkExampleInitChipIntc</a:t>
+            </a:r>
+            <a:r>
+              <a:rPr lang="en-US" sz="2000" b="1" dirty="0" smtClean="0"/>
+              <a:t> (void)</a:t>
+            </a:r>
+          </a:p>
+          <a:p>
+            <a:r>
+              <a:rPr lang="en-US" sz="2000" dirty="0" smtClean="0"/>
+              <a:t>{</a:t>
+            </a:r>
+          </a:p>
+          <a:p>
+            <a:r>
+              <a:rPr lang="en-US" sz="2000" dirty="0" smtClean="0"/>
+              <a:t>  </a:t>
+            </a:r>
+            <a:r>
+              <a:rPr lang="en-US" sz="2000" dirty="0" err="1" smtClean="0"/>
+              <a:t>CSL_CPINTC_Handle</a:t>
+            </a:r>
+            <a:r>
+              <a:rPr lang="en-US" sz="2000" dirty="0" smtClean="0"/>
+              <a:t> hnd;</a:t>
+            </a:r>
+          </a:p>
+          <a:p>
+            <a:endParaRPr lang="en-US" sz="2000" dirty="0" smtClean="0"/>
+          </a:p>
+          <a:p>
+            <a:r>
+              <a:rPr lang="en-US" sz="2000" dirty="0" smtClean="0"/>
+              <a:t>//  I drop some of the functions here (enable/disable interrupts etc.</a:t>
+            </a:r>
+          </a:p>
+          <a:p>
+            <a:endParaRPr lang="en-US" sz="2000" b="1" dirty="0" smtClean="0"/>
+          </a:p>
+          <a:p>
+            <a:endParaRPr lang="en-US" sz="2000" b="1" dirty="0" smtClean="0"/>
+          </a:p>
+          <a:p>
+            <a:r>
+              <a:rPr lang="en-US" sz="2000" dirty="0" err="1" smtClean="0"/>
+              <a:t>CSL_CPINTC_mapSystemIntrToChannel</a:t>
+            </a:r>
+            <a:r>
+              <a:rPr lang="en-US" sz="2000" dirty="0" smtClean="0"/>
+              <a:t> </a:t>
+            </a:r>
+            <a:r>
+              <a:rPr lang="en-US" sz="2000" dirty="0" smtClean="0"/>
+              <a:t>(hnd, </a:t>
+            </a:r>
+            <a:r>
+              <a:rPr lang="en-US" sz="2000" b="1" dirty="0" smtClean="0">
+                <a:solidFill>
+                  <a:srgbClr val="FF0000"/>
+                </a:solidFill>
+              </a:rPr>
+              <a:t>CSL_CIC0_HYPERLINK_0_INT</a:t>
+            </a:r>
+            <a:r>
+              <a:rPr lang="en-US" sz="2000" b="1" dirty="0" smtClean="0"/>
+              <a:t>, </a:t>
+            </a:r>
+            <a:r>
+              <a:rPr lang="en-US" sz="2000" b="1" dirty="0" err="1" smtClean="0"/>
+              <a:t>hyplnk_EXAMPLE_INTC_OUTPUT</a:t>
+            </a:r>
+            <a:r>
+              <a:rPr lang="en-US" sz="2000" b="1" dirty="0" smtClean="0"/>
+              <a:t>);</a:t>
+            </a:r>
+          </a:p>
+          <a:p>
+            <a:endParaRPr lang="en-US" sz="2000" dirty="0" smtClean="0"/>
+          </a:p>
+          <a:p>
+            <a:endParaRPr lang="en-US" sz="2000" dirty="0" smtClean="0"/>
+          </a:p>
+          <a:p>
+            <a:r>
+              <a:rPr lang="en-US" sz="2000" dirty="0" smtClean="0"/>
+              <a:t>//  I drop some of the functions here (enable/disable interrupts etc.</a:t>
+            </a:r>
+          </a:p>
+          <a:p>
+            <a:endParaRPr lang="en-US" sz="2000" dirty="0" smtClean="0"/>
+          </a:p>
+          <a:p>
+            <a:r>
+              <a:rPr lang="en-US" sz="2000" dirty="0" smtClean="0"/>
+              <a:t>  return 0;</a:t>
+            </a:r>
+          </a:p>
+          <a:p>
+            <a:r>
+              <a:rPr lang="en-US" sz="2000" dirty="0" smtClean="0"/>
+              <a:t>}</a:t>
+            </a:r>
+            <a:endParaRPr lang="en-US" sz="2000" dirty="0"/>
+          </a:p>
+        </p:txBody>
+      </p:sp>
+      <p:sp>
+        <p:nvSpPr>
+          <p:cNvPr id="6" name="TextBox 5"/>
+          <p:cNvSpPr txBox="1"/>
+          <p:nvPr/>
+        </p:nvSpPr>
+        <p:spPr>
+          <a:xfrm>
+            <a:off x="1676400" y="5334000"/>
+            <a:ext cx="5943600" cy="646331"/>
+          </a:xfrm>
+          <a:prstGeom prst="rect">
+            <a:avLst/>
+          </a:prstGeom>
+          <a:noFill/>
+        </p:spPr>
+        <p:txBody>
+          <a:bodyPr wrap="square" rtlCol="0">
+            <a:spAutoFit/>
+          </a:bodyPr>
+          <a:lstStyle/>
+          <a:p>
+            <a:r>
+              <a:rPr lang="en-US" b="1" dirty="0" smtClean="0">
+                <a:solidFill>
+                  <a:srgbClr val="FF0000"/>
+                </a:solidFill>
+              </a:rPr>
+              <a:t>CSL_CIC0_HYPERLINK_0_INT  = 111</a:t>
+            </a:r>
+          </a:p>
+          <a:p>
+            <a:r>
+              <a:rPr lang="en-US" b="1" dirty="0" smtClean="0"/>
+              <a:t>What about </a:t>
+            </a:r>
+            <a:r>
+              <a:rPr lang="en-US" b="1" dirty="0" err="1" smtClean="0"/>
+              <a:t>hyplnk_EXAMPLE_INTC_OUTPUT</a:t>
+            </a:r>
+            <a:r>
+              <a:rPr lang="en-US" b="1" dirty="0" smtClean="0"/>
+              <a:t>?</a:t>
+            </a:r>
+            <a:endParaRPr lang="en-US" dirty="0"/>
+          </a:p>
+        </p:txBody>
+      </p:sp>
+    </p:spTree>
+  </p:cSld>
+  <p:clrMapOvr>
+    <a:masterClrMapping/>
+  </p:clrMapOvr>
+</p:sld>
+</file>
+
+<file path=ppt/slides/slide24.xml><?xml version="1.0" encoding="utf-8"?>
+<p:sld xmlns:a="http://schemas.openxmlformats.org/drawingml/2006/main" xmlns:r="http://schemas.openxmlformats.org/officeDocument/2006/relationships" xmlns:p="http://schemas.openxmlformats.org/presentationml/2006/main">
+  <p:cSld>
+    <p:spTree>
+      <p:nvGrpSpPr>
+        <p:cNvPr id="1" name=""/>
+        <p:cNvGrpSpPr/>
+        <p:nvPr/>
+      </p:nvGrpSpPr>
+      <p:grpSpPr>
+        <a:xfrm>
+          <a:off x="0" y="0"/>
+          <a:ext cx="0" cy="0"/>
+          <a:chOff x="0" y="0"/>
+          <a:chExt cx="0" cy="0"/>
+        </a:xfrm>
+      </p:grpSpPr>
+      <p:pic>
+        <p:nvPicPr>
+          <p:cNvPr id="33794" name="Picture 2"/>
+          <p:cNvPicPr>
+            <a:picLocks noChangeAspect="1" noChangeArrowheads="1"/>
+          </p:cNvPicPr>
+          <p:nvPr/>
+        </p:nvPicPr>
+        <p:blipFill>
+          <a:blip r:embed="rId2" cstate="print"/>
+          <a:srcRect/>
+          <a:stretch>
+            <a:fillRect/>
+          </a:stretch>
+        </p:blipFill>
+        <p:spPr bwMode="auto">
+          <a:xfrm>
+            <a:off x="533400" y="304800"/>
+            <a:ext cx="7796119" cy="5500688"/>
+          </a:xfrm>
+          <a:prstGeom prst="rect">
+            <a:avLst/>
+          </a:prstGeom>
+          <a:noFill/>
+          <a:ln w="9525">
+            <a:noFill/>
+            <a:miter lim="800000"/>
+            <a:headEnd/>
+            <a:tailEnd/>
+          </a:ln>
+        </p:spPr>
+      </p:pic>
+      <p:sp>
+        <p:nvSpPr>
+          <p:cNvPr id="7" name="TextBox 6"/>
+          <p:cNvSpPr txBox="1"/>
+          <p:nvPr/>
+        </p:nvSpPr>
+        <p:spPr>
+          <a:xfrm>
+            <a:off x="1524000" y="5867400"/>
+            <a:ext cx="5410200" cy="923330"/>
+          </a:xfrm>
+          <a:prstGeom prst="rect">
+            <a:avLst/>
+          </a:prstGeom>
+          <a:noFill/>
+        </p:spPr>
+        <p:txBody>
+          <a:bodyPr wrap="square" rtlCol="0">
+            <a:spAutoFit/>
+          </a:bodyPr>
+          <a:lstStyle/>
+          <a:p>
+            <a:r>
+              <a:rPr lang="en-US" dirty="0" smtClean="0"/>
+              <a:t>Choose to use event 45 of the core</a:t>
+            </a:r>
+          </a:p>
+          <a:p>
+            <a:r>
+              <a:rPr lang="en-US" dirty="0" smtClean="0"/>
+              <a:t>It could be any one of other CIC_OUT lines (look at the complete table for even more)</a:t>
+            </a:r>
+            <a:endParaRPr lang="en-US" dirty="0"/>
+          </a:p>
+        </p:txBody>
+      </p:sp>
+    </p:spTree>
+  </p:cSld>
+  <p:clrMapOvr>
+    <a:masterClrMapping/>
+  </p:clrMapOvr>
+</p:sld>
+</file>
+
+<file path=ppt/slides/slide25.xml><?xml version="1.0" encoding="utf-8"?>
+<p:sld xmlns:a="http://schemas.openxmlformats.org/drawingml/2006/main" xmlns:r="http://schemas.openxmlformats.org/officeDocument/2006/relationships" xmlns:p="http://schemas.openxmlformats.org/presentationml/2006/main">
+  <p:cSld>
+    <p:spTree>
+      <p:nvGrpSpPr>
+        <p:cNvPr id="1" name=""/>
+        <p:cNvGrpSpPr/>
+        <p:nvPr/>
+      </p:nvGrpSpPr>
+      <p:grpSpPr>
+        <a:xfrm>
+          <a:off x="0" y="0"/>
+          <a:ext cx="0" cy="0"/>
+          <a:chOff x="0" y="0"/>
+          <a:chExt cx="0" cy="0"/>
+        </a:xfrm>
+      </p:grpSpPr>
+      <p:sp>
+        <p:nvSpPr>
+          <p:cNvPr id="2" name="Title 1"/>
+          <p:cNvSpPr>
+            <a:spLocks noGrp="1"/>
+          </p:cNvSpPr>
+          <p:nvPr>
+            <p:ph type="title"/>
+          </p:nvPr>
+        </p:nvSpPr>
+        <p:spPr>
+          <a:xfrm>
+            <a:off x="457200" y="274638"/>
+            <a:ext cx="8229600" cy="715962"/>
+          </a:xfrm>
+        </p:spPr>
+        <p:txBody>
+          <a:bodyPr>
+            <a:normAutofit/>
+          </a:bodyPr>
+          <a:lstStyle/>
+          <a:p>
+            <a:r>
+              <a:rPr lang="en-US" sz="3600" dirty="0" smtClean="0"/>
+              <a:t>Following Hyperlink Interrupt </a:t>
+            </a:r>
+            <a:r>
+              <a:rPr lang="en-US" sz="3600" dirty="0" smtClean="0"/>
+              <a:t>0 - Continue</a:t>
+            </a:r>
+            <a:endParaRPr lang="en-US" sz="3600" dirty="0"/>
+          </a:p>
+        </p:txBody>
+      </p:sp>
+      <p:sp>
+        <p:nvSpPr>
+          <p:cNvPr id="3" name="Content Placeholder 2"/>
+          <p:cNvSpPr>
+            <a:spLocks noGrp="1"/>
+          </p:cNvSpPr>
+          <p:nvPr>
+            <p:ph idx="1"/>
+          </p:nvPr>
+        </p:nvSpPr>
+        <p:spPr/>
+        <p:txBody>
+          <a:bodyPr>
+            <a:normAutofit/>
+          </a:bodyPr>
+          <a:lstStyle/>
+          <a:p>
+            <a:r>
+              <a:rPr lang="en-US" sz="2800" dirty="0" smtClean="0"/>
+              <a:t>Event 45 on the C66 core is connected to CIC out 64 + 10 x N, that is</a:t>
+            </a:r>
+          </a:p>
+          <a:p>
+            <a:pPr lvl="1"/>
+            <a:r>
+              <a:rPr lang="en-US" sz="2400" dirty="0" smtClean="0"/>
+              <a:t>Core 0 event 45 is connected to CIC output event 64</a:t>
+            </a:r>
+          </a:p>
+          <a:p>
+            <a:pPr lvl="1"/>
+            <a:r>
+              <a:rPr lang="en-US" sz="2400" dirty="0" smtClean="0"/>
+              <a:t>Core </a:t>
+            </a:r>
+            <a:r>
+              <a:rPr lang="en-US" sz="2400" dirty="0" smtClean="0"/>
+              <a:t>1 event 45 is connected to CIC output event </a:t>
+            </a:r>
+            <a:r>
+              <a:rPr lang="en-US" sz="2400" dirty="0" smtClean="0"/>
+              <a:t>74</a:t>
+            </a:r>
+          </a:p>
+          <a:p>
+            <a:pPr lvl="1"/>
+            <a:r>
+              <a:rPr lang="en-US" sz="2400" dirty="0" smtClean="0"/>
+              <a:t>Core 2 event 45 is connected to CIC output event </a:t>
+            </a:r>
+            <a:r>
+              <a:rPr lang="en-US" sz="2400" dirty="0" smtClean="0"/>
+              <a:t>84</a:t>
+            </a:r>
+          </a:p>
+          <a:p>
+            <a:pPr lvl="1"/>
+            <a:endParaRPr lang="en-US" sz="2400" dirty="0" smtClean="0"/>
+          </a:p>
+          <a:p>
+            <a:pPr lvl="1"/>
+            <a:r>
+              <a:rPr lang="en-US" sz="2400" dirty="0" smtClean="0"/>
+              <a:t>You got the point</a:t>
+            </a:r>
+          </a:p>
+          <a:p>
+            <a:r>
+              <a:rPr lang="en-US" sz="2800" dirty="0" smtClean="0"/>
+              <a:t>CIC0 should map input event 111 to output event 64 (or 74, or 84 or … depends on what core is used)</a:t>
+            </a:r>
+            <a:endParaRPr lang="en-US" sz="2800" dirty="0" smtClean="0"/>
+          </a:p>
+        </p:txBody>
+      </p:sp>
+    </p:spTree>
+  </p:cSld>
+  <p:clrMapOvr>
+    <a:masterClrMapping/>
+  </p:clrMapOvr>
+</p:sld>
+</file>
+
+<file path=ppt/slides/slide26.xml><?xml version="1.0" encoding="utf-8"?>
+<p:sld xmlns:a="http://schemas.openxmlformats.org/drawingml/2006/main" xmlns:r="http://schemas.openxmlformats.org/officeDocument/2006/relationships" xmlns:p="http://schemas.openxmlformats.org/presentationml/2006/main">
+  <p:cSld>
+    <p:spTree>
+      <p:nvGrpSpPr>
+        <p:cNvPr id="1" name=""/>
+        <p:cNvGrpSpPr/>
+        <p:nvPr/>
+      </p:nvGrpSpPr>
+      <p:grpSpPr>
+        <a:xfrm>
+          <a:off x="0" y="0"/>
+          <a:ext cx="0" cy="0"/>
+          <a:chOff x="0" y="0"/>
+          <a:chExt cx="0" cy="0"/>
+        </a:xfrm>
+      </p:grpSpPr>
+      <p:sp>
+        <p:nvSpPr>
+          <p:cNvPr id="4" name="Title 3"/>
+          <p:cNvSpPr>
+            <a:spLocks noGrp="1"/>
+          </p:cNvSpPr>
+          <p:nvPr>
+            <p:ph type="title"/>
+          </p:nvPr>
+        </p:nvSpPr>
+        <p:spPr/>
+        <p:txBody>
+          <a:bodyPr>
+            <a:normAutofit/>
+          </a:bodyPr>
+          <a:lstStyle/>
+          <a:p>
+            <a:r>
+              <a:rPr lang="en-US" sz="3600" dirty="0" smtClean="0"/>
+              <a:t>Screen Shot of CCS </a:t>
+            </a:r>
+            <a:endParaRPr lang="en-US" sz="3600" dirty="0"/>
+          </a:p>
+        </p:txBody>
+      </p:sp>
+      <p:pic>
+        <p:nvPicPr>
+          <p:cNvPr id="34818" name="Picture 2"/>
+          <p:cNvPicPr>
+            <a:picLocks noChangeAspect="1" noChangeArrowheads="1"/>
+          </p:cNvPicPr>
+          <p:nvPr/>
+        </p:nvPicPr>
+        <p:blipFill>
+          <a:blip r:embed="rId2" cstate="print"/>
+          <a:srcRect/>
+          <a:stretch>
+            <a:fillRect/>
+          </a:stretch>
+        </p:blipFill>
+        <p:spPr bwMode="auto">
+          <a:xfrm>
+            <a:off x="287021" y="2895600"/>
+            <a:ext cx="7728268" cy="962025"/>
+          </a:xfrm>
+          <a:prstGeom prst="rect">
+            <a:avLst/>
+          </a:prstGeom>
+          <a:noFill/>
+          <a:ln w="9525">
+            <a:noFill/>
+            <a:miter lim="800000"/>
+            <a:headEnd/>
+            <a:tailEnd/>
+          </a:ln>
+        </p:spPr>
+      </p:pic>
+      <p:sp>
+        <p:nvSpPr>
+          <p:cNvPr id="6" name="TextBox 5"/>
+          <p:cNvSpPr txBox="1"/>
+          <p:nvPr/>
+        </p:nvSpPr>
+        <p:spPr>
+          <a:xfrm>
+            <a:off x="990600" y="5257800"/>
+            <a:ext cx="7543800" cy="1200329"/>
+          </a:xfrm>
+          <a:prstGeom prst="rect">
+            <a:avLst/>
+          </a:prstGeom>
+          <a:noFill/>
+        </p:spPr>
+        <p:txBody>
+          <a:bodyPr wrap="square" rtlCol="0">
+            <a:spAutoFit/>
+          </a:bodyPr>
+          <a:lstStyle/>
+          <a:p>
+            <a:r>
+              <a:rPr lang="en-US" dirty="0" smtClean="0"/>
+              <a:t>The value of </a:t>
+            </a:r>
+            <a:r>
+              <a:rPr lang="en-US" dirty="0" err="1" smtClean="0"/>
+              <a:t>hyplnk_EXAMPLE_INTC_OUTPUT</a:t>
+            </a:r>
+            <a:r>
+              <a:rPr lang="en-US" dirty="0" smtClean="0"/>
+              <a:t> is (64 + 10 * DNUM)</a:t>
+            </a:r>
+          </a:p>
+          <a:p>
+            <a:endParaRPr lang="en-US" dirty="0" smtClean="0"/>
+          </a:p>
+          <a:p>
+            <a:endParaRPr lang="en-US" dirty="0" smtClean="0"/>
+          </a:p>
+          <a:p>
+            <a:r>
+              <a:rPr lang="en-US" dirty="0" smtClean="0"/>
+              <a:t> </a:t>
+            </a:r>
+            <a:endParaRPr lang="en-US" dirty="0"/>
+          </a:p>
+        </p:txBody>
+      </p:sp>
+      <p:cxnSp>
+        <p:nvCxnSpPr>
+          <p:cNvPr id="8" name="Straight Arrow Connector 7"/>
+          <p:cNvCxnSpPr/>
+          <p:nvPr/>
+        </p:nvCxnSpPr>
+        <p:spPr>
+          <a:xfrm flipV="1">
+            <a:off x="4953000" y="3962400"/>
+            <a:ext cx="685800" cy="1295400"/>
+          </a:xfrm>
+          <a:prstGeom prst="straightConnector1">
+            <a:avLst/>
+          </a:prstGeom>
+          <a:ln w="28575">
+            <a:solidFill>
+              <a:srgbClr val="FF0000"/>
+            </a:solidFill>
+            <a:tailEnd type="arrow"/>
+          </a:ln>
+        </p:spPr>
+        <p:style>
+          <a:lnRef idx="1">
+            <a:schemeClr val="accent1"/>
+          </a:lnRef>
+          <a:fillRef idx="0">
+            <a:schemeClr val="accent1"/>
+          </a:fillRef>
+          <a:effectRef idx="0">
+            <a:schemeClr val="accent1"/>
+          </a:effectRef>
+          <a:fontRef idx="minor">
+            <a:schemeClr val="tx1"/>
+          </a:fontRef>
+        </p:style>
+      </p:cxnSp>
+    </p:spTree>
+  </p:cSld>
+  <p:clrMapOvr>
+    <a:masterClrMapping/>
+  </p:clrMapOvr>
+</p:sld>
+</file>
+
+<file path=ppt/slides/slide27.xml><?xml version="1.0" encoding="utf-8"?>
+<p:sld xmlns:a="http://schemas.openxmlformats.org/drawingml/2006/main" xmlns:r="http://schemas.openxmlformats.org/officeDocument/2006/relationships" xmlns:p="http://schemas.openxmlformats.org/presentationml/2006/main">
+  <p:cSld>
+    <p:spTree>
+      <p:nvGrpSpPr>
+        <p:cNvPr id="1" name=""/>
+        <p:cNvGrpSpPr/>
+        <p:nvPr/>
+      </p:nvGrpSpPr>
+      <p:grpSpPr>
+        <a:xfrm>
+          <a:off x="0" y="0"/>
+          <a:ext cx="0" cy="0"/>
+          <a:chOff x="0" y="0"/>
+          <a:chExt cx="0" cy="0"/>
+        </a:xfrm>
+      </p:grpSpPr>
+      <p:sp>
+        <p:nvSpPr>
+          <p:cNvPr id="2" name="Title 1"/>
+          <p:cNvSpPr>
+            <a:spLocks noGrp="1"/>
+          </p:cNvSpPr>
+          <p:nvPr>
+            <p:ph type="title"/>
+          </p:nvPr>
+        </p:nvSpPr>
+        <p:spPr>
+          <a:xfrm>
+            <a:off x="533400" y="1905000"/>
+            <a:ext cx="8229600" cy="2362200"/>
+          </a:xfrm>
+        </p:spPr>
+        <p:txBody>
+          <a:bodyPr>
+            <a:normAutofit/>
+          </a:bodyPr>
+          <a:lstStyle/>
+          <a:p>
+            <a:r>
+              <a:rPr lang="en-US" sz="5400" dirty="0" smtClean="0">
+                <a:solidFill>
+                  <a:srgbClr val="FF0000"/>
+                </a:solidFill>
+              </a:rPr>
+              <a:t>Questions?</a:t>
+            </a:r>
+            <a:endParaRPr lang="en-US" sz="5400" dirty="0">
+              <a:solidFill>
+                <a:srgbClr val="FF0000"/>
+              </a:solidFill>
+            </a:endParaRPr>
           </a:p>
         </p:txBody>
       </p:sp>

--- a/preliminary/Working/presentations/KeyStone II  Interrupts.pptx
+++ b/preliminary/Working/presentations/KeyStone II  Interrupts.pptx
@@ -5,7 +5,7 @@
     <p:sldMasterId id="2147483648" r:id="rId1"/>
   </p:sldMasterIdLst>
   <p:notesMasterIdLst>
-    <p:notesMasterId r:id="rId29"/>
+    <p:notesMasterId r:id="rId28"/>
   </p:notesMasterIdLst>
   <p:sldIdLst>
     <p:sldId id="256" r:id="rId2"/>
@@ -25,16 +25,15 @@
     <p:sldId id="280" r:id="rId16"/>
     <p:sldId id="281" r:id="rId17"/>
     <p:sldId id="282" r:id="rId18"/>
-    <p:sldId id="283" r:id="rId19"/>
-    <p:sldId id="284" r:id="rId20"/>
-    <p:sldId id="285" r:id="rId21"/>
-    <p:sldId id="286" r:id="rId22"/>
-    <p:sldId id="287" r:id="rId23"/>
-    <p:sldId id="288" r:id="rId24"/>
-    <p:sldId id="289" r:id="rId25"/>
-    <p:sldId id="290" r:id="rId26"/>
-    <p:sldId id="291" r:id="rId27"/>
-    <p:sldId id="292" r:id="rId28"/>
+    <p:sldId id="284" r:id="rId19"/>
+    <p:sldId id="285" r:id="rId20"/>
+    <p:sldId id="286" r:id="rId21"/>
+    <p:sldId id="287" r:id="rId22"/>
+    <p:sldId id="288" r:id="rId23"/>
+    <p:sldId id="289" r:id="rId24"/>
+    <p:sldId id="290" r:id="rId25"/>
+    <p:sldId id="291" r:id="rId26"/>
+    <p:sldId id="292" r:id="rId27"/>
   </p:sldIdLst>
   <p:sldSz cx="9144000" cy="6858000" type="screen4x3"/>
   <p:notesSz cx="6858000" cy="9144000"/>
@@ -219,7 +218,7 @@
             <a:fld id="{B22F2706-6752-44E9-A692-BE6AB28C1083}" type="datetimeFigureOut">
               <a:rPr lang="en-US" smtClean="0"/>
               <a:pPr/>
-              <a:t>9/25/2013</a:t>
+              <a:t>9/26/2013</a:t>
             </a:fld>
             <a:endParaRPr lang="en-US" dirty="0"/>
           </a:p>
@@ -863,7 +862,7 @@
             <a:fld id="{4BD4843F-35AE-4465-813A-5DD03C17DB3D}" type="datetimeFigureOut">
               <a:rPr lang="en-US" smtClean="0"/>
               <a:pPr/>
-              <a:t>9/25/2013</a:t>
+              <a:t>9/26/2013</a:t>
             </a:fld>
             <a:endParaRPr lang="en-US" dirty="0"/>
           </a:p>
@@ -1030,7 +1029,7 @@
             <a:fld id="{4BD4843F-35AE-4465-813A-5DD03C17DB3D}" type="datetimeFigureOut">
               <a:rPr lang="en-US" smtClean="0"/>
               <a:pPr/>
-              <a:t>9/25/2013</a:t>
+              <a:t>9/26/2013</a:t>
             </a:fld>
             <a:endParaRPr lang="en-US" dirty="0"/>
           </a:p>
@@ -1207,7 +1206,7 @@
             <a:fld id="{4BD4843F-35AE-4465-813A-5DD03C17DB3D}" type="datetimeFigureOut">
               <a:rPr lang="en-US" smtClean="0"/>
               <a:pPr/>
-              <a:t>9/25/2013</a:t>
+              <a:t>9/26/2013</a:t>
             </a:fld>
             <a:endParaRPr lang="en-US" dirty="0"/>
           </a:p>
@@ -1374,7 +1373,7 @@
             <a:fld id="{4BD4843F-35AE-4465-813A-5DD03C17DB3D}" type="datetimeFigureOut">
               <a:rPr lang="en-US" smtClean="0"/>
               <a:pPr/>
-              <a:t>9/25/2013</a:t>
+              <a:t>9/26/2013</a:t>
             </a:fld>
             <a:endParaRPr lang="en-US" dirty="0"/>
           </a:p>
@@ -1617,7 +1616,7 @@
             <a:fld id="{4BD4843F-35AE-4465-813A-5DD03C17DB3D}" type="datetimeFigureOut">
               <a:rPr lang="en-US" smtClean="0"/>
               <a:pPr/>
-              <a:t>9/25/2013</a:t>
+              <a:t>9/26/2013</a:t>
             </a:fld>
             <a:endParaRPr lang="en-US" dirty="0"/>
           </a:p>
@@ -1902,7 +1901,7 @@
             <a:fld id="{4BD4843F-35AE-4465-813A-5DD03C17DB3D}" type="datetimeFigureOut">
               <a:rPr lang="en-US" smtClean="0"/>
               <a:pPr/>
-              <a:t>9/25/2013</a:t>
+              <a:t>9/26/2013</a:t>
             </a:fld>
             <a:endParaRPr lang="en-US" dirty="0"/>
           </a:p>
@@ -2321,7 +2320,7 @@
             <a:fld id="{4BD4843F-35AE-4465-813A-5DD03C17DB3D}" type="datetimeFigureOut">
               <a:rPr lang="en-US" smtClean="0"/>
               <a:pPr/>
-              <a:t>9/25/2013</a:t>
+              <a:t>9/26/2013</a:t>
             </a:fld>
             <a:endParaRPr lang="en-US" dirty="0"/>
           </a:p>
@@ -2436,7 +2435,7 @@
             <a:fld id="{4BD4843F-35AE-4465-813A-5DD03C17DB3D}" type="datetimeFigureOut">
               <a:rPr lang="en-US" smtClean="0"/>
               <a:pPr/>
-              <a:t>9/25/2013</a:t>
+              <a:t>9/26/2013</a:t>
             </a:fld>
             <a:endParaRPr lang="en-US" dirty="0"/>
           </a:p>
@@ -2528,7 +2527,7 @@
             <a:fld id="{4BD4843F-35AE-4465-813A-5DD03C17DB3D}" type="datetimeFigureOut">
               <a:rPr lang="en-US" smtClean="0"/>
               <a:pPr/>
-              <a:t>9/25/2013</a:t>
+              <a:t>9/26/2013</a:t>
             </a:fld>
             <a:endParaRPr lang="en-US" dirty="0"/>
           </a:p>
@@ -2802,7 +2801,7 @@
             <a:fld id="{4BD4843F-35AE-4465-813A-5DD03C17DB3D}" type="datetimeFigureOut">
               <a:rPr lang="en-US" smtClean="0"/>
               <a:pPr/>
-              <a:t>9/25/2013</a:t>
+              <a:t>9/26/2013</a:t>
             </a:fld>
             <a:endParaRPr lang="en-US" dirty="0"/>
           </a:p>
@@ -3052,7 +3051,7 @@
             <a:fld id="{4BD4843F-35AE-4465-813A-5DD03C17DB3D}" type="datetimeFigureOut">
               <a:rPr lang="en-US" smtClean="0"/>
               <a:pPr/>
-              <a:t>9/25/2013</a:t>
+              <a:t>9/26/2013</a:t>
             </a:fld>
             <a:endParaRPr lang="en-US" dirty="0"/>
           </a:p>
@@ -3262,7 +3261,7 @@
             <a:fld id="{4BD4843F-35AE-4465-813A-5DD03C17DB3D}" type="datetimeFigureOut">
               <a:rPr lang="en-US" smtClean="0"/>
               <a:pPr/>
-              <a:t>9/25/2013</a:t>
+              <a:t>9/26/2013</a:t>
             </a:fld>
             <a:endParaRPr lang="en-US" dirty="0"/>
           </a:p>
@@ -3678,10 +3677,6 @@
           <a:bodyPr/>
           <a:lstStyle/>
           <a:p>
-            <a:r>
-              <a:rPr lang="en-US" smtClean="0"/>
-              <a:t>xx</a:t>
-            </a:r>
             <a:endParaRPr lang="en-US" dirty="0"/>
           </a:p>
         </p:txBody>
@@ -3811,7 +3806,7 @@
         <p:spPr/>
         <p:txBody>
           <a:bodyPr>
-            <a:normAutofit fontScale="92500"/>
+            <a:normAutofit fontScale="92500" lnSpcReduction="10000"/>
           </a:bodyPr>
           <a:lstStyle/>
           <a:p>
@@ -3829,8 +3824,13 @@
           <a:p>
             <a:r>
               <a:rPr lang="en-US" sz="2800" dirty="0" smtClean="0"/>
-              <a:t>But we see that there are eight events (56 to 63) that come out of the interrupt controller. We can connect SPIXEVT through the interrupt controller to one of these events (broadcast events)</a:t>
-            </a:r>
+              <a:t>But we see that there are eight events (56 to 63) that come out of the interrupt controller. We can connect SPIXEVT through the interrupt controller to one of these events (broadcast events</a:t>
+            </a:r>
+            <a:r>
+              <a:rPr lang="en-US" sz="2800" dirty="0" smtClean="0"/>
+              <a:t>). We will connect to broadcast event 63</a:t>
+            </a:r>
+            <a:endParaRPr lang="en-US" sz="2800" dirty="0" smtClean="0"/>
           </a:p>
           <a:p>
             <a:r>
@@ -4146,14 +4146,24 @@
           <a:p>
             <a:r>
               <a:rPr lang="en-US" sz="2800" dirty="0" smtClean="0"/>
-              <a:t>The interrupt Scheme</a:t>
-            </a:r>
+              <a:t>The interrupt </a:t>
+            </a:r>
+            <a:r>
+              <a:rPr lang="en-US" sz="2800" dirty="0" smtClean="0"/>
+              <a:t>Scheme – SPI 0 example</a:t>
+            </a:r>
+            <a:endParaRPr lang="en-US" sz="2800" dirty="0" smtClean="0"/>
           </a:p>
           <a:p>
             <a:r>
               <a:rPr lang="en-US" sz="2800" b="1" dirty="0" smtClean="0"/>
-              <a:t>Configure interrupt</a:t>
-            </a:r>
+              <a:t>Configure </a:t>
+            </a:r>
+            <a:r>
+              <a:rPr lang="en-US" sz="2800" b="1" dirty="0" smtClean="0"/>
+              <a:t>interrupt – Hyperlink example</a:t>
+            </a:r>
+            <a:endParaRPr lang="en-US" sz="2800" b="1" dirty="0" smtClean="0"/>
           </a:p>
         </p:txBody>
       </p:sp>
@@ -4337,38 +4347,72 @@
           <a:chExt cx="0" cy="0"/>
         </a:xfrm>
       </p:grpSpPr>
-      <p:pic>
-        <p:nvPicPr>
-          <p:cNvPr id="9218" name="Picture 2"/>
-          <p:cNvPicPr>
-            <a:picLocks noChangeAspect="1" noChangeArrowheads="1"/>
-          </p:cNvPicPr>
-          <p:nvPr/>
-        </p:nvPicPr>
-        <p:blipFill>
-          <a:blip r:embed="rId2" cstate="print"/>
-          <a:srcRect/>
-          <a:stretch>
-            <a:fillRect/>
-          </a:stretch>
-        </p:blipFill>
-        <p:spPr bwMode="auto">
-          <a:xfrm>
-            <a:off x="1524000" y="337766"/>
-            <a:ext cx="6053371" cy="6139234"/>
-          </a:xfrm>
-          <a:prstGeom prst="rect">
-            <a:avLst/>
-          </a:prstGeom>
-          <a:noFill/>
-          <a:ln w="9525">
-            <a:noFill/>
-            <a:miter lim="800000"/>
-            <a:headEnd/>
-            <a:tailEnd/>
-          </a:ln>
-        </p:spPr>
-      </p:pic>
+      <p:sp>
+        <p:nvSpPr>
+          <p:cNvPr id="2" name="Title 1"/>
+          <p:cNvSpPr>
+            <a:spLocks noGrp="1"/>
+          </p:cNvSpPr>
+          <p:nvPr>
+            <p:ph type="title"/>
+          </p:nvPr>
+        </p:nvSpPr>
+        <p:spPr>
+          <a:xfrm>
+            <a:off x="457200" y="274638"/>
+            <a:ext cx="8229600" cy="715962"/>
+          </a:xfrm>
+        </p:spPr>
+        <p:txBody>
+          <a:bodyPr>
+            <a:normAutofit/>
+          </a:bodyPr>
+          <a:lstStyle/>
+          <a:p>
+            <a:r>
+              <a:rPr lang="en-US" sz="3600" dirty="0" smtClean="0"/>
+              <a:t>Code examples</a:t>
+            </a:r>
+            <a:endParaRPr lang="en-US" sz="3600" dirty="0"/>
+          </a:p>
+        </p:txBody>
+      </p:sp>
+      <p:sp>
+        <p:nvSpPr>
+          <p:cNvPr id="3" name="Content Placeholder 2"/>
+          <p:cNvSpPr>
+            <a:spLocks noGrp="1"/>
+          </p:cNvSpPr>
+          <p:nvPr>
+            <p:ph idx="1"/>
+          </p:nvPr>
+        </p:nvSpPr>
+        <p:spPr/>
+        <p:txBody>
+          <a:bodyPr>
+            <a:normAutofit/>
+          </a:bodyPr>
+          <a:lstStyle/>
+          <a:p>
+            <a:r>
+              <a:rPr lang="en-US" sz="2800" dirty="0" smtClean="0"/>
+              <a:t>Examples in the release MCSDK_3_01_12\pdk_keystone2_3_00_01_12\packages\ti\drv there are  examples that use interrupts from peripherals</a:t>
+            </a:r>
+          </a:p>
+          <a:p>
+            <a:r>
+              <a:rPr lang="en-US" sz="2800" dirty="0" smtClean="0"/>
+              <a:t>We will look at HyperLink example</a:t>
+            </a:r>
+          </a:p>
+          <a:p>
+            <a:r>
+              <a:rPr lang="en-US" sz="2800" dirty="0" smtClean="0"/>
+              <a:t>The example – getting an interrupt from Hyperlink 0 to a core</a:t>
+            </a:r>
+          </a:p>
+        </p:txBody>
+      </p:sp>
     </p:spTree>
   </p:cSld>
   <p:clrMapOvr>
@@ -4394,6 +4438,40 @@
           <a:chExt cx="0" cy="0"/>
         </a:xfrm>
       </p:grpSpPr>
+      <p:pic>
+        <p:nvPicPr>
+          <p:cNvPr id="30722" name="Picture 2"/>
+          <p:cNvPicPr>
+            <a:picLocks noGrp="1" noChangeAspect="1" noChangeArrowheads="1"/>
+          </p:cNvPicPr>
+          <p:nvPr>
+            <p:ph idx="1"/>
+          </p:nvPr>
+        </p:nvPicPr>
+        <p:blipFill>
+          <a:blip r:embed="rId2" cstate="print"/>
+          <a:srcRect/>
+          <a:stretch>
+            <a:fillRect/>
+          </a:stretch>
+        </p:blipFill>
+        <p:spPr bwMode="auto">
+          <a:xfrm>
+            <a:off x="1066800" y="1371600"/>
+            <a:ext cx="6684991" cy="4525963"/>
+          </a:xfrm>
+          <a:prstGeom prst="rect">
+            <a:avLst/>
+          </a:prstGeom>
+          <a:noFill/>
+          <a:ln w="9525">
+            <a:noFill/>
+            <a:miter lim="800000"/>
+            <a:headEnd/>
+            <a:tailEnd/>
+          </a:ln>
+        </p:spPr>
+      </p:pic>
       <p:sp>
         <p:nvSpPr>
           <p:cNvPr id="2" name="Title 1"/>
@@ -4418,47 +4496,9 @@
           <a:p>
             <a:r>
               <a:rPr lang="en-US" sz="3600" dirty="0" smtClean="0"/>
-              <a:t>Code examples</a:t>
+              <a:t>Hyperlink UG </a:t>
             </a:r>
             <a:endParaRPr lang="en-US" sz="3600" dirty="0"/>
-          </a:p>
-        </p:txBody>
-      </p:sp>
-      <p:sp>
-        <p:nvSpPr>
-          <p:cNvPr id="3" name="Content Placeholder 2"/>
-          <p:cNvSpPr>
-            <a:spLocks noGrp="1"/>
-          </p:cNvSpPr>
-          <p:nvPr>
-            <p:ph idx="1"/>
-          </p:nvPr>
-        </p:nvSpPr>
-        <p:spPr/>
-        <p:txBody>
-          <a:bodyPr>
-            <a:normAutofit/>
-          </a:bodyPr>
-          <a:lstStyle/>
-          <a:p>
-            <a:r>
-              <a:rPr lang="en-US" sz="2800" dirty="0" smtClean="0"/>
-              <a:t>Examples in the release MCSDK_3_01_12\pdk_keystone2_3_00_01_12\packages\ti\drv there are  examples that use interrupts from peripherals</a:t>
-            </a:r>
-            <a:endParaRPr lang="en-US" sz="2800" dirty="0" smtClean="0"/>
-          </a:p>
-          <a:p>
-            <a:r>
-              <a:rPr lang="en-US" sz="2800" dirty="0" smtClean="0"/>
-              <a:t>We will look at HyperLink example</a:t>
-            </a:r>
-          </a:p>
-          <a:p>
-            <a:r>
-              <a:rPr lang="en-US" sz="2800" dirty="0" smtClean="0"/>
-              <a:t>The example – getting an interrupt from Hyperlink 0 to a core</a:t>
-            </a:r>
-            <a:endParaRPr lang="en-US" sz="2800" dirty="0" smtClean="0"/>
           </a:p>
         </p:txBody>
       </p:sp>
@@ -4542,13 +4582,22 @@
           <a:p>
             <a:r>
               <a:rPr lang="en-US" sz="2800" dirty="0" smtClean="0"/>
-              <a:t>The interrupt Scheme</a:t>
-            </a:r>
-          </a:p>
-          <a:p>
-            <a:r>
-              <a:rPr lang="en-US" sz="2800" smtClean="0"/>
-              <a:t>Configure interrupt</a:t>
+              <a:t>The interrupt </a:t>
+            </a:r>
+            <a:r>
+              <a:rPr lang="en-US" sz="2800" dirty="0" smtClean="0"/>
+              <a:t>Scheme – SPI 0 example</a:t>
+            </a:r>
+            <a:endParaRPr lang="en-US" sz="2800" dirty="0" smtClean="0"/>
+          </a:p>
+          <a:p>
+            <a:r>
+              <a:rPr lang="en-US" sz="2800" dirty="0" smtClean="0"/>
+              <a:t>Configure </a:t>
+            </a:r>
+            <a:r>
+              <a:rPr lang="en-US" sz="2800" dirty="0" smtClean="0"/>
+              <a:t>interrupt - Hyperlink example</a:t>
             </a:r>
             <a:endParaRPr lang="en-US" sz="2800" dirty="0" smtClean="0"/>
           </a:p>
@@ -4563,95 +4612,6 @@
 </file>
 
 <file path=ppt/slides/slide20.xml><?xml version="1.0" encoding="utf-8"?>
-<p:sld xmlns:a="http://schemas.openxmlformats.org/drawingml/2006/main" xmlns:r="http://schemas.openxmlformats.org/officeDocument/2006/relationships" xmlns:p="http://schemas.openxmlformats.org/presentationml/2006/main">
-  <p:cSld>
-    <p:spTree>
-      <p:nvGrpSpPr>
-        <p:cNvPr id="1" name=""/>
-        <p:cNvGrpSpPr/>
-        <p:nvPr/>
-      </p:nvGrpSpPr>
-      <p:grpSpPr>
-        <a:xfrm>
-          <a:off x="0" y="0"/>
-          <a:ext cx="0" cy="0"/>
-          <a:chOff x="0" y="0"/>
-          <a:chExt cx="0" cy="0"/>
-        </a:xfrm>
-      </p:grpSpPr>
-      <p:pic>
-        <p:nvPicPr>
-          <p:cNvPr id="30722" name="Picture 2"/>
-          <p:cNvPicPr>
-            <a:picLocks noGrp="1" noChangeAspect="1" noChangeArrowheads="1"/>
-          </p:cNvPicPr>
-          <p:nvPr>
-            <p:ph idx="1"/>
-          </p:nvPr>
-        </p:nvPicPr>
-        <p:blipFill>
-          <a:blip r:embed="rId2" cstate="print"/>
-          <a:srcRect/>
-          <a:stretch>
-            <a:fillRect/>
-          </a:stretch>
-        </p:blipFill>
-        <p:spPr bwMode="auto">
-          <a:xfrm>
-            <a:off x="1066800" y="1371600"/>
-            <a:ext cx="6684991" cy="4525963"/>
-          </a:xfrm>
-          <a:prstGeom prst="rect">
-            <a:avLst/>
-          </a:prstGeom>
-          <a:noFill/>
-          <a:ln w="9525">
-            <a:noFill/>
-            <a:miter lim="800000"/>
-            <a:headEnd/>
-            <a:tailEnd/>
-          </a:ln>
-        </p:spPr>
-      </p:pic>
-      <p:sp>
-        <p:nvSpPr>
-          <p:cNvPr id="2" name="Title 1"/>
-          <p:cNvSpPr>
-            <a:spLocks noGrp="1"/>
-          </p:cNvSpPr>
-          <p:nvPr>
-            <p:ph type="title"/>
-          </p:nvPr>
-        </p:nvSpPr>
-        <p:spPr>
-          <a:xfrm>
-            <a:off x="457200" y="274638"/>
-            <a:ext cx="8229600" cy="715962"/>
-          </a:xfrm>
-        </p:spPr>
-        <p:txBody>
-          <a:bodyPr>
-            <a:normAutofit/>
-          </a:bodyPr>
-          <a:lstStyle/>
-          <a:p>
-            <a:r>
-              <a:rPr lang="en-US" sz="3600" dirty="0" smtClean="0"/>
-              <a:t>Hyperlink UG </a:t>
-            </a:r>
-            <a:endParaRPr lang="en-US" sz="3600" dirty="0"/>
-          </a:p>
-        </p:txBody>
-      </p:sp>
-    </p:spTree>
-  </p:cSld>
-  <p:clrMapOvr>
-    <a:masterClrMapping/>
-  </p:clrMapOvr>
-</p:sld>
-</file>
-
-<file path=ppt/slides/slide21.xml><?xml version="1.0" encoding="utf-8"?>
 <p:sld xmlns:a="http://schemas.openxmlformats.org/drawingml/2006/main" xmlns:r="http://schemas.openxmlformats.org/officeDocument/2006/relationships" xmlns:p="http://schemas.openxmlformats.org/presentationml/2006/main">
   <p:cSld>
     <p:spTree>
@@ -4708,6 +4668,135 @@
 </p:sld>
 </file>
 
+<file path=ppt/slides/slide21.xml><?xml version="1.0" encoding="utf-8"?>
+<p:sld xmlns:a="http://schemas.openxmlformats.org/drawingml/2006/main" xmlns:r="http://schemas.openxmlformats.org/officeDocument/2006/relationships" xmlns:p="http://schemas.openxmlformats.org/presentationml/2006/main">
+  <p:cSld>
+    <p:spTree>
+      <p:nvGrpSpPr>
+        <p:cNvPr id="1" name=""/>
+        <p:cNvGrpSpPr/>
+        <p:nvPr/>
+      </p:nvGrpSpPr>
+      <p:grpSpPr>
+        <a:xfrm>
+          <a:off x="0" y="0"/>
+          <a:ext cx="0" cy="0"/>
+          <a:chOff x="0" y="0"/>
+          <a:chExt cx="0" cy="0"/>
+        </a:xfrm>
+      </p:grpSpPr>
+      <p:sp>
+        <p:nvSpPr>
+          <p:cNvPr id="2" name="Title 1"/>
+          <p:cNvSpPr>
+            <a:spLocks noGrp="1"/>
+          </p:cNvSpPr>
+          <p:nvPr>
+            <p:ph type="title"/>
+          </p:nvPr>
+        </p:nvSpPr>
+        <p:spPr>
+          <a:xfrm>
+            <a:off x="457200" y="274638"/>
+            <a:ext cx="8229600" cy="715962"/>
+          </a:xfrm>
+        </p:spPr>
+        <p:txBody>
+          <a:bodyPr>
+            <a:normAutofit fontScale="90000"/>
+          </a:bodyPr>
+          <a:lstStyle/>
+          <a:p>
+            <a:r>
+              <a:rPr lang="en-US" sz="3600" dirty="0" smtClean="0"/>
+              <a:t>Following Hyperlink Interrupt 0 </a:t>
+            </a:r>
+            <a:br>
+              <a:rPr lang="en-US" sz="3600" dirty="0" smtClean="0"/>
+            </a:br>
+            <a:r>
+              <a:rPr lang="en-US" sz="2700" dirty="0" smtClean="0"/>
+              <a:t>From table 5-24 of 66AK2H12- CIC0 input events</a:t>
+            </a:r>
+            <a:endParaRPr lang="en-US" sz="2700" dirty="0"/>
+          </a:p>
+        </p:txBody>
+      </p:sp>
+      <p:pic>
+        <p:nvPicPr>
+          <p:cNvPr id="32770" name="Picture 2"/>
+          <p:cNvPicPr>
+            <a:picLocks noChangeAspect="1" noChangeArrowheads="1"/>
+          </p:cNvPicPr>
+          <p:nvPr/>
+        </p:nvPicPr>
+        <p:blipFill>
+          <a:blip r:embed="rId2" cstate="print"/>
+          <a:srcRect/>
+          <a:stretch>
+            <a:fillRect/>
+          </a:stretch>
+        </p:blipFill>
+        <p:spPr bwMode="auto">
+          <a:xfrm>
+            <a:off x="1066800" y="1371600"/>
+            <a:ext cx="7010400" cy="3343275"/>
+          </a:xfrm>
+          <a:prstGeom prst="rect">
+            <a:avLst/>
+          </a:prstGeom>
+          <a:noFill/>
+          <a:ln w="9525">
+            <a:noFill/>
+            <a:miter lim="800000"/>
+            <a:headEnd/>
+            <a:tailEnd/>
+          </a:ln>
+        </p:spPr>
+      </p:pic>
+      <p:sp>
+        <p:nvSpPr>
+          <p:cNvPr id="5" name="TextBox 4"/>
+          <p:cNvSpPr txBox="1"/>
+          <p:nvPr/>
+        </p:nvSpPr>
+        <p:spPr>
+          <a:xfrm>
+            <a:off x="1371600" y="5410200"/>
+            <a:ext cx="6400800" cy="646331"/>
+          </a:xfrm>
+          <a:prstGeom prst="rect">
+            <a:avLst/>
+          </a:prstGeom>
+          <a:noFill/>
+        </p:spPr>
+        <p:txBody>
+          <a:bodyPr wrap="square" rtlCol="0">
+            <a:spAutoFit/>
+          </a:bodyPr>
+          <a:lstStyle/>
+          <a:p>
+            <a:r>
+              <a:rPr lang="en-US" dirty="0" smtClean="0"/>
+              <a:t>Event number 111 (ox6F) is HyperLink 0 interrupt</a:t>
+            </a:r>
+          </a:p>
+          <a:p>
+            <a:r>
+              <a:rPr lang="en-US" dirty="0" smtClean="0"/>
+              <a:t>Next we have to connect this to a core</a:t>
+            </a:r>
+          </a:p>
+        </p:txBody>
+      </p:sp>
+    </p:spTree>
+  </p:cSld>
+  <p:clrMapOvr>
+    <a:masterClrMapping/>
+  </p:clrMapOvr>
+</p:sld>
+</file>
+
 <file path=ppt/slides/slide22.xml><?xml version="1.0" encoding="utf-8"?>
 <p:sld xmlns:a="http://schemas.openxmlformats.org/drawingml/2006/main" xmlns:r="http://schemas.openxmlformats.org/officeDocument/2006/relationships" xmlns:p="http://schemas.openxmlformats.org/presentationml/2006/main">
   <p:cSld>
@@ -4727,88 +4816,148 @@
       </p:grpSpPr>
       <p:sp>
         <p:nvSpPr>
-          <p:cNvPr id="2" name="Title 1"/>
-          <p:cNvSpPr>
-            <a:spLocks noGrp="1"/>
-          </p:cNvSpPr>
-          <p:nvPr>
-            <p:ph type="title"/>
-          </p:nvPr>
+          <p:cNvPr id="5" name="Rectangle 4"/>
+          <p:cNvSpPr/>
+          <p:nvPr/>
         </p:nvSpPr>
         <p:spPr>
           <a:xfrm>
-            <a:off x="457200" y="274638"/>
-            <a:ext cx="8229600" cy="715962"/>
-          </a:xfrm>
-        </p:spPr>
-        <p:txBody>
-          <a:bodyPr>
-            <a:normAutofit fontScale="90000"/>
+            <a:off x="609600" y="381000"/>
+            <a:ext cx="8153400" cy="4708981"/>
+          </a:xfrm>
+          <a:prstGeom prst="rect">
+            <a:avLst/>
+          </a:prstGeom>
+        </p:spPr>
+        <p:txBody>
+          <a:bodyPr wrap="square">
+            <a:spAutoFit/>
           </a:bodyPr>
           <a:lstStyle/>
           <a:p>
             <a:r>
-              <a:rPr lang="en-US" sz="3600" dirty="0" smtClean="0"/>
-              <a:t>Following Hyperlink Interrupt 0 </a:t>
-            </a:r>
-            <a:br>
-              <a:rPr lang="en-US" sz="3600" dirty="0" smtClean="0"/>
-            </a:br>
-            <a:r>
-              <a:rPr lang="en-US" sz="2700" dirty="0" smtClean="0"/>
-              <a:t>From table 5-24 of 66AK2H12- CIC0 input events</a:t>
-            </a:r>
-            <a:endParaRPr lang="en-US" sz="2700" dirty="0"/>
-          </a:p>
-        </p:txBody>
-      </p:sp>
-      <p:pic>
-        <p:nvPicPr>
-          <p:cNvPr id="32770" name="Picture 2"/>
-          <p:cNvPicPr>
-            <a:picLocks noChangeAspect="1" noChangeArrowheads="1"/>
-          </p:cNvPicPr>
+              <a:rPr lang="en-US" sz="2000" b="1" dirty="0" smtClean="0"/>
+              <a:t>static int </a:t>
+            </a:r>
+            <a:r>
+              <a:rPr lang="en-US" sz="2000" b="1" dirty="0" err="1" smtClean="0"/>
+              <a:t>hyplnkExampleInitChipIntc</a:t>
+            </a:r>
+            <a:r>
+              <a:rPr lang="en-US" sz="2000" b="1" dirty="0" smtClean="0"/>
+              <a:t> (void)</a:t>
+            </a:r>
+          </a:p>
+          <a:p>
+            <a:r>
+              <a:rPr lang="en-US" sz="2000" dirty="0" smtClean="0"/>
+              <a:t>{</a:t>
+            </a:r>
+          </a:p>
+          <a:p>
+            <a:r>
+              <a:rPr lang="en-US" sz="2000" dirty="0" smtClean="0"/>
+              <a:t>  </a:t>
+            </a:r>
+            <a:r>
+              <a:rPr lang="en-US" sz="2000" dirty="0" err="1" smtClean="0"/>
+              <a:t>CSL_CPINTC_Handle</a:t>
+            </a:r>
+            <a:r>
+              <a:rPr lang="en-US" sz="2000" dirty="0" smtClean="0"/>
+              <a:t> hnd;</a:t>
+            </a:r>
+          </a:p>
+          <a:p>
+            <a:endParaRPr lang="en-US" sz="2000" dirty="0" smtClean="0"/>
+          </a:p>
+          <a:p>
+            <a:r>
+              <a:rPr lang="en-US" sz="2000" dirty="0" smtClean="0"/>
+              <a:t>//  I drop some of the functions here (enable/disable interrupts etc.</a:t>
+            </a:r>
+          </a:p>
+          <a:p>
+            <a:endParaRPr lang="en-US" sz="2000" b="1" dirty="0" smtClean="0"/>
+          </a:p>
+          <a:p>
+            <a:endParaRPr lang="en-US" sz="2000" b="1" dirty="0" smtClean="0"/>
+          </a:p>
+          <a:p>
+            <a:r>
+              <a:rPr lang="en-US" sz="2000" dirty="0" err="1" smtClean="0"/>
+              <a:t>CSL_CPINTC_mapSystemIntrToChannel</a:t>
+            </a:r>
+            <a:r>
+              <a:rPr lang="en-US" sz="2000" dirty="0" smtClean="0"/>
+              <a:t> (hnd, </a:t>
+            </a:r>
+            <a:r>
+              <a:rPr lang="en-US" sz="2000" b="1" dirty="0" smtClean="0">
+                <a:solidFill>
+                  <a:srgbClr val="FF0000"/>
+                </a:solidFill>
+              </a:rPr>
+              <a:t>CSL_CIC0_HYPERLINK_0_INT</a:t>
+            </a:r>
+            <a:r>
+              <a:rPr lang="en-US" sz="2000" b="1" dirty="0" smtClean="0"/>
+              <a:t>, </a:t>
+            </a:r>
+            <a:r>
+              <a:rPr lang="en-US" sz="2000" b="1" dirty="0" err="1" smtClean="0"/>
+              <a:t>hyplnk_EXAMPLE_INTC_OUTPUT</a:t>
+            </a:r>
+            <a:r>
+              <a:rPr lang="en-US" sz="2000" b="1" dirty="0" smtClean="0"/>
+              <a:t>);</a:t>
+            </a:r>
+          </a:p>
+          <a:p>
+            <a:endParaRPr lang="en-US" sz="2000" dirty="0" smtClean="0"/>
+          </a:p>
+          <a:p>
+            <a:endParaRPr lang="en-US" sz="2000" dirty="0" smtClean="0"/>
+          </a:p>
+          <a:p>
+            <a:r>
+              <a:rPr lang="en-US" sz="2000" dirty="0" smtClean="0"/>
+              <a:t>//  I drop some of the functions here (enable/disable interrupts etc.</a:t>
+            </a:r>
+          </a:p>
+          <a:p>
+            <a:endParaRPr lang="en-US" sz="2000" dirty="0" smtClean="0"/>
+          </a:p>
+          <a:p>
+            <a:r>
+              <a:rPr lang="en-US" sz="2000" dirty="0" smtClean="0"/>
+              <a:t>  return 0;</a:t>
+            </a:r>
+          </a:p>
+          <a:p>
+            <a:r>
+              <a:rPr lang="en-US" sz="2000" dirty="0" smtClean="0"/>
+              <a:t>}</a:t>
+            </a:r>
+            <a:endParaRPr lang="en-US" sz="2000" dirty="0"/>
+          </a:p>
+        </p:txBody>
+      </p:sp>
+      <p:sp>
+        <p:nvSpPr>
+          <p:cNvPr id="6" name="TextBox 5"/>
+          <p:cNvSpPr txBox="1"/>
           <p:nvPr/>
-        </p:nvPicPr>
-        <p:blipFill>
-          <a:blip r:embed="rId2" cstate="print"/>
-          <a:srcRect/>
-          <a:stretch>
-            <a:fillRect/>
-          </a:stretch>
-        </p:blipFill>
-        <p:spPr bwMode="auto">
-          <a:xfrm>
-            <a:off x="1066800" y="1371600"/>
-            <a:ext cx="7010400" cy="3343275"/>
+        </p:nvSpPr>
+        <p:spPr>
+          <a:xfrm>
+            <a:off x="1676400" y="5334000"/>
+            <a:ext cx="5943600" cy="646331"/>
           </a:xfrm>
           <a:prstGeom prst="rect">
             <a:avLst/>
           </a:prstGeom>
           <a:noFill/>
-          <a:ln w="9525">
-            <a:noFill/>
-            <a:miter lim="800000"/>
-            <a:headEnd/>
-            <a:tailEnd/>
-          </a:ln>
-        </p:spPr>
-      </p:pic>
-      <p:sp>
-        <p:nvSpPr>
-          <p:cNvPr id="5" name="TextBox 4"/>
-          <p:cNvSpPr txBox="1"/>
-          <p:nvPr/>
-        </p:nvSpPr>
-        <p:spPr>
-          <a:xfrm>
-            <a:off x="1371600" y="5410200"/>
-            <a:ext cx="6400800" cy="646331"/>
-          </a:xfrm>
-          <a:prstGeom prst="rect">
-            <a:avLst/>
-          </a:prstGeom>
-          <a:noFill/>
         </p:spPr>
         <p:txBody>
           <a:bodyPr wrap="square" rtlCol="0">
@@ -4817,15 +4966,28 @@
           <a:lstStyle/>
           <a:p>
             <a:r>
-              <a:rPr lang="en-US" dirty="0" smtClean="0"/>
-              <a:t>Event number 111 (ox6F) is HyperLink 0 interrupt</a:t>
-            </a:r>
-          </a:p>
-          <a:p>
-            <a:r>
-              <a:rPr lang="en-US" dirty="0" smtClean="0"/>
-              <a:t>Next we have to connect this to a core</a:t>
-            </a:r>
+              <a:rPr lang="en-US" b="1" dirty="0" smtClean="0">
+                <a:solidFill>
+                  <a:srgbClr val="FF0000"/>
+                </a:solidFill>
+              </a:rPr>
+              <a:t>CSL_CIC0_HYPERLINK_0_INT  = 111</a:t>
+            </a:r>
+          </a:p>
+          <a:p>
+            <a:r>
+              <a:rPr lang="en-US" b="1" dirty="0" smtClean="0"/>
+              <a:t>What about </a:t>
+            </a:r>
+            <a:r>
+              <a:rPr lang="en-US" b="1" dirty="0" err="1" smtClean="0"/>
+              <a:t>hyplnk_EXAMPLE_INTC_OUTPUT</a:t>
+            </a:r>
+            <a:r>
+              <a:rPr lang="en-US" b="1" dirty="0" smtClean="0"/>
+              <a:t>?</a:t>
+            </a:r>
+            <a:endParaRPr lang="en-US" dirty="0"/>
           </a:p>
         </p:txBody>
       </p:sp>
@@ -4838,212 +5000,6 @@
 </file>
 
 <file path=ppt/slides/slide23.xml><?xml version="1.0" encoding="utf-8"?>
-<p:sld xmlns:a="http://schemas.openxmlformats.org/drawingml/2006/main" xmlns:r="http://schemas.openxmlformats.org/officeDocument/2006/relationships" xmlns:p="http://schemas.openxmlformats.org/presentationml/2006/main">
-  <p:cSld>
-    <p:spTree>
-      <p:nvGrpSpPr>
-        <p:cNvPr id="1" name=""/>
-        <p:cNvGrpSpPr/>
-        <p:nvPr/>
-      </p:nvGrpSpPr>
-      <p:grpSpPr>
-        <a:xfrm>
-          <a:off x="0" y="0"/>
-          <a:ext cx="0" cy="0"/>
-          <a:chOff x="0" y="0"/>
-          <a:chExt cx="0" cy="0"/>
-        </a:xfrm>
-      </p:grpSpPr>
-      <p:sp>
-        <p:nvSpPr>
-          <p:cNvPr id="5" name="Rectangle 4"/>
-          <p:cNvSpPr/>
-          <p:nvPr/>
-        </p:nvSpPr>
-        <p:spPr>
-          <a:xfrm>
-            <a:off x="609600" y="381000"/>
-            <a:ext cx="8153400" cy="4708981"/>
-          </a:xfrm>
-          <a:prstGeom prst="rect">
-            <a:avLst/>
-          </a:prstGeom>
-        </p:spPr>
-        <p:txBody>
-          <a:bodyPr wrap="square">
-            <a:spAutoFit/>
-          </a:bodyPr>
-          <a:lstStyle/>
-          <a:p>
-            <a:r>
-              <a:rPr lang="en-US" sz="2000" b="1" dirty="0" smtClean="0"/>
-              <a:t>static int </a:t>
-            </a:r>
-            <a:r>
-              <a:rPr lang="en-US" sz="2000" b="1" dirty="0" err="1" smtClean="0"/>
-              <a:t>hyplnkExampleInitChipIntc</a:t>
-            </a:r>
-            <a:r>
-              <a:rPr lang="en-US" sz="2000" b="1" dirty="0" smtClean="0"/>
-              <a:t> (void)</a:t>
-            </a:r>
-          </a:p>
-          <a:p>
-            <a:r>
-              <a:rPr lang="en-US" sz="2000" dirty="0" smtClean="0"/>
-              <a:t>{</a:t>
-            </a:r>
-          </a:p>
-          <a:p>
-            <a:r>
-              <a:rPr lang="en-US" sz="2000" dirty="0" smtClean="0"/>
-              <a:t>  </a:t>
-            </a:r>
-            <a:r>
-              <a:rPr lang="en-US" sz="2000" dirty="0" err="1" smtClean="0"/>
-              <a:t>CSL_CPINTC_Handle</a:t>
-            </a:r>
-            <a:r>
-              <a:rPr lang="en-US" sz="2000" dirty="0" smtClean="0"/>
-              <a:t> hnd;</a:t>
-            </a:r>
-          </a:p>
-          <a:p>
-            <a:endParaRPr lang="en-US" sz="2000" dirty="0" smtClean="0"/>
-          </a:p>
-          <a:p>
-            <a:r>
-              <a:rPr lang="en-US" sz="2000" dirty="0" smtClean="0"/>
-              <a:t>//  I drop some of the functions here (enable/disable interrupts etc.</a:t>
-            </a:r>
-          </a:p>
-          <a:p>
-            <a:endParaRPr lang="en-US" sz="2000" b="1" dirty="0" smtClean="0"/>
-          </a:p>
-          <a:p>
-            <a:endParaRPr lang="en-US" sz="2000" b="1" dirty="0" smtClean="0"/>
-          </a:p>
-          <a:p>
-            <a:r>
-              <a:rPr lang="en-US" sz="2000" dirty="0" err="1" smtClean="0"/>
-              <a:t>CSL_CPINTC_mapSystemIntrToChannel</a:t>
-            </a:r>
-            <a:r>
-              <a:rPr lang="en-US" sz="2000" dirty="0" smtClean="0"/>
-              <a:t> </a:t>
-            </a:r>
-            <a:r>
-              <a:rPr lang="en-US" sz="2000" dirty="0" smtClean="0"/>
-              <a:t>(hnd, </a:t>
-            </a:r>
-            <a:r>
-              <a:rPr lang="en-US" sz="2000" b="1" dirty="0" smtClean="0">
-                <a:solidFill>
-                  <a:srgbClr val="FF0000"/>
-                </a:solidFill>
-              </a:rPr>
-              <a:t>CSL_CIC0_HYPERLINK_0_INT</a:t>
-            </a:r>
-            <a:r>
-              <a:rPr lang="en-US" sz="2000" b="1" dirty="0" smtClean="0"/>
-              <a:t>, </a:t>
-            </a:r>
-            <a:r>
-              <a:rPr lang="en-US" sz="2000" b="1" dirty="0" err="1" smtClean="0"/>
-              <a:t>hyplnk_EXAMPLE_INTC_OUTPUT</a:t>
-            </a:r>
-            <a:r>
-              <a:rPr lang="en-US" sz="2000" b="1" dirty="0" smtClean="0"/>
-              <a:t>);</a:t>
-            </a:r>
-          </a:p>
-          <a:p>
-            <a:endParaRPr lang="en-US" sz="2000" dirty="0" smtClean="0"/>
-          </a:p>
-          <a:p>
-            <a:endParaRPr lang="en-US" sz="2000" dirty="0" smtClean="0"/>
-          </a:p>
-          <a:p>
-            <a:r>
-              <a:rPr lang="en-US" sz="2000" dirty="0" smtClean="0"/>
-              <a:t>//  I drop some of the functions here (enable/disable interrupts etc.</a:t>
-            </a:r>
-          </a:p>
-          <a:p>
-            <a:endParaRPr lang="en-US" sz="2000" dirty="0" smtClean="0"/>
-          </a:p>
-          <a:p>
-            <a:r>
-              <a:rPr lang="en-US" sz="2000" dirty="0" smtClean="0"/>
-              <a:t>  return 0;</a:t>
-            </a:r>
-          </a:p>
-          <a:p>
-            <a:r>
-              <a:rPr lang="en-US" sz="2000" dirty="0" smtClean="0"/>
-              <a:t>}</a:t>
-            </a:r>
-            <a:endParaRPr lang="en-US" sz="2000" dirty="0"/>
-          </a:p>
-        </p:txBody>
-      </p:sp>
-      <p:sp>
-        <p:nvSpPr>
-          <p:cNvPr id="6" name="TextBox 5"/>
-          <p:cNvSpPr txBox="1"/>
-          <p:nvPr/>
-        </p:nvSpPr>
-        <p:spPr>
-          <a:xfrm>
-            <a:off x="1676400" y="5334000"/>
-            <a:ext cx="5943600" cy="646331"/>
-          </a:xfrm>
-          <a:prstGeom prst="rect">
-            <a:avLst/>
-          </a:prstGeom>
-          <a:noFill/>
-        </p:spPr>
-        <p:txBody>
-          <a:bodyPr wrap="square" rtlCol="0">
-            <a:spAutoFit/>
-          </a:bodyPr>
-          <a:lstStyle/>
-          <a:p>
-            <a:r>
-              <a:rPr lang="en-US" b="1" dirty="0" smtClean="0">
-                <a:solidFill>
-                  <a:srgbClr val="FF0000"/>
-                </a:solidFill>
-              </a:rPr>
-              <a:t>CSL_CIC0_HYPERLINK_0_INT  = 111</a:t>
-            </a:r>
-          </a:p>
-          <a:p>
-            <a:r>
-              <a:rPr lang="en-US" b="1" dirty="0" smtClean="0"/>
-              <a:t>What about </a:t>
-            </a:r>
-            <a:r>
-              <a:rPr lang="en-US" b="1" dirty="0" err="1" smtClean="0"/>
-              <a:t>hyplnk_EXAMPLE_INTC_OUTPUT</a:t>
-            </a:r>
-            <a:r>
-              <a:rPr lang="en-US" b="1" dirty="0" smtClean="0"/>
-              <a:t>?</a:t>
-            </a:r>
-            <a:endParaRPr lang="en-US" dirty="0"/>
-          </a:p>
-        </p:txBody>
-      </p:sp>
-    </p:spTree>
-  </p:cSld>
-  <p:clrMapOvr>
-    <a:masterClrMapping/>
-  </p:clrMapOvr>
-</p:sld>
-</file>
-
-<file path=ppt/slides/slide24.xml><?xml version="1.0" encoding="utf-8"?>
 <p:sld xmlns:a="http://schemas.openxmlformats.org/drawingml/2006/main" xmlns:r="http://schemas.openxmlformats.org/officeDocument/2006/relationships" xmlns:p="http://schemas.openxmlformats.org/presentationml/2006/main">
   <p:cSld>
     <p:spTree>
@@ -5136,7 +5092,7 @@
 </p:sld>
 </file>
 
-<file path=ppt/slides/slide25.xml><?xml version="1.0" encoding="utf-8"?>
+<file path=ppt/slides/slide24.xml><?xml version="1.0" encoding="utf-8"?>
 <p:sld xmlns:a="http://schemas.openxmlformats.org/drawingml/2006/main" xmlns:r="http://schemas.openxmlformats.org/officeDocument/2006/relationships" xmlns:p="http://schemas.openxmlformats.org/presentationml/2006/main">
   <p:cSld>
     <p:spTree>
@@ -5177,11 +5133,7 @@
           <a:p>
             <a:r>
               <a:rPr lang="en-US" sz="3600" dirty="0" smtClean="0"/>
-              <a:t>Following Hyperlink Interrupt </a:t>
-            </a:r>
-            <a:r>
-              <a:rPr lang="en-US" sz="3600" dirty="0" smtClean="0"/>
-              <a:t>0 - Continue</a:t>
+              <a:t>Following Hyperlink Interrupt 0 - Continue</a:t>
             </a:r>
             <a:endParaRPr lang="en-US" sz="3600" dirty="0"/>
           </a:p>
@@ -5220,26 +5172,14 @@
             <a:pPr lvl="1"/>
             <a:r>
               <a:rPr lang="en-US" sz="2400" dirty="0" smtClean="0"/>
-              <a:t>Core </a:t>
-            </a:r>
+              <a:t>Core 1 event 45 is connected to CIC output event 74</a:t>
+            </a:r>
+          </a:p>
+          <a:p>
+            <a:pPr lvl="1"/>
             <a:r>
               <a:rPr lang="en-US" sz="2400" dirty="0" smtClean="0"/>
-              <a:t>1 event 45 is connected to CIC output event </a:t>
-            </a:r>
-            <a:r>
-              <a:rPr lang="en-US" sz="2400" dirty="0" smtClean="0"/>
-              <a:t>74</a:t>
-            </a:r>
-          </a:p>
-          <a:p>
-            <a:pPr lvl="1"/>
-            <a:r>
-              <a:rPr lang="en-US" sz="2400" dirty="0" smtClean="0"/>
-              <a:t>Core 2 event 45 is connected to CIC output event </a:t>
-            </a:r>
-            <a:r>
-              <a:rPr lang="en-US" sz="2400" dirty="0" smtClean="0"/>
-              <a:t>84</a:t>
+              <a:t>Core 2 event 45 is connected to CIC output event 84</a:t>
             </a:r>
           </a:p>
           <a:p>
@@ -5258,7 +5198,6 @@
               <a:rPr lang="en-US" sz="2800" dirty="0" smtClean="0"/>
               <a:t>CIC0 should map input event 111 to output event 64 (or 74, or 84 or … depends on what core is used)</a:t>
             </a:r>
-            <a:endParaRPr lang="en-US" sz="2800" dirty="0" smtClean="0"/>
           </a:p>
         </p:txBody>
       </p:sp>
@@ -5270,7 +5209,7 @@
 </p:sld>
 </file>
 
-<file path=ppt/slides/slide26.xml><?xml version="1.0" encoding="utf-8"?>
+<file path=ppt/slides/slide25.xml><?xml version="1.0" encoding="utf-8"?>
 <p:sld xmlns:a="http://schemas.openxmlformats.org/drawingml/2006/main" xmlns:r="http://schemas.openxmlformats.org/officeDocument/2006/relationships" xmlns:p="http://schemas.openxmlformats.org/presentationml/2006/main">
   <p:cSld>
     <p:spTree>
@@ -5438,7 +5377,7 @@
 </p:sld>
 </file>
 
-<file path=ppt/slides/slide27.xml><?xml version="1.0" encoding="utf-8"?>
+<file path=ppt/slides/slide26.xml><?xml version="1.0" encoding="utf-8"?>
 <p:sld xmlns:a="http://schemas.openxmlformats.org/drawingml/2006/main" xmlns:r="http://schemas.openxmlformats.org/officeDocument/2006/relationships" xmlns:p="http://schemas.openxmlformats.org/presentationml/2006/main">
   <p:cSld>
     <p:spTree>
@@ -7379,14 +7318,36 @@
           <a:p>
             <a:r>
               <a:rPr lang="en-US" sz="2800" b="1" dirty="0" smtClean="0"/>
-              <a:t>The interrupt Scheme</a:t>
-            </a:r>
+              <a:t>The interrupt </a:t>
+            </a:r>
+            <a:r>
+              <a:rPr lang="en-US" sz="2800" b="1" dirty="0" smtClean="0"/>
+              <a:t>Scheme </a:t>
+            </a:r>
+            <a:r>
+              <a:rPr lang="en-US" sz="2800" b="1" dirty="0" smtClean="0"/>
+              <a:t>– SPI 0 example</a:t>
+            </a:r>
+            <a:endParaRPr lang="en-US" sz="2800" b="1" dirty="0" smtClean="0"/>
           </a:p>
           <a:p>
             <a:r>
               <a:rPr lang="en-US" sz="2800" dirty="0" smtClean="0"/>
-              <a:t>Configure interrupt</a:t>
-            </a:r>
+              <a:t>Configure </a:t>
+            </a:r>
+            <a:r>
+              <a:rPr lang="en-US" sz="2800" dirty="0" smtClean="0"/>
+              <a:t>interrupt - </a:t>
+            </a:r>
+            <a:r>
+              <a:rPr lang="en-US" sz="2800" dirty="0" smtClean="0"/>
+              <a:t>Hyperlink </a:t>
+            </a:r>
+            <a:r>
+              <a:rPr lang="en-US" sz="2800" dirty="0" smtClean="0"/>
+              <a:t>example</a:t>
+            </a:r>
+            <a:endParaRPr lang="en-US" sz="2800" dirty="0" smtClean="0"/>
           </a:p>
         </p:txBody>
       </p:sp>

--- a/preliminary/Working/presentations/KeyStone II  Interrupts.pptx
+++ b/preliminary/Working/presentations/KeyStone II  Interrupts.pptx
@@ -36,7 +36,7 @@
     <p:sldId id="292" r:id="rId27"/>
   </p:sldIdLst>
   <p:sldSz cx="9144000" cy="6858000" type="screen4x3"/>
-  <p:notesSz cx="6858000" cy="9144000"/>
+  <p:notesSz cx="7010400" cy="9296400"/>
   <p:defaultTextStyle>
     <a:defPPr>
       <a:defRPr lang="en-US"/>
@@ -170,14 +170,14 @@
         <p:spPr>
           <a:xfrm>
             <a:off x="0" y="0"/>
-            <a:ext cx="2971800" cy="457200"/>
+            <a:ext cx="3037840" cy="464820"/>
           </a:xfrm>
           <a:prstGeom prst="rect">
             <a:avLst/>
           </a:prstGeom>
         </p:spPr>
         <p:txBody>
-          <a:bodyPr vert="horz" lIns="91440" tIns="45720" rIns="91440" bIns="45720" rtlCol="0"/>
+          <a:bodyPr vert="horz" lIns="93177" tIns="46589" rIns="93177" bIns="46589" rtlCol="0"/>
           <a:lstStyle>
             <a:lvl1pPr algn="l">
               <a:defRPr sz="1200"/>
@@ -200,15 +200,15 @@
         </p:nvSpPr>
         <p:spPr>
           <a:xfrm>
-            <a:off x="3884613" y="0"/>
-            <a:ext cx="2971800" cy="457200"/>
+            <a:off x="3970938" y="0"/>
+            <a:ext cx="3037840" cy="464820"/>
           </a:xfrm>
           <a:prstGeom prst="rect">
             <a:avLst/>
           </a:prstGeom>
         </p:spPr>
         <p:txBody>
-          <a:bodyPr vert="horz" lIns="91440" tIns="45720" rIns="91440" bIns="45720" rtlCol="0"/>
+          <a:bodyPr vert="horz" lIns="93177" tIns="46589" rIns="93177" bIns="46589" rtlCol="0"/>
           <a:lstStyle>
             <a:lvl1pPr algn="r">
               <a:defRPr sz="1200"/>
@@ -236,8 +236,8 @@
         </p:nvSpPr>
         <p:spPr>
           <a:xfrm>
-            <a:off x="1143000" y="685800"/>
-            <a:ext cx="4572000" cy="3429000"/>
+            <a:off x="1181100" y="696913"/>
+            <a:ext cx="4648200" cy="3486150"/>
           </a:xfrm>
           <a:prstGeom prst="rect">
             <a:avLst/>
@@ -250,7 +250,7 @@
           </a:ln>
         </p:spPr>
         <p:txBody>
-          <a:bodyPr vert="horz" lIns="91440" tIns="45720" rIns="91440" bIns="45720" rtlCol="0" anchor="ctr"/>
+          <a:bodyPr vert="horz" lIns="93177" tIns="46589" rIns="93177" bIns="46589" rtlCol="0" anchor="ctr"/>
           <a:lstStyle/>
           <a:p>
             <a:endParaRPr lang="en-US" dirty="0"/>
@@ -269,15 +269,15 @@
         </p:nvSpPr>
         <p:spPr>
           <a:xfrm>
-            <a:off x="685800" y="4343400"/>
-            <a:ext cx="5486400" cy="4114800"/>
+            <a:off x="701040" y="4415790"/>
+            <a:ext cx="5608320" cy="4183380"/>
           </a:xfrm>
           <a:prstGeom prst="rect">
             <a:avLst/>
           </a:prstGeom>
         </p:spPr>
         <p:txBody>
-          <a:bodyPr vert="horz" lIns="91440" tIns="45720" rIns="91440" bIns="45720" rtlCol="0">
+          <a:bodyPr vert="horz" lIns="93177" tIns="46589" rIns="93177" bIns="46589" rtlCol="0">
             <a:normAutofit/>
           </a:bodyPr>
           <a:lstStyle/>
@@ -331,15 +331,15 @@
         </p:nvSpPr>
         <p:spPr>
           <a:xfrm>
-            <a:off x="0" y="8685213"/>
-            <a:ext cx="2971800" cy="457200"/>
+            <a:off x="0" y="8829967"/>
+            <a:ext cx="3037840" cy="464820"/>
           </a:xfrm>
           <a:prstGeom prst="rect">
             <a:avLst/>
           </a:prstGeom>
         </p:spPr>
         <p:txBody>
-          <a:bodyPr vert="horz" lIns="91440" tIns="45720" rIns="91440" bIns="45720" rtlCol="0" anchor="b"/>
+          <a:bodyPr vert="horz" lIns="93177" tIns="46589" rIns="93177" bIns="46589" rtlCol="0" anchor="b"/>
           <a:lstStyle>
             <a:lvl1pPr algn="l">
               <a:defRPr sz="1200"/>
@@ -362,15 +362,15 @@
         </p:nvSpPr>
         <p:spPr>
           <a:xfrm>
-            <a:off x="3884613" y="8685213"/>
-            <a:ext cx="2971800" cy="457200"/>
+            <a:off x="3970938" y="8829967"/>
+            <a:ext cx="3037840" cy="464820"/>
           </a:xfrm>
           <a:prstGeom prst="rect">
             <a:avLst/>
           </a:prstGeom>
         </p:spPr>
         <p:txBody>
-          <a:bodyPr vert="horz" lIns="91440" tIns="45720" rIns="91440" bIns="45720" rtlCol="0" anchor="b"/>
+          <a:bodyPr vert="horz" lIns="93177" tIns="46589" rIns="93177" bIns="46589" rtlCol="0" anchor="b"/>
           <a:lstStyle>
             <a:lvl1pPr algn="r">
               <a:defRPr sz="1200"/>
@@ -550,8 +550,8 @@
         </p:nvSpPr>
         <p:spPr>
           <a:xfrm>
-            <a:off x="1189138" y="692452"/>
-            <a:ext cx="4484191" cy="3416905"/>
+            <a:off x="1192213" y="703263"/>
+            <a:ext cx="4630737" cy="3475037"/>
           </a:xfrm>
           <a:ln/>
         </p:spPr>
@@ -568,14 +568,14 @@
         </p:nvSpPr>
         <p:spPr>
           <a:xfrm>
-            <a:off x="686098" y="4342191"/>
-            <a:ext cx="5637609" cy="4192512"/>
+            <a:off x="701345" y="4414561"/>
+            <a:ext cx="5762889" cy="4262387"/>
           </a:xfrm>
           <a:noFill/>
           <a:ln/>
         </p:spPr>
         <p:txBody>
-          <a:bodyPr lIns="91420" tIns="45710" rIns="91420" bIns="45710"/>
+          <a:bodyPr lIns="93157" tIns="46578" rIns="93157" bIns="46578"/>
           <a:lstStyle/>
           <a:p>
             <a:endParaRPr lang="en-US" dirty="0" smtClean="0"/>
@@ -3824,13 +3824,8 @@
           <a:p>
             <a:r>
               <a:rPr lang="en-US" sz="2800" dirty="0" smtClean="0"/>
-              <a:t>But we see that there are eight events (56 to 63) that come out of the interrupt controller. We can connect SPIXEVT through the interrupt controller to one of these events (broadcast events</a:t>
-            </a:r>
-            <a:r>
-              <a:rPr lang="en-US" sz="2800" dirty="0" smtClean="0"/>
-              <a:t>). We will connect to broadcast event 63</a:t>
-            </a:r>
-            <a:endParaRPr lang="en-US" sz="2800" dirty="0" smtClean="0"/>
+              <a:t>But we see that there are eight events (56 to 63) that come out of the interrupt controller. We can connect SPIXEVT through the interrupt controller to one of these events (broadcast events). We will connect to broadcast event 63</a:t>
+            </a:r>
           </a:p>
           <a:p>
             <a:r>
@@ -4146,24 +4141,14 @@
           <a:p>
             <a:r>
               <a:rPr lang="en-US" sz="2800" dirty="0" smtClean="0"/>
-              <a:t>The interrupt </a:t>
-            </a:r>
-            <a:r>
-              <a:rPr lang="en-US" sz="2800" dirty="0" smtClean="0"/>
-              <a:t>Scheme – SPI 0 example</a:t>
-            </a:r>
-            <a:endParaRPr lang="en-US" sz="2800" dirty="0" smtClean="0"/>
+              <a:t>The interrupt Scheme – SPI 0 example</a:t>
+            </a:r>
           </a:p>
           <a:p>
             <a:r>
               <a:rPr lang="en-US" sz="2800" b="1" dirty="0" smtClean="0"/>
-              <a:t>Configure </a:t>
-            </a:r>
-            <a:r>
-              <a:rPr lang="en-US" sz="2800" b="1" dirty="0" smtClean="0"/>
-              <a:t>interrupt – Hyperlink example</a:t>
-            </a:r>
-            <a:endParaRPr lang="en-US" sz="2800" b="1" dirty="0" smtClean="0"/>
+              <a:t>Configure interrupt – Hyperlink example</a:t>
+            </a:r>
           </a:p>
         </p:txBody>
       </p:sp>
@@ -4235,7 +4220,7 @@
         <p:spPr/>
         <p:txBody>
           <a:bodyPr>
-            <a:normAutofit/>
+            <a:normAutofit lnSpcReduction="10000"/>
           </a:bodyPr>
           <a:lstStyle/>
           <a:p>
@@ -4260,8 +4245,28 @@
           <a:p>
             <a:r>
               <a:rPr lang="en-US" sz="2800" dirty="0" smtClean="0"/>
-              <a:t>The next slide with show APIs to connect system events to channels (output of the CIC) and the channel events to interrupt line</a:t>
-            </a:r>
+              <a:t>The next slide with show APIs to connect system events to channels (output of the CIC) </a:t>
+            </a:r>
+            <a:endParaRPr lang="en-US" sz="2800" dirty="0" smtClean="0"/>
+          </a:p>
+          <a:p>
+            <a:r>
+              <a:rPr lang="en-US" sz="2800" dirty="0" smtClean="0"/>
+              <a:t>Connect</a:t>
+            </a:r>
+            <a:r>
+              <a:rPr lang="en-US" sz="2800" dirty="0" smtClean="0"/>
+              <a:t> </a:t>
+            </a:r>
+            <a:r>
+              <a:rPr lang="en-US" sz="2800" dirty="0" smtClean="0"/>
+              <a:t>the channel events to interrupt </a:t>
+            </a:r>
+            <a:r>
+              <a:rPr lang="en-US" sz="2800" dirty="0" smtClean="0"/>
+              <a:t>line is done using CSL or SYSBIOS as described in the beginning of the presentation (but with the correct C66 event number)</a:t>
+            </a:r>
+            <a:endParaRPr lang="en-US" sz="2800" dirty="0" smtClean="0"/>
           </a:p>
         </p:txBody>
       </p:sp>
@@ -4582,24 +4587,14 @@
           <a:p>
             <a:r>
               <a:rPr lang="en-US" sz="2800" dirty="0" smtClean="0"/>
-              <a:t>The interrupt </a:t>
-            </a:r>
+              <a:t>The interrupt Scheme – SPI 0 example</a:t>
+            </a:r>
+          </a:p>
+          <a:p>
             <a:r>
               <a:rPr lang="en-US" sz="2800" dirty="0" smtClean="0"/>
-              <a:t>Scheme – SPI 0 example</a:t>
-            </a:r>
-            <a:endParaRPr lang="en-US" sz="2800" dirty="0" smtClean="0"/>
-          </a:p>
-          <a:p>
-            <a:r>
-              <a:rPr lang="en-US" sz="2800" dirty="0" smtClean="0"/>
-              <a:t>Configure </a:t>
-            </a:r>
-            <a:r>
-              <a:rPr lang="en-US" sz="2800" dirty="0" smtClean="0"/>
-              <a:t>interrupt - Hyperlink example</a:t>
-            </a:r>
-            <a:endParaRPr lang="en-US" sz="2800" dirty="0" smtClean="0"/>
+              <a:t>Configure interrupt - Hyperlink example</a:t>
+            </a:r>
           </a:p>
         </p:txBody>
       </p:sp>
@@ -7318,36 +7313,14 @@
           <a:p>
             <a:r>
               <a:rPr lang="en-US" sz="2800" b="1" dirty="0" smtClean="0"/>
-              <a:t>The interrupt </a:t>
-            </a:r>
-            <a:r>
-              <a:rPr lang="en-US" sz="2800" b="1" dirty="0" smtClean="0"/>
-              <a:t>Scheme </a:t>
-            </a:r>
-            <a:r>
-              <a:rPr lang="en-US" sz="2800" b="1" dirty="0" smtClean="0"/>
-              <a:t>– SPI 0 example</a:t>
-            </a:r>
-            <a:endParaRPr lang="en-US" sz="2800" b="1" dirty="0" smtClean="0"/>
+              <a:t>The interrupt Scheme – SPI 0 example</a:t>
+            </a:r>
           </a:p>
           <a:p>
             <a:r>
               <a:rPr lang="en-US" sz="2800" dirty="0" smtClean="0"/>
-              <a:t>Configure </a:t>
-            </a:r>
-            <a:r>
-              <a:rPr lang="en-US" sz="2800" dirty="0" smtClean="0"/>
-              <a:t>interrupt - </a:t>
-            </a:r>
-            <a:r>
-              <a:rPr lang="en-US" sz="2800" dirty="0" smtClean="0"/>
-              <a:t>Hyperlink </a:t>
-            </a:r>
-            <a:r>
-              <a:rPr lang="en-US" sz="2800" dirty="0" smtClean="0"/>
-              <a:t>example</a:t>
-            </a:r>
-            <a:endParaRPr lang="en-US" sz="2800" dirty="0" smtClean="0"/>
+              <a:t>Configure interrupt - Hyperlink example</a:t>
+            </a:r>
           </a:p>
         </p:txBody>
       </p:sp>
@@ -7489,7 +7462,11 @@
             </a:br>
             <a:r>
               <a:rPr lang="en-US" sz="3600" dirty="0" smtClean="0"/>
-              <a:t>But not event 56</a:t>
+              <a:t>But not </a:t>
+            </a:r>
+            <a:r>
+              <a:rPr lang="en-US" sz="3600" dirty="0" smtClean="0"/>
+              <a:t>SPI</a:t>
             </a:r>
             <a:endParaRPr lang="en-US" sz="3600" dirty="0"/>
           </a:p>
